--- a/INTERGALAKTIČKI_ŠAH.pptx
+++ b/INTERGALAKTIČKI_ŠAH.pptx
@@ -6,15 +6,28 @@
   </p:sldMasterIdLst>
   <p:sldIdLst>
     <p:sldId id="256" r:id="rId2"/>
-    <p:sldId id="257" r:id="rId3"/>
-    <p:sldId id="258" r:id="rId4"/>
-    <p:sldId id="261" r:id="rId5"/>
-    <p:sldId id="262" r:id="rId6"/>
-    <p:sldId id="263" r:id="rId7"/>
-    <p:sldId id="264" r:id="rId8"/>
-    <p:sldId id="265" r:id="rId9"/>
-    <p:sldId id="259" r:id="rId10"/>
-    <p:sldId id="260" r:id="rId11"/>
+    <p:sldId id="271" r:id="rId3"/>
+    <p:sldId id="257" r:id="rId4"/>
+    <p:sldId id="258" r:id="rId5"/>
+    <p:sldId id="261" r:id="rId6"/>
+    <p:sldId id="262" r:id="rId7"/>
+    <p:sldId id="263" r:id="rId8"/>
+    <p:sldId id="264" r:id="rId9"/>
+    <p:sldId id="265" r:id="rId10"/>
+    <p:sldId id="259" r:id="rId11"/>
+    <p:sldId id="269" r:id="rId12"/>
+    <p:sldId id="260" r:id="rId13"/>
+    <p:sldId id="266" r:id="rId14"/>
+    <p:sldId id="270" r:id="rId15"/>
+    <p:sldId id="275" r:id="rId16"/>
+    <p:sldId id="274" r:id="rId17"/>
+    <p:sldId id="272" r:id="rId18"/>
+    <p:sldId id="277" r:id="rId19"/>
+    <p:sldId id="278" r:id="rId20"/>
+    <p:sldId id="273" r:id="rId21"/>
+    <p:sldId id="276" r:id="rId22"/>
+    <p:sldId id="279" r:id="rId23"/>
+    <p:sldId id="280" r:id="rId24"/>
   </p:sldIdLst>
   <p:sldSz cx="12192000" cy="6858000"/>
   <p:notesSz cx="6858000" cy="9144000"/>
@@ -5902,6 +5915,36 @@
           </a:p>
         </p:txBody>
       </p:sp>
+      <p:pic>
+        <p:nvPicPr>
+          <p:cNvPr id="5" name="Picture 4">
+            <a:extLst>
+              <a:ext uri="{FF2B5EF4-FFF2-40B4-BE49-F238E27FC236}">
+                <a16:creationId xmlns:a16="http://schemas.microsoft.com/office/drawing/2014/main" id="{91155B96-A658-FD90-8BB2-3DC3C591F5EF}"/>
+              </a:ext>
+            </a:extLst>
+          </p:cNvPr>
+          <p:cNvPicPr>
+            <a:picLocks noChangeAspect="1"/>
+          </p:cNvPicPr>
+          <p:nvPr/>
+        </p:nvPicPr>
+        <p:blipFill>
+          <a:blip r:embed="rId2"/>
+          <a:stretch>
+            <a:fillRect/>
+          </a:stretch>
+        </p:blipFill>
+        <p:spPr>
+          <a:xfrm>
+            <a:off x="812800" y="1913282"/>
+            <a:ext cx="3921125" cy="3877917"/>
+          </a:xfrm>
+          <a:prstGeom prst="rect">
+            <a:avLst/>
+          </a:prstGeom>
+        </p:spPr>
+      </p:pic>
     </p:spTree>
     <p:extLst>
       <p:ext uri="{BB962C8B-B14F-4D97-AF65-F5344CB8AC3E}">
@@ -5937,7 +5980,7 @@
           <p:cNvPr id="2" name="Title 1">
             <a:extLst>
               <a:ext uri="{FF2B5EF4-FFF2-40B4-BE49-F238E27FC236}">
-                <a16:creationId xmlns:a16="http://schemas.microsoft.com/office/drawing/2014/main" id="{6FF47202-5CDB-8D82-DC56-44CB26695A1D}"/>
+                <a16:creationId xmlns:a16="http://schemas.microsoft.com/office/drawing/2014/main" id="{8266C488-7F84-EC91-873D-FFC4F72D3BB8}"/>
               </a:ext>
             </a:extLst>
           </p:cNvPr>
@@ -5953,16 +5996,1213 @@
           <a:bodyPr/>
           <a:lstStyle/>
           <a:p>
+            <a:r>
+              <a:rPr lang="en-US" dirty="0" err="1"/>
+              <a:t>Pravila</a:t>
+            </a:r>
+            <a:r>
+              <a:rPr lang="en-US" dirty="0"/>
+              <a:t> - </a:t>
+            </a:r>
+            <a:r>
+              <a:rPr lang="en-US" dirty="0" err="1"/>
+              <a:t>Kretanje</a:t>
+            </a:r>
+            <a:r>
+              <a:rPr lang="en-US" dirty="0"/>
+              <a:t> </a:t>
+            </a:r>
+            <a:r>
+              <a:rPr lang="en-US" dirty="0" err="1"/>
+              <a:t>figura</a:t>
+            </a:r>
+            <a:endParaRPr lang="en-US" dirty="0"/>
+          </a:p>
+        </p:txBody>
+      </p:sp>
+      <p:pic>
+        <p:nvPicPr>
+          <p:cNvPr id="7" name="Picture 6">
+            <a:extLst>
+              <a:ext uri="{FF2B5EF4-FFF2-40B4-BE49-F238E27FC236}">
+                <a16:creationId xmlns:a16="http://schemas.microsoft.com/office/drawing/2014/main" id="{7A5DB8B8-1F64-B239-E934-CDD6A6228CBD}"/>
+              </a:ext>
+            </a:extLst>
+          </p:cNvPr>
+          <p:cNvPicPr>
+            <a:picLocks noChangeAspect="1"/>
+          </p:cNvPicPr>
+          <p:nvPr/>
+        </p:nvPicPr>
+        <p:blipFill>
+          <a:blip r:embed="rId2"/>
+          <a:stretch>
+            <a:fillRect/>
+          </a:stretch>
+        </p:blipFill>
+        <p:spPr>
+          <a:xfrm>
+            <a:off x="514905" y="2523236"/>
+            <a:ext cx="2776767" cy="2802068"/>
+          </a:xfrm>
+          <a:prstGeom prst="rect">
+            <a:avLst/>
+          </a:prstGeom>
+        </p:spPr>
+      </p:pic>
+      <p:pic>
+        <p:nvPicPr>
+          <p:cNvPr id="9" name="Picture 8">
+            <a:extLst>
+              <a:ext uri="{FF2B5EF4-FFF2-40B4-BE49-F238E27FC236}">
+                <a16:creationId xmlns:a16="http://schemas.microsoft.com/office/drawing/2014/main" id="{5EE4EF71-9990-E2FA-83A9-5501667FB821}"/>
+              </a:ext>
+            </a:extLst>
+          </p:cNvPr>
+          <p:cNvPicPr>
+            <a:picLocks noChangeAspect="1"/>
+          </p:cNvPicPr>
+          <p:nvPr/>
+        </p:nvPicPr>
+        <p:blipFill>
+          <a:blip r:embed="rId3"/>
+          <a:stretch>
+            <a:fillRect/>
+          </a:stretch>
+        </p:blipFill>
+        <p:spPr>
+          <a:xfrm>
+            <a:off x="4162717" y="2523236"/>
+            <a:ext cx="2894120" cy="2742163"/>
+          </a:xfrm>
+          <a:prstGeom prst="rect">
+            <a:avLst/>
+          </a:prstGeom>
+        </p:spPr>
+      </p:pic>
+      <p:pic>
+        <p:nvPicPr>
+          <p:cNvPr id="11" name="Picture 10">
+            <a:extLst>
+              <a:ext uri="{FF2B5EF4-FFF2-40B4-BE49-F238E27FC236}">
+                <a16:creationId xmlns:a16="http://schemas.microsoft.com/office/drawing/2014/main" id="{0E7F677C-AF18-9607-993C-D70B2255775D}"/>
+              </a:ext>
+            </a:extLst>
+          </p:cNvPr>
+          <p:cNvPicPr>
+            <a:picLocks noChangeAspect="1"/>
+          </p:cNvPicPr>
+          <p:nvPr/>
+        </p:nvPicPr>
+        <p:blipFill>
+          <a:blip r:embed="rId4"/>
+          <a:stretch>
+            <a:fillRect/>
+          </a:stretch>
+        </p:blipFill>
+        <p:spPr>
+          <a:xfrm>
+            <a:off x="7927882" y="2489491"/>
+            <a:ext cx="2776767" cy="2803792"/>
+          </a:xfrm>
+          <a:prstGeom prst="rect">
+            <a:avLst/>
+          </a:prstGeom>
+        </p:spPr>
+      </p:pic>
+      <p:sp>
+        <p:nvSpPr>
+          <p:cNvPr id="12" name="TextBox 11">
+            <a:extLst>
+              <a:ext uri="{FF2B5EF4-FFF2-40B4-BE49-F238E27FC236}">
+                <a16:creationId xmlns:a16="http://schemas.microsoft.com/office/drawing/2014/main" id="{B70EF624-9FDF-6A89-C083-0670DC01B342}"/>
+              </a:ext>
+            </a:extLst>
+          </p:cNvPr>
+          <p:cNvSpPr txBox="1"/>
+          <p:nvPr/>
+        </p:nvSpPr>
+        <p:spPr>
+          <a:xfrm>
+            <a:off x="1363431" y="1991764"/>
+            <a:ext cx="854080" cy="369332"/>
+          </a:xfrm>
+          <a:prstGeom prst="rect">
+            <a:avLst/>
+          </a:prstGeom>
+          <a:noFill/>
+        </p:spPr>
+        <p:txBody>
+          <a:bodyPr wrap="none" rtlCol="0">
+            <a:spAutoFit/>
+          </a:bodyPr>
+          <a:lstStyle/>
+          <a:p>
+            <a:r>
+              <a:rPr lang="en-US" dirty="0" err="1"/>
+              <a:t>Kraljica</a:t>
+            </a:r>
+            <a:endParaRPr lang="en-US" dirty="0"/>
+          </a:p>
+        </p:txBody>
+      </p:sp>
+      <p:sp>
+        <p:nvSpPr>
+          <p:cNvPr id="13" name="TextBox 12">
+            <a:extLst>
+              <a:ext uri="{FF2B5EF4-FFF2-40B4-BE49-F238E27FC236}">
+                <a16:creationId xmlns:a16="http://schemas.microsoft.com/office/drawing/2014/main" id="{4942C4B2-2B45-F37B-DAEC-A0275A372B7D}"/>
+              </a:ext>
+            </a:extLst>
+          </p:cNvPr>
+          <p:cNvSpPr txBox="1"/>
+          <p:nvPr/>
+        </p:nvSpPr>
+        <p:spPr>
+          <a:xfrm>
+            <a:off x="5102229" y="1991764"/>
+            <a:ext cx="594715" cy="369332"/>
+          </a:xfrm>
+          <a:prstGeom prst="rect">
+            <a:avLst/>
+          </a:prstGeom>
+          <a:noFill/>
+        </p:spPr>
+        <p:txBody>
+          <a:bodyPr wrap="none" rtlCol="0">
+            <a:spAutoFit/>
+          </a:bodyPr>
+          <a:lstStyle/>
+          <a:p>
+            <a:r>
+              <a:rPr lang="en-US" dirty="0" err="1"/>
+              <a:t>Kralj</a:t>
+            </a:r>
+            <a:endParaRPr lang="en-US" dirty="0"/>
+          </a:p>
+        </p:txBody>
+      </p:sp>
+      <p:sp>
+        <p:nvSpPr>
+          <p:cNvPr id="14" name="TextBox 13">
+            <a:extLst>
+              <a:ext uri="{FF2B5EF4-FFF2-40B4-BE49-F238E27FC236}">
+                <a16:creationId xmlns:a16="http://schemas.microsoft.com/office/drawing/2014/main" id="{BF9E95DC-477F-F485-71BB-CDEF67BAE5E1}"/>
+              </a:ext>
+            </a:extLst>
+          </p:cNvPr>
+          <p:cNvSpPr txBox="1"/>
+          <p:nvPr/>
+        </p:nvSpPr>
+        <p:spPr>
+          <a:xfrm>
+            <a:off x="8947739" y="1991764"/>
+            <a:ext cx="586635" cy="369332"/>
+          </a:xfrm>
+          <a:prstGeom prst="rect">
+            <a:avLst/>
+          </a:prstGeom>
+          <a:noFill/>
+        </p:spPr>
+        <p:txBody>
+          <a:bodyPr wrap="none" rtlCol="0">
+            <a:spAutoFit/>
+          </a:bodyPr>
+          <a:lstStyle/>
+          <a:p>
+            <a:r>
+              <a:rPr lang="en-US" dirty="0"/>
+              <a:t>Kula</a:t>
+            </a:r>
+          </a:p>
+        </p:txBody>
+      </p:sp>
+      <p:pic>
+        <p:nvPicPr>
+          <p:cNvPr id="16" name="Picture 15" descr="A white chess piece on a black background&#10;&#10;Description automatically generated">
+            <a:extLst>
+              <a:ext uri="{FF2B5EF4-FFF2-40B4-BE49-F238E27FC236}">
+                <a16:creationId xmlns:a16="http://schemas.microsoft.com/office/drawing/2014/main" id="{744B5FF6-CC41-C393-32FB-215B0BA267FD}"/>
+              </a:ext>
+            </a:extLst>
+          </p:cNvPr>
+          <p:cNvPicPr>
+            <a:picLocks noChangeAspect="1"/>
+          </p:cNvPicPr>
+          <p:nvPr/>
+        </p:nvPicPr>
+        <p:blipFill>
+          <a:blip r:embed="rId5">
+            <a:extLst>
+              <a:ext uri="{28A0092B-C50C-407E-A947-70E740481C1C}">
+                <a14:useLocalDpi xmlns:a14="http://schemas.microsoft.com/office/drawing/2010/main" val="0"/>
+              </a:ext>
+            </a:extLst>
+          </a:blip>
+          <a:stretch>
+            <a:fillRect/>
+          </a:stretch>
+        </p:blipFill>
+        <p:spPr>
+          <a:xfrm>
+            <a:off x="11506199" y="138934"/>
+            <a:ext cx="529761" cy="784831"/>
+          </a:xfrm>
+          <a:prstGeom prst="rect">
+            <a:avLst/>
+          </a:prstGeom>
+        </p:spPr>
+      </p:pic>
+    </p:spTree>
+    <p:extLst>
+      <p:ext uri="{BB962C8B-B14F-4D97-AF65-F5344CB8AC3E}">
+        <p14:creationId xmlns:p14="http://schemas.microsoft.com/office/powerpoint/2010/main" val="248721107"/>
+      </p:ext>
+    </p:extLst>
+  </p:cSld>
+  <p:clrMapOvr>
+    <a:masterClrMapping/>
+  </p:clrMapOvr>
+</p:sld>
+</file>
+
+<file path=ppt/slides/slide11.xml><?xml version="1.0" encoding="utf-8"?>
+<p:sld xmlns:a="http://schemas.openxmlformats.org/drawingml/2006/main" xmlns:r="http://schemas.openxmlformats.org/officeDocument/2006/relationships" xmlns:p="http://schemas.openxmlformats.org/presentationml/2006/main">
+  <p:cSld>
+    <p:spTree>
+      <p:nvGrpSpPr>
+        <p:cNvPr id="1" name=""/>
+        <p:cNvGrpSpPr/>
+        <p:nvPr/>
+      </p:nvGrpSpPr>
+      <p:grpSpPr>
+        <a:xfrm>
+          <a:off x="0" y="0"/>
+          <a:ext cx="0" cy="0"/>
+          <a:chOff x="0" y="0"/>
+          <a:chExt cx="0" cy="0"/>
+        </a:xfrm>
+      </p:grpSpPr>
+      <p:sp>
+        <p:nvSpPr>
+          <p:cNvPr id="2" name="Title 1">
+            <a:extLst>
+              <a:ext uri="{FF2B5EF4-FFF2-40B4-BE49-F238E27FC236}">
+                <a16:creationId xmlns:a16="http://schemas.microsoft.com/office/drawing/2014/main" id="{8266C488-7F84-EC91-873D-FFC4F72D3BB8}"/>
+              </a:ext>
+            </a:extLst>
+          </p:cNvPr>
+          <p:cNvSpPr>
+            <a:spLocks noGrp="1"/>
+          </p:cNvSpPr>
+          <p:nvPr>
+            <p:ph type="title"/>
+          </p:nvPr>
+        </p:nvSpPr>
+        <p:spPr/>
+        <p:txBody>
+          <a:bodyPr/>
+          <a:lstStyle/>
+          <a:p>
+            <a:r>
+              <a:rPr lang="en-US" dirty="0" err="1"/>
+              <a:t>Pravila</a:t>
+            </a:r>
+            <a:r>
+              <a:rPr lang="en-US" dirty="0"/>
+              <a:t> - </a:t>
+            </a:r>
+            <a:r>
+              <a:rPr lang="en-US" dirty="0" err="1"/>
+              <a:t>Kretanje</a:t>
+            </a:r>
+            <a:r>
+              <a:rPr lang="en-US" dirty="0"/>
+              <a:t> </a:t>
+            </a:r>
+            <a:r>
+              <a:rPr lang="en-US" dirty="0" err="1"/>
+              <a:t>figura</a:t>
+            </a:r>
+            <a:endParaRPr lang="en-US" dirty="0"/>
+          </a:p>
+        </p:txBody>
+      </p:sp>
+      <p:sp>
+        <p:nvSpPr>
+          <p:cNvPr id="12" name="TextBox 11">
+            <a:extLst>
+              <a:ext uri="{FF2B5EF4-FFF2-40B4-BE49-F238E27FC236}">
+                <a16:creationId xmlns:a16="http://schemas.microsoft.com/office/drawing/2014/main" id="{B70EF624-9FDF-6A89-C083-0670DC01B342}"/>
+              </a:ext>
+            </a:extLst>
+          </p:cNvPr>
+          <p:cNvSpPr txBox="1"/>
+          <p:nvPr/>
+        </p:nvSpPr>
+        <p:spPr>
+          <a:xfrm>
+            <a:off x="1214642" y="1908347"/>
+            <a:ext cx="598882" cy="369332"/>
+          </a:xfrm>
+          <a:prstGeom prst="rect">
+            <a:avLst/>
+          </a:prstGeom>
+          <a:noFill/>
+        </p:spPr>
+        <p:txBody>
+          <a:bodyPr wrap="none" rtlCol="0">
+            <a:spAutoFit/>
+          </a:bodyPr>
+          <a:lstStyle/>
+          <a:p>
+            <a:r>
+              <a:rPr lang="en-US" dirty="0" err="1"/>
+              <a:t>Konj</a:t>
+            </a:r>
+            <a:endParaRPr lang="en-US" dirty="0"/>
+          </a:p>
+        </p:txBody>
+      </p:sp>
+      <p:sp>
+        <p:nvSpPr>
+          <p:cNvPr id="13" name="TextBox 12">
+            <a:extLst>
+              <a:ext uri="{FF2B5EF4-FFF2-40B4-BE49-F238E27FC236}">
+                <a16:creationId xmlns:a16="http://schemas.microsoft.com/office/drawing/2014/main" id="{4942C4B2-2B45-F37B-DAEC-A0275A372B7D}"/>
+              </a:ext>
+            </a:extLst>
+          </p:cNvPr>
+          <p:cNvSpPr txBox="1"/>
+          <p:nvPr/>
+        </p:nvSpPr>
+        <p:spPr>
+          <a:xfrm>
+            <a:off x="4668192" y="1946424"/>
+            <a:ext cx="712439" cy="369332"/>
+          </a:xfrm>
+          <a:prstGeom prst="rect">
+            <a:avLst/>
+          </a:prstGeom>
+          <a:noFill/>
+        </p:spPr>
+        <p:txBody>
+          <a:bodyPr wrap="none" rtlCol="0">
+            <a:spAutoFit/>
+          </a:bodyPr>
+          <a:lstStyle/>
+          <a:p>
+            <a:r>
+              <a:rPr lang="en-US" dirty="0" err="1"/>
+              <a:t>Lovac</a:t>
+            </a:r>
+            <a:endParaRPr lang="en-US" dirty="0"/>
+          </a:p>
+        </p:txBody>
+      </p:sp>
+      <p:sp>
+        <p:nvSpPr>
+          <p:cNvPr id="14" name="TextBox 13">
+            <a:extLst>
+              <a:ext uri="{FF2B5EF4-FFF2-40B4-BE49-F238E27FC236}">
+                <a16:creationId xmlns:a16="http://schemas.microsoft.com/office/drawing/2014/main" id="{BF9E95DC-477F-F485-71BB-CDEF67BAE5E1}"/>
+              </a:ext>
+            </a:extLst>
+          </p:cNvPr>
+          <p:cNvSpPr txBox="1"/>
+          <p:nvPr/>
+        </p:nvSpPr>
+        <p:spPr>
+          <a:xfrm>
+            <a:off x="9039393" y="1824738"/>
+            <a:ext cx="654346" cy="369332"/>
+          </a:xfrm>
+          <a:prstGeom prst="rect">
+            <a:avLst/>
+          </a:prstGeom>
+          <a:noFill/>
+        </p:spPr>
+        <p:txBody>
+          <a:bodyPr wrap="none" rtlCol="0">
+            <a:spAutoFit/>
+          </a:bodyPr>
+          <a:lstStyle/>
+          <a:p>
+            <a:r>
+              <a:rPr lang="en-US" dirty="0" err="1"/>
+              <a:t>Pijun</a:t>
+            </a:r>
+            <a:endParaRPr lang="en-US" dirty="0"/>
+          </a:p>
+        </p:txBody>
+      </p:sp>
+      <p:pic>
+        <p:nvPicPr>
+          <p:cNvPr id="4" name="Picture 3">
+            <a:extLst>
+              <a:ext uri="{FF2B5EF4-FFF2-40B4-BE49-F238E27FC236}">
+                <a16:creationId xmlns:a16="http://schemas.microsoft.com/office/drawing/2014/main" id="{54D3EABA-0881-EC63-DFA0-EF0D1FC3FB96}"/>
+              </a:ext>
+            </a:extLst>
+          </p:cNvPr>
+          <p:cNvPicPr>
+            <a:picLocks noChangeAspect="1"/>
+          </p:cNvPicPr>
+          <p:nvPr/>
+        </p:nvPicPr>
+        <p:blipFill>
+          <a:blip r:embed="rId2"/>
+          <a:stretch>
+            <a:fillRect/>
+          </a:stretch>
+        </p:blipFill>
+        <p:spPr>
+          <a:xfrm>
+            <a:off x="241486" y="2489491"/>
+            <a:ext cx="2815853" cy="2803793"/>
+          </a:xfrm>
+          <a:prstGeom prst="rect">
+            <a:avLst/>
+          </a:prstGeom>
+        </p:spPr>
+      </p:pic>
+      <p:pic>
+        <p:nvPicPr>
+          <p:cNvPr id="6" name="Picture 5">
+            <a:extLst>
+              <a:ext uri="{FF2B5EF4-FFF2-40B4-BE49-F238E27FC236}">
+                <a16:creationId xmlns:a16="http://schemas.microsoft.com/office/drawing/2014/main" id="{D8352E19-E3AF-24A7-8D29-AE017EFD46D5}"/>
+              </a:ext>
+            </a:extLst>
+          </p:cNvPr>
+          <p:cNvPicPr>
+            <a:picLocks noChangeAspect="1"/>
+          </p:cNvPicPr>
+          <p:nvPr/>
+        </p:nvPicPr>
+        <p:blipFill>
+          <a:blip r:embed="rId3"/>
+          <a:stretch>
+            <a:fillRect/>
+          </a:stretch>
+        </p:blipFill>
+        <p:spPr>
+          <a:xfrm>
+            <a:off x="3836862" y="2429187"/>
+            <a:ext cx="2517699" cy="3101411"/>
+          </a:xfrm>
+          <a:prstGeom prst="rect">
+            <a:avLst/>
+          </a:prstGeom>
+        </p:spPr>
+      </p:pic>
+      <p:pic>
+        <p:nvPicPr>
+          <p:cNvPr id="10" name="Picture 9">
+            <a:extLst>
+              <a:ext uri="{FF2B5EF4-FFF2-40B4-BE49-F238E27FC236}">
+                <a16:creationId xmlns:a16="http://schemas.microsoft.com/office/drawing/2014/main" id="{FDA8D619-C4BE-B9F6-FDE9-B8A219834876}"/>
+              </a:ext>
+            </a:extLst>
+          </p:cNvPr>
+          <p:cNvPicPr>
+            <a:picLocks noChangeAspect="1"/>
+          </p:cNvPicPr>
+          <p:nvPr/>
+        </p:nvPicPr>
+        <p:blipFill>
+          <a:blip r:embed="rId4"/>
+          <a:stretch>
+            <a:fillRect/>
+          </a:stretch>
+        </p:blipFill>
+        <p:spPr>
+          <a:xfrm>
+            <a:off x="7032639" y="2486114"/>
+            <a:ext cx="2404948" cy="2987555"/>
+          </a:xfrm>
+          <a:prstGeom prst="rect">
+            <a:avLst/>
+          </a:prstGeom>
+        </p:spPr>
+      </p:pic>
+      <p:pic>
+        <p:nvPicPr>
+          <p:cNvPr id="16" name="Picture 15">
+            <a:extLst>
+              <a:ext uri="{FF2B5EF4-FFF2-40B4-BE49-F238E27FC236}">
+                <a16:creationId xmlns:a16="http://schemas.microsoft.com/office/drawing/2014/main" id="{63E68521-E6F4-CB6A-E5B6-A0DA5372AA81}"/>
+              </a:ext>
+            </a:extLst>
+          </p:cNvPr>
+          <p:cNvPicPr>
+            <a:picLocks noChangeAspect="1"/>
+          </p:cNvPicPr>
+          <p:nvPr/>
+        </p:nvPicPr>
+        <p:blipFill>
+          <a:blip r:embed="rId5"/>
+          <a:stretch>
+            <a:fillRect/>
+          </a:stretch>
+        </p:blipFill>
+        <p:spPr>
+          <a:xfrm>
+            <a:off x="9605583" y="2315756"/>
+            <a:ext cx="2263488" cy="3454109"/>
+          </a:xfrm>
+          <a:prstGeom prst="rect">
+            <a:avLst/>
+          </a:prstGeom>
+        </p:spPr>
+      </p:pic>
+      <p:pic>
+        <p:nvPicPr>
+          <p:cNvPr id="17" name="Picture 16" descr="A white chess piece on a black background&#10;&#10;Description automatically generated">
+            <a:extLst>
+              <a:ext uri="{FF2B5EF4-FFF2-40B4-BE49-F238E27FC236}">
+                <a16:creationId xmlns:a16="http://schemas.microsoft.com/office/drawing/2014/main" id="{20CEABAF-2949-6067-294B-585AE5FEC268}"/>
+              </a:ext>
+            </a:extLst>
+          </p:cNvPr>
+          <p:cNvPicPr>
+            <a:picLocks noChangeAspect="1"/>
+          </p:cNvPicPr>
+          <p:nvPr/>
+        </p:nvPicPr>
+        <p:blipFill>
+          <a:blip r:embed="rId6">
+            <a:extLst>
+              <a:ext uri="{28A0092B-C50C-407E-A947-70E740481C1C}">
+                <a14:useLocalDpi xmlns:a14="http://schemas.microsoft.com/office/drawing/2010/main" val="0"/>
+              </a:ext>
+            </a:extLst>
+          </a:blip>
+          <a:stretch>
+            <a:fillRect/>
+          </a:stretch>
+        </p:blipFill>
+        <p:spPr>
+          <a:xfrm>
+            <a:off x="11506199" y="138934"/>
+            <a:ext cx="529761" cy="784831"/>
+          </a:xfrm>
+          <a:prstGeom prst="rect">
+            <a:avLst/>
+          </a:prstGeom>
+        </p:spPr>
+      </p:pic>
+    </p:spTree>
+    <p:extLst>
+      <p:ext uri="{BB962C8B-B14F-4D97-AF65-F5344CB8AC3E}">
+        <p14:creationId xmlns:p14="http://schemas.microsoft.com/office/powerpoint/2010/main" val="1001861187"/>
+      </p:ext>
+    </p:extLst>
+  </p:cSld>
+  <p:clrMapOvr>
+    <a:masterClrMapping/>
+  </p:clrMapOvr>
+</p:sld>
+</file>
+
+<file path=ppt/slides/slide12.xml><?xml version="1.0" encoding="utf-8"?>
+<p:sld xmlns:a="http://schemas.openxmlformats.org/drawingml/2006/main" xmlns:r="http://schemas.openxmlformats.org/officeDocument/2006/relationships" xmlns:p="http://schemas.openxmlformats.org/presentationml/2006/main">
+  <p:cSld>
+    <p:spTree>
+      <p:nvGrpSpPr>
+        <p:cNvPr id="1" name=""/>
+        <p:cNvGrpSpPr/>
+        <p:nvPr/>
+      </p:nvGrpSpPr>
+      <p:grpSpPr>
+        <a:xfrm>
+          <a:off x="0" y="0"/>
+          <a:ext cx="0" cy="0"/>
+          <a:chOff x="0" y="0"/>
+          <a:chExt cx="0" cy="0"/>
+        </a:xfrm>
+      </p:grpSpPr>
+      <p:sp>
+        <p:nvSpPr>
+          <p:cNvPr id="2" name="Title 1">
+            <a:extLst>
+              <a:ext uri="{FF2B5EF4-FFF2-40B4-BE49-F238E27FC236}">
+                <a16:creationId xmlns:a16="http://schemas.microsoft.com/office/drawing/2014/main" id="{6FF47202-5CDB-8D82-DC56-44CB26695A1D}"/>
+              </a:ext>
+            </a:extLst>
+          </p:cNvPr>
+          <p:cNvSpPr>
+            <a:spLocks noGrp="1"/>
+          </p:cNvSpPr>
+          <p:nvPr>
+            <p:ph type="title"/>
+          </p:nvPr>
+        </p:nvSpPr>
+        <p:spPr/>
+        <p:txBody>
+          <a:bodyPr/>
+          <a:lstStyle/>
+          <a:p>
+            <a:r>
+              <a:rPr lang="en-US" dirty="0" err="1"/>
+              <a:t>Pravila</a:t>
+            </a:r>
+            <a:r>
+              <a:rPr lang="en-US" dirty="0"/>
+              <a:t> – </a:t>
+            </a:r>
+            <a:r>
+              <a:rPr lang="en-US" dirty="0" err="1"/>
+              <a:t>uzimanje</a:t>
+            </a:r>
+            <a:r>
+              <a:rPr lang="en-US" dirty="0"/>
+              <a:t>/</a:t>
+            </a:r>
+            <a:r>
+              <a:rPr lang="en-US" dirty="0" err="1"/>
+              <a:t>nadapadnje</a:t>
+            </a:r>
+            <a:r>
+              <a:rPr lang="en-US" dirty="0"/>
+              <a:t> </a:t>
+            </a:r>
+            <a:r>
+              <a:rPr lang="en-US" dirty="0" err="1"/>
+              <a:t>figura</a:t>
+            </a:r>
+            <a:endParaRPr lang="en-US" dirty="0"/>
+          </a:p>
+        </p:txBody>
+      </p:sp>
+      <p:pic>
+        <p:nvPicPr>
+          <p:cNvPr id="4" name="Picture 3">
+            <a:extLst>
+              <a:ext uri="{FF2B5EF4-FFF2-40B4-BE49-F238E27FC236}">
+                <a16:creationId xmlns:a16="http://schemas.microsoft.com/office/drawing/2014/main" id="{9CE785D8-A377-1EF7-8F7C-E618C6AF20BE}"/>
+              </a:ext>
+            </a:extLst>
+          </p:cNvPr>
+          <p:cNvPicPr>
+            <a:picLocks noChangeAspect="1"/>
+          </p:cNvPicPr>
+          <p:nvPr/>
+        </p:nvPicPr>
+        <p:blipFill>
+          <a:blip r:embed="rId2"/>
+          <a:stretch>
+            <a:fillRect/>
+          </a:stretch>
+        </p:blipFill>
+        <p:spPr>
+          <a:xfrm>
+            <a:off x="162311" y="2671438"/>
+            <a:ext cx="2349415" cy="3585235"/>
+          </a:xfrm>
+          <a:prstGeom prst="rect">
+            <a:avLst/>
+          </a:prstGeom>
+        </p:spPr>
+      </p:pic>
+      <p:sp>
+        <p:nvSpPr>
+          <p:cNvPr id="5" name="Arrow: Right 4">
+            <a:extLst>
+              <a:ext uri="{FF2B5EF4-FFF2-40B4-BE49-F238E27FC236}">
+                <a16:creationId xmlns:a16="http://schemas.microsoft.com/office/drawing/2014/main" id="{AE4019A4-E11A-588D-2498-0840B565AFDC}"/>
+              </a:ext>
+            </a:extLst>
+          </p:cNvPr>
+          <p:cNvSpPr/>
+          <p:nvPr/>
+        </p:nvSpPr>
+        <p:spPr>
+          <a:xfrm rot="18893131">
+            <a:off x="1089413" y="4310063"/>
+            <a:ext cx="495212" cy="307984"/>
+          </a:xfrm>
+          <a:prstGeom prst="rightArrow">
+            <a:avLst/>
+          </a:prstGeom>
+          <a:solidFill>
+            <a:srgbClr val="FF0000"/>
+          </a:solidFill>
+          <a:ln>
+            <a:solidFill>
+              <a:srgbClr val="C00000"/>
+            </a:solidFill>
+          </a:ln>
+        </p:spPr>
+        <p:style>
+          <a:lnRef idx="2">
+            <a:schemeClr val="accent6">
+              <a:shade val="50000"/>
+            </a:schemeClr>
+          </a:lnRef>
+          <a:fillRef idx="1">
+            <a:schemeClr val="accent6"/>
+          </a:fillRef>
+          <a:effectRef idx="0">
+            <a:schemeClr val="accent6"/>
+          </a:effectRef>
+          <a:fontRef idx="minor">
+            <a:schemeClr val="lt1"/>
+          </a:fontRef>
+        </p:style>
+        <p:txBody>
+          <a:bodyPr rtlCol="0" anchor="ctr"/>
+          <a:lstStyle/>
+          <a:p>
+            <a:pPr algn="ctr"/>
             <a:endParaRPr lang="en-US"/>
           </a:p>
         </p:txBody>
       </p:sp>
       <p:sp>
         <p:nvSpPr>
+          <p:cNvPr id="6" name="Arrow: Right 5">
+            <a:extLst>
+              <a:ext uri="{FF2B5EF4-FFF2-40B4-BE49-F238E27FC236}">
+                <a16:creationId xmlns:a16="http://schemas.microsoft.com/office/drawing/2014/main" id="{2FC417DE-9958-974D-252E-AABEDD143209}"/>
+              </a:ext>
+            </a:extLst>
+          </p:cNvPr>
+          <p:cNvSpPr/>
+          <p:nvPr/>
+        </p:nvSpPr>
+        <p:spPr>
+          <a:xfrm>
+            <a:off x="2587987" y="4248055"/>
+            <a:ext cx="349732" cy="415452"/>
+          </a:xfrm>
+          <a:prstGeom prst="rightArrow">
+            <a:avLst/>
+          </a:prstGeom>
+          <a:solidFill>
+            <a:srgbClr val="00B0F0"/>
+          </a:solidFill>
+          <a:ln>
+            <a:solidFill>
+              <a:srgbClr val="00B0F0"/>
+            </a:solidFill>
+          </a:ln>
+        </p:spPr>
+        <p:style>
+          <a:lnRef idx="2">
+            <a:schemeClr val="accent1">
+              <a:shade val="50000"/>
+            </a:schemeClr>
+          </a:lnRef>
+          <a:fillRef idx="1">
+            <a:schemeClr val="accent1"/>
+          </a:fillRef>
+          <a:effectRef idx="0">
+            <a:schemeClr val="accent1"/>
+          </a:effectRef>
+          <a:fontRef idx="minor">
+            <a:schemeClr val="lt1"/>
+          </a:fontRef>
+        </p:style>
+        <p:txBody>
+          <a:bodyPr rtlCol="0" anchor="ctr"/>
+          <a:lstStyle/>
+          <a:p>
+            <a:pPr algn="ctr"/>
+            <a:endParaRPr lang="en-US" dirty="0"/>
+          </a:p>
+        </p:txBody>
+      </p:sp>
+      <p:pic>
+        <p:nvPicPr>
+          <p:cNvPr id="8" name="Picture 7">
+            <a:extLst>
+              <a:ext uri="{FF2B5EF4-FFF2-40B4-BE49-F238E27FC236}">
+                <a16:creationId xmlns:a16="http://schemas.microsoft.com/office/drawing/2014/main" id="{50DE67CA-5C32-307C-B155-D5955D2E7917}"/>
+              </a:ext>
+            </a:extLst>
+          </p:cNvPr>
+          <p:cNvPicPr>
+            <a:picLocks noChangeAspect="1"/>
+          </p:cNvPicPr>
+          <p:nvPr/>
+        </p:nvPicPr>
+        <p:blipFill>
+          <a:blip r:embed="rId3"/>
+          <a:stretch>
+            <a:fillRect/>
+          </a:stretch>
+        </p:blipFill>
+        <p:spPr>
+          <a:xfrm>
+            <a:off x="3013980" y="2671437"/>
+            <a:ext cx="2392417" cy="3585236"/>
+          </a:xfrm>
+          <a:prstGeom prst="rect">
+            <a:avLst/>
+          </a:prstGeom>
+        </p:spPr>
+      </p:pic>
+      <p:sp>
+        <p:nvSpPr>
+          <p:cNvPr id="9" name="TextBox 8">
+            <a:extLst>
+              <a:ext uri="{FF2B5EF4-FFF2-40B4-BE49-F238E27FC236}">
+                <a16:creationId xmlns:a16="http://schemas.microsoft.com/office/drawing/2014/main" id="{2ECE9DAE-A4A6-E695-32A8-F4BAB2B961B4}"/>
+              </a:ext>
+            </a:extLst>
+          </p:cNvPr>
+          <p:cNvSpPr txBox="1"/>
+          <p:nvPr/>
+        </p:nvSpPr>
+        <p:spPr>
+          <a:xfrm>
+            <a:off x="2049817" y="2065867"/>
+            <a:ext cx="1574726" cy="369332"/>
+          </a:xfrm>
+          <a:prstGeom prst="rect">
+            <a:avLst/>
+          </a:prstGeom>
+          <a:noFill/>
+        </p:spPr>
+        <p:txBody>
+          <a:bodyPr wrap="none" rtlCol="0">
+            <a:spAutoFit/>
+          </a:bodyPr>
+          <a:lstStyle/>
+          <a:p>
+            <a:r>
+              <a:rPr lang="en-US" dirty="0" err="1"/>
+              <a:t>Ako</a:t>
+            </a:r>
+            <a:r>
+              <a:rPr lang="en-US" dirty="0"/>
+              <a:t> je Hp ≤ AD</a:t>
+            </a:r>
+          </a:p>
+        </p:txBody>
+      </p:sp>
+      <p:pic>
+        <p:nvPicPr>
+          <p:cNvPr id="11" name="Picture 10">
+            <a:extLst>
+              <a:ext uri="{FF2B5EF4-FFF2-40B4-BE49-F238E27FC236}">
+                <a16:creationId xmlns:a16="http://schemas.microsoft.com/office/drawing/2014/main" id="{38DF7A39-B15C-B199-0D61-0B6E05F31BEE}"/>
+              </a:ext>
+            </a:extLst>
+          </p:cNvPr>
+          <p:cNvPicPr>
+            <a:picLocks noChangeAspect="1"/>
+          </p:cNvPicPr>
+          <p:nvPr/>
+        </p:nvPicPr>
+        <p:blipFill>
+          <a:blip r:embed="rId4"/>
+          <a:stretch>
+            <a:fillRect/>
+          </a:stretch>
+        </p:blipFill>
+        <p:spPr>
+          <a:xfrm>
+            <a:off x="6255798" y="2671437"/>
+            <a:ext cx="2394693" cy="3585236"/>
+          </a:xfrm>
+          <a:prstGeom prst="rect">
+            <a:avLst/>
+          </a:prstGeom>
+        </p:spPr>
+      </p:pic>
+      <p:sp>
+        <p:nvSpPr>
+          <p:cNvPr id="12" name="TextBox 11">
+            <a:extLst>
+              <a:ext uri="{FF2B5EF4-FFF2-40B4-BE49-F238E27FC236}">
+                <a16:creationId xmlns:a16="http://schemas.microsoft.com/office/drawing/2014/main" id="{B631DFB0-6ABF-4527-E789-D5963D0724A8}"/>
+              </a:ext>
+            </a:extLst>
+          </p:cNvPr>
+          <p:cNvSpPr txBox="1"/>
+          <p:nvPr/>
+        </p:nvSpPr>
+        <p:spPr>
+          <a:xfrm>
+            <a:off x="8221277" y="2065867"/>
+            <a:ext cx="1574726" cy="369332"/>
+          </a:xfrm>
+          <a:prstGeom prst="rect">
+            <a:avLst/>
+          </a:prstGeom>
+          <a:noFill/>
+        </p:spPr>
+        <p:txBody>
+          <a:bodyPr wrap="none" rtlCol="0">
+            <a:spAutoFit/>
+          </a:bodyPr>
+          <a:lstStyle/>
+          <a:p>
+            <a:r>
+              <a:rPr lang="en-US" dirty="0" err="1"/>
+              <a:t>Ako</a:t>
+            </a:r>
+            <a:r>
+              <a:rPr lang="en-US" dirty="0"/>
+              <a:t> je Hp &gt; AD</a:t>
+            </a:r>
+          </a:p>
+        </p:txBody>
+      </p:sp>
+      <p:sp>
+        <p:nvSpPr>
+          <p:cNvPr id="13" name="Arrow: Right 12">
+            <a:extLst>
+              <a:ext uri="{FF2B5EF4-FFF2-40B4-BE49-F238E27FC236}">
+                <a16:creationId xmlns:a16="http://schemas.microsoft.com/office/drawing/2014/main" id="{1480771C-D3D8-6E56-CA5C-62D7DD9FC0B8}"/>
+              </a:ext>
+            </a:extLst>
+          </p:cNvPr>
+          <p:cNvSpPr/>
+          <p:nvPr/>
+        </p:nvSpPr>
+        <p:spPr>
+          <a:xfrm rot="13580658">
+            <a:off x="7205538" y="4301789"/>
+            <a:ext cx="495212" cy="307984"/>
+          </a:xfrm>
+          <a:prstGeom prst="rightArrow">
+            <a:avLst/>
+          </a:prstGeom>
+          <a:solidFill>
+            <a:srgbClr val="FF0000"/>
+          </a:solidFill>
+          <a:ln>
+            <a:solidFill>
+              <a:srgbClr val="C00000"/>
+            </a:solidFill>
+          </a:ln>
+        </p:spPr>
+        <p:style>
+          <a:lnRef idx="2">
+            <a:schemeClr val="accent6">
+              <a:shade val="50000"/>
+            </a:schemeClr>
+          </a:lnRef>
+          <a:fillRef idx="1">
+            <a:schemeClr val="accent6"/>
+          </a:fillRef>
+          <a:effectRef idx="0">
+            <a:schemeClr val="accent6"/>
+          </a:effectRef>
+          <a:fontRef idx="minor">
+            <a:schemeClr val="lt1"/>
+          </a:fontRef>
+        </p:style>
+        <p:txBody>
+          <a:bodyPr rtlCol="0" anchor="ctr"/>
+          <a:lstStyle/>
+          <a:p>
+            <a:pPr algn="ctr"/>
+            <a:endParaRPr lang="en-US" dirty="0"/>
+          </a:p>
+        </p:txBody>
+      </p:sp>
+      <p:sp>
+        <p:nvSpPr>
+          <p:cNvPr id="14" name="Arrow: Right 13">
+            <a:extLst>
+              <a:ext uri="{FF2B5EF4-FFF2-40B4-BE49-F238E27FC236}">
+                <a16:creationId xmlns:a16="http://schemas.microsoft.com/office/drawing/2014/main" id="{BB8EFA33-591A-EAE5-28B7-1153CEA99B75}"/>
+              </a:ext>
+            </a:extLst>
+          </p:cNvPr>
+          <p:cNvSpPr/>
+          <p:nvPr/>
+        </p:nvSpPr>
+        <p:spPr>
+          <a:xfrm>
+            <a:off x="8933127" y="4256329"/>
+            <a:ext cx="349732" cy="415452"/>
+          </a:xfrm>
+          <a:prstGeom prst="rightArrow">
+            <a:avLst/>
+          </a:prstGeom>
+          <a:solidFill>
+            <a:srgbClr val="00B0F0"/>
+          </a:solidFill>
+          <a:ln>
+            <a:solidFill>
+              <a:srgbClr val="00B0F0"/>
+            </a:solidFill>
+          </a:ln>
+        </p:spPr>
+        <p:style>
+          <a:lnRef idx="2">
+            <a:schemeClr val="accent1">
+              <a:shade val="50000"/>
+            </a:schemeClr>
+          </a:lnRef>
+          <a:fillRef idx="1">
+            <a:schemeClr val="accent1"/>
+          </a:fillRef>
+          <a:effectRef idx="0">
+            <a:schemeClr val="accent1"/>
+          </a:effectRef>
+          <a:fontRef idx="minor">
+            <a:schemeClr val="lt1"/>
+          </a:fontRef>
+        </p:style>
+        <p:txBody>
+          <a:bodyPr rtlCol="0" anchor="ctr"/>
+          <a:lstStyle/>
+          <a:p>
+            <a:pPr algn="ctr"/>
+            <a:endParaRPr lang="en-US" dirty="0"/>
+          </a:p>
+        </p:txBody>
+      </p:sp>
+      <p:pic>
+        <p:nvPicPr>
+          <p:cNvPr id="16" name="Picture 15">
+            <a:extLst>
+              <a:ext uri="{FF2B5EF4-FFF2-40B4-BE49-F238E27FC236}">
+                <a16:creationId xmlns:a16="http://schemas.microsoft.com/office/drawing/2014/main" id="{EEEB47FF-D056-950E-C090-EF580004FA97}"/>
+              </a:ext>
+            </a:extLst>
+          </p:cNvPr>
+          <p:cNvPicPr>
+            <a:picLocks noChangeAspect="1"/>
+          </p:cNvPicPr>
+          <p:nvPr/>
+        </p:nvPicPr>
+        <p:blipFill>
+          <a:blip r:embed="rId5"/>
+          <a:stretch>
+            <a:fillRect/>
+          </a:stretch>
+        </p:blipFill>
+        <p:spPr>
+          <a:xfrm>
+            <a:off x="9499892" y="2663163"/>
+            <a:ext cx="2399245" cy="3585236"/>
+          </a:xfrm>
+          <a:prstGeom prst="rect">
+            <a:avLst/>
+          </a:prstGeom>
+        </p:spPr>
+      </p:pic>
+      <p:pic>
+        <p:nvPicPr>
+          <p:cNvPr id="17" name="Picture 16" descr="A white chess piece on a black background&#10;&#10;Description automatically generated">
+            <a:extLst>
+              <a:ext uri="{FF2B5EF4-FFF2-40B4-BE49-F238E27FC236}">
+                <a16:creationId xmlns:a16="http://schemas.microsoft.com/office/drawing/2014/main" id="{CB499497-B9B5-9AE0-24C6-CCD63CD9EDE3}"/>
+              </a:ext>
+            </a:extLst>
+          </p:cNvPr>
+          <p:cNvPicPr>
+            <a:picLocks noChangeAspect="1"/>
+          </p:cNvPicPr>
+          <p:nvPr/>
+        </p:nvPicPr>
+        <p:blipFill>
+          <a:blip r:embed="rId6">
+            <a:extLst>
+              <a:ext uri="{28A0092B-C50C-407E-A947-70E740481C1C}">
+                <a14:useLocalDpi xmlns:a14="http://schemas.microsoft.com/office/drawing/2010/main" val="0"/>
+              </a:ext>
+            </a:extLst>
+          </a:blip>
+          <a:stretch>
+            <a:fillRect/>
+          </a:stretch>
+        </p:blipFill>
+        <p:spPr>
+          <a:xfrm>
+            <a:off x="11506199" y="138934"/>
+            <a:ext cx="529761" cy="784831"/>
+          </a:xfrm>
+          <a:prstGeom prst="rect">
+            <a:avLst/>
+          </a:prstGeom>
+        </p:spPr>
+      </p:pic>
+    </p:spTree>
+    <p:extLst>
+      <p:ext uri="{BB962C8B-B14F-4D97-AF65-F5344CB8AC3E}">
+        <p14:creationId xmlns:p14="http://schemas.microsoft.com/office/powerpoint/2010/main" val="3161495216"/>
+      </p:ext>
+    </p:extLst>
+  </p:cSld>
+  <p:clrMapOvr>
+    <a:masterClrMapping/>
+  </p:clrMapOvr>
+</p:sld>
+</file>
+
+<file path=ppt/slides/slide13.xml><?xml version="1.0" encoding="utf-8"?>
+<p:sld xmlns:a="http://schemas.openxmlformats.org/drawingml/2006/main" xmlns:r="http://schemas.openxmlformats.org/officeDocument/2006/relationships" xmlns:p="http://schemas.openxmlformats.org/presentationml/2006/main">
+  <p:cSld>
+    <p:spTree>
+      <p:nvGrpSpPr>
+        <p:cNvPr id="1" name=""/>
+        <p:cNvGrpSpPr/>
+        <p:nvPr/>
+      </p:nvGrpSpPr>
+      <p:grpSpPr>
+        <a:xfrm>
+          <a:off x="0" y="0"/>
+          <a:ext cx="0" cy="0"/>
+          <a:chOff x="0" y="0"/>
+          <a:chExt cx="0" cy="0"/>
+        </a:xfrm>
+      </p:grpSpPr>
+      <p:sp>
+        <p:nvSpPr>
+          <p:cNvPr id="2" name="Title 1">
+            <a:extLst>
+              <a:ext uri="{FF2B5EF4-FFF2-40B4-BE49-F238E27FC236}">
+                <a16:creationId xmlns:a16="http://schemas.microsoft.com/office/drawing/2014/main" id="{3C202619-38C7-F8D0-6D3C-23FAE1AC748C}"/>
+              </a:ext>
+            </a:extLst>
+          </p:cNvPr>
+          <p:cNvSpPr>
+            <a:spLocks noGrp="1"/>
+          </p:cNvSpPr>
+          <p:nvPr>
+            <p:ph type="title"/>
+          </p:nvPr>
+        </p:nvSpPr>
+        <p:spPr>
+          <a:xfrm>
+            <a:off x="588146" y="414291"/>
+            <a:ext cx="10131425" cy="1456267"/>
+          </a:xfrm>
+        </p:spPr>
+        <p:txBody>
+          <a:bodyPr/>
+          <a:lstStyle/>
+          <a:p>
+            <a:r>
+              <a:rPr lang="en-US" dirty="0" err="1"/>
+              <a:t>Pravila</a:t>
+            </a:r>
+            <a:r>
+              <a:rPr lang="en-US" dirty="0"/>
+              <a:t> - </a:t>
+            </a:r>
+            <a:r>
+              <a:rPr lang="en-US" dirty="0" err="1"/>
+              <a:t>matiranje</a:t>
+            </a:r>
+            <a:endParaRPr lang="en-US" dirty="0"/>
+          </a:p>
+        </p:txBody>
+      </p:sp>
+      <p:sp>
+        <p:nvSpPr>
           <p:cNvPr id="3" name="Content Placeholder 2">
             <a:extLst>
               <a:ext uri="{FF2B5EF4-FFF2-40B4-BE49-F238E27FC236}">
-                <a16:creationId xmlns:a16="http://schemas.microsoft.com/office/drawing/2014/main" id="{38B51A70-E5EA-EA1E-76AB-346BD119569B}"/>
+                <a16:creationId xmlns:a16="http://schemas.microsoft.com/office/drawing/2014/main" id="{0E8F1189-A1AA-965F-151A-F1D0DA9538A7}"/>
               </a:ext>
             </a:extLst>
           </p:cNvPr>
@@ -5973,19 +7213,2473 @@
             <p:ph idx="1"/>
           </p:nvPr>
         </p:nvSpPr>
-        <p:spPr/>
+        <p:spPr>
+          <a:xfrm>
+            <a:off x="608121" y="-95106"/>
+            <a:ext cx="10131425" cy="3649133"/>
+          </a:xfrm>
+        </p:spPr>
         <p:txBody>
           <a:bodyPr/>
           <a:lstStyle/>
           <a:p>
+            <a:r>
+              <a:rPr lang="en-US" dirty="0"/>
+              <a:t>U </a:t>
+            </a:r>
+            <a:r>
+              <a:rPr lang="en-US" dirty="0" err="1"/>
+              <a:t>pravilu</a:t>
+            </a:r>
+            <a:r>
+              <a:rPr lang="en-US" dirty="0"/>
+              <a:t> </a:t>
+            </a:r>
+            <a:r>
+              <a:rPr lang="en-US" dirty="0" err="1"/>
+              <a:t>isto</a:t>
+            </a:r>
+            <a:r>
+              <a:rPr lang="en-US" dirty="0"/>
+              <a:t>, </a:t>
+            </a:r>
+            <a:r>
+              <a:rPr lang="en-US" dirty="0" err="1"/>
+              <a:t>samo</a:t>
+            </a:r>
+            <a:r>
+              <a:rPr lang="en-US" dirty="0"/>
+              <a:t> </a:t>
+            </a:r>
+            <a:r>
+              <a:rPr lang="en-US" dirty="0" err="1"/>
+              <a:t>geldamo</a:t>
+            </a:r>
+            <a:r>
+              <a:rPr lang="en-US" dirty="0"/>
+              <a:t> </a:t>
+            </a:r>
+            <a:r>
+              <a:rPr lang="en-US" dirty="0" err="1"/>
+              <a:t>kraljev</a:t>
+            </a:r>
+            <a:r>
+              <a:rPr lang="en-US" dirty="0"/>
+              <a:t> hp</a:t>
+            </a:r>
+          </a:p>
+        </p:txBody>
+      </p:sp>
+      <p:pic>
+        <p:nvPicPr>
+          <p:cNvPr id="4" name="Picture 3" descr="A white chess piece on a black background&#10;&#10;Description automatically generated">
+            <a:extLst>
+              <a:ext uri="{FF2B5EF4-FFF2-40B4-BE49-F238E27FC236}">
+                <a16:creationId xmlns:a16="http://schemas.microsoft.com/office/drawing/2014/main" id="{B0901E61-14C4-80D0-7779-452A7433C7AE}"/>
+              </a:ext>
+            </a:extLst>
+          </p:cNvPr>
+          <p:cNvPicPr>
+            <a:picLocks noChangeAspect="1"/>
+          </p:cNvPicPr>
+          <p:nvPr/>
+        </p:nvPicPr>
+        <p:blipFill>
+          <a:blip r:embed="rId2">
+            <a:extLst>
+              <a:ext uri="{28A0092B-C50C-407E-A947-70E740481C1C}">
+                <a14:useLocalDpi xmlns:a14="http://schemas.microsoft.com/office/drawing/2010/main" val="0"/>
+              </a:ext>
+            </a:extLst>
+          </a:blip>
+          <a:stretch>
+            <a:fillRect/>
+          </a:stretch>
+        </p:blipFill>
+        <p:spPr>
+          <a:xfrm>
+            <a:off x="11506199" y="138934"/>
+            <a:ext cx="529761" cy="784831"/>
+          </a:xfrm>
+          <a:prstGeom prst="rect">
+            <a:avLst/>
+          </a:prstGeom>
+        </p:spPr>
+      </p:pic>
+      <p:pic>
+        <p:nvPicPr>
+          <p:cNvPr id="6" name="Picture 5">
+            <a:extLst>
+              <a:ext uri="{FF2B5EF4-FFF2-40B4-BE49-F238E27FC236}">
+                <a16:creationId xmlns:a16="http://schemas.microsoft.com/office/drawing/2014/main" id="{10C4745F-F665-D6D9-4EE3-23B7B332483B}"/>
+              </a:ext>
+            </a:extLst>
+          </p:cNvPr>
+          <p:cNvPicPr>
+            <a:picLocks noChangeAspect="1"/>
+          </p:cNvPicPr>
+          <p:nvPr/>
+        </p:nvPicPr>
+        <p:blipFill>
+          <a:blip r:embed="rId3"/>
+          <a:stretch>
+            <a:fillRect/>
+          </a:stretch>
+        </p:blipFill>
+        <p:spPr>
+          <a:xfrm>
+            <a:off x="1109708" y="2345950"/>
+            <a:ext cx="4225772" cy="4207661"/>
+          </a:xfrm>
+          <a:prstGeom prst="rect">
+            <a:avLst/>
+          </a:prstGeom>
+        </p:spPr>
+      </p:pic>
+      <p:pic>
+        <p:nvPicPr>
+          <p:cNvPr id="8" name="Picture 7">
+            <a:extLst>
+              <a:ext uri="{FF2B5EF4-FFF2-40B4-BE49-F238E27FC236}">
+                <a16:creationId xmlns:a16="http://schemas.microsoft.com/office/drawing/2014/main" id="{6DC21BC8-5F9C-E233-929D-01C0FC3E93FA}"/>
+              </a:ext>
+            </a:extLst>
+          </p:cNvPr>
+          <p:cNvPicPr>
+            <a:picLocks noChangeAspect="1"/>
+          </p:cNvPicPr>
+          <p:nvPr/>
+        </p:nvPicPr>
+        <p:blipFill>
+          <a:blip r:embed="rId4"/>
+          <a:stretch>
+            <a:fillRect/>
+          </a:stretch>
+        </p:blipFill>
+        <p:spPr>
+          <a:xfrm>
+            <a:off x="6348536" y="2345950"/>
+            <a:ext cx="4224554" cy="4212552"/>
+          </a:xfrm>
+          <a:prstGeom prst="rect">
+            <a:avLst/>
+          </a:prstGeom>
+        </p:spPr>
+      </p:pic>
+      <p:sp>
+        <p:nvSpPr>
+          <p:cNvPr id="11" name="Arrow: Right 10">
+            <a:extLst>
+              <a:ext uri="{FF2B5EF4-FFF2-40B4-BE49-F238E27FC236}">
+                <a16:creationId xmlns:a16="http://schemas.microsoft.com/office/drawing/2014/main" id="{5587012C-E49A-1E59-0420-083F530F873D}"/>
+              </a:ext>
+            </a:extLst>
+          </p:cNvPr>
+          <p:cNvSpPr/>
+          <p:nvPr/>
+        </p:nvSpPr>
+        <p:spPr>
+          <a:xfrm rot="18893131">
+            <a:off x="2786476" y="5099521"/>
+            <a:ext cx="2510929" cy="227811"/>
+          </a:xfrm>
+          <a:prstGeom prst="rightArrow">
+            <a:avLst/>
+          </a:prstGeom>
+          <a:solidFill>
+            <a:srgbClr val="FF0000"/>
+          </a:solidFill>
+          <a:ln>
+            <a:solidFill>
+              <a:srgbClr val="C00000"/>
+            </a:solidFill>
+          </a:ln>
+        </p:spPr>
+        <p:style>
+          <a:lnRef idx="2">
+            <a:schemeClr val="accent6">
+              <a:shade val="50000"/>
+            </a:schemeClr>
+          </a:lnRef>
+          <a:fillRef idx="1">
+            <a:schemeClr val="accent6"/>
+          </a:fillRef>
+          <a:effectRef idx="0">
+            <a:schemeClr val="accent6"/>
+          </a:effectRef>
+          <a:fontRef idx="minor">
+            <a:schemeClr val="lt1"/>
+          </a:fontRef>
+        </p:style>
+        <p:txBody>
+          <a:bodyPr rtlCol="0" anchor="ctr"/>
+          <a:lstStyle/>
+          <a:p>
+            <a:pPr algn="ctr"/>
             <a:endParaRPr lang="en-US"/>
+          </a:p>
+        </p:txBody>
+      </p:sp>
+      <p:sp>
+        <p:nvSpPr>
+          <p:cNvPr id="12" name="Arrow: Right 11">
+            <a:extLst>
+              <a:ext uri="{FF2B5EF4-FFF2-40B4-BE49-F238E27FC236}">
+                <a16:creationId xmlns:a16="http://schemas.microsoft.com/office/drawing/2014/main" id="{A13B235E-7DEC-EF97-CCD9-4CA7BD3D7230}"/>
+              </a:ext>
+            </a:extLst>
+          </p:cNvPr>
+          <p:cNvSpPr/>
+          <p:nvPr/>
+        </p:nvSpPr>
+        <p:spPr>
+          <a:xfrm rot="13585168">
+            <a:off x="8576111" y="3312283"/>
+            <a:ext cx="1874087" cy="233433"/>
+          </a:xfrm>
+          <a:prstGeom prst="rightArrow">
+            <a:avLst/>
+          </a:prstGeom>
+          <a:solidFill>
+            <a:srgbClr val="FF0000"/>
+          </a:solidFill>
+          <a:ln>
+            <a:solidFill>
+              <a:srgbClr val="C00000"/>
+            </a:solidFill>
+          </a:ln>
+        </p:spPr>
+        <p:style>
+          <a:lnRef idx="2">
+            <a:schemeClr val="accent6">
+              <a:shade val="50000"/>
+            </a:schemeClr>
+          </a:lnRef>
+          <a:fillRef idx="1">
+            <a:schemeClr val="accent6"/>
+          </a:fillRef>
+          <a:effectRef idx="0">
+            <a:schemeClr val="accent6"/>
+          </a:effectRef>
+          <a:fontRef idx="minor">
+            <a:schemeClr val="lt1"/>
+          </a:fontRef>
+        </p:style>
+        <p:txBody>
+          <a:bodyPr rtlCol="0" anchor="ctr"/>
+          <a:lstStyle/>
+          <a:p>
+            <a:pPr algn="ctr"/>
+            <a:endParaRPr lang="en-US"/>
+          </a:p>
+        </p:txBody>
+      </p:sp>
+      <p:sp>
+        <p:nvSpPr>
+          <p:cNvPr id="13" name="Arrow: Right 12">
+            <a:extLst>
+              <a:ext uri="{FF2B5EF4-FFF2-40B4-BE49-F238E27FC236}">
+                <a16:creationId xmlns:a16="http://schemas.microsoft.com/office/drawing/2014/main" id="{2169DC1E-ABD1-252E-31E4-24244A461021}"/>
+              </a:ext>
+            </a:extLst>
+          </p:cNvPr>
+          <p:cNvSpPr/>
+          <p:nvPr/>
+        </p:nvSpPr>
+        <p:spPr>
+          <a:xfrm>
+            <a:off x="5622118" y="4063424"/>
+            <a:ext cx="442694" cy="768334"/>
+          </a:xfrm>
+          <a:prstGeom prst="rightArrow">
+            <a:avLst/>
+          </a:prstGeom>
+          <a:solidFill>
+            <a:srgbClr val="00B0F0"/>
+          </a:solidFill>
+          <a:ln>
+            <a:solidFill>
+              <a:srgbClr val="00B0F0"/>
+            </a:solidFill>
+          </a:ln>
+        </p:spPr>
+        <p:style>
+          <a:lnRef idx="2">
+            <a:schemeClr val="accent1">
+              <a:shade val="50000"/>
+            </a:schemeClr>
+          </a:lnRef>
+          <a:fillRef idx="1">
+            <a:schemeClr val="accent1"/>
+          </a:fillRef>
+          <a:effectRef idx="0">
+            <a:schemeClr val="accent1"/>
+          </a:effectRef>
+          <a:fontRef idx="minor">
+            <a:schemeClr val="lt1"/>
+          </a:fontRef>
+        </p:style>
+        <p:txBody>
+          <a:bodyPr rtlCol="0" anchor="ctr"/>
+          <a:lstStyle/>
+          <a:p>
+            <a:pPr algn="ctr"/>
+            <a:endParaRPr lang="en-US" dirty="0"/>
+          </a:p>
+        </p:txBody>
+      </p:sp>
+      <p:sp>
+        <p:nvSpPr>
+          <p:cNvPr id="14" name="TextBox 13">
+            <a:extLst>
+              <a:ext uri="{FF2B5EF4-FFF2-40B4-BE49-F238E27FC236}">
+                <a16:creationId xmlns:a16="http://schemas.microsoft.com/office/drawing/2014/main" id="{3525C393-247F-F0C5-F845-95918AD06F8B}"/>
+              </a:ext>
+            </a:extLst>
+          </p:cNvPr>
+          <p:cNvSpPr txBox="1"/>
+          <p:nvPr/>
+        </p:nvSpPr>
+        <p:spPr>
+          <a:xfrm>
+            <a:off x="5086904" y="1905461"/>
+            <a:ext cx="1381084" cy="369332"/>
+          </a:xfrm>
+          <a:prstGeom prst="rect">
+            <a:avLst/>
+          </a:prstGeom>
+          <a:noFill/>
+        </p:spPr>
+        <p:txBody>
+          <a:bodyPr wrap="none" rtlCol="0">
+            <a:spAutoFit/>
+          </a:bodyPr>
+          <a:lstStyle/>
+          <a:p>
+            <a:r>
+              <a:rPr lang="en-US" dirty="0"/>
+              <a:t>Ovo </a:t>
+            </a:r>
+            <a:r>
+              <a:rPr lang="en-US" dirty="0" err="1"/>
+              <a:t>nije</a:t>
+            </a:r>
+            <a:r>
+              <a:rPr lang="en-US" dirty="0"/>
+              <a:t> mat</a:t>
+            </a:r>
           </a:p>
         </p:txBody>
       </p:sp>
     </p:spTree>
     <p:extLst>
       <p:ext uri="{BB962C8B-B14F-4D97-AF65-F5344CB8AC3E}">
-        <p14:creationId xmlns:p14="http://schemas.microsoft.com/office/powerpoint/2010/main" val="3161495216"/>
+        <p14:creationId xmlns:p14="http://schemas.microsoft.com/office/powerpoint/2010/main" val="4264225338"/>
+      </p:ext>
+    </p:extLst>
+  </p:cSld>
+  <p:clrMapOvr>
+    <a:masterClrMapping/>
+  </p:clrMapOvr>
+</p:sld>
+</file>
+
+<file path=ppt/slides/slide14.xml><?xml version="1.0" encoding="utf-8"?>
+<p:sld xmlns:a="http://schemas.openxmlformats.org/drawingml/2006/main" xmlns:r="http://schemas.openxmlformats.org/officeDocument/2006/relationships" xmlns:p="http://schemas.openxmlformats.org/presentationml/2006/main">
+  <p:cSld>
+    <p:spTree>
+      <p:nvGrpSpPr>
+        <p:cNvPr id="1" name=""/>
+        <p:cNvGrpSpPr/>
+        <p:nvPr/>
+      </p:nvGrpSpPr>
+      <p:grpSpPr>
+        <a:xfrm>
+          <a:off x="0" y="0"/>
+          <a:ext cx="0" cy="0"/>
+          <a:chOff x="0" y="0"/>
+          <a:chExt cx="0" cy="0"/>
+        </a:xfrm>
+      </p:grpSpPr>
+      <p:sp>
+        <p:nvSpPr>
+          <p:cNvPr id="2" name="Title 1">
+            <a:extLst>
+              <a:ext uri="{FF2B5EF4-FFF2-40B4-BE49-F238E27FC236}">
+                <a16:creationId xmlns:a16="http://schemas.microsoft.com/office/drawing/2014/main" id="{3C202619-38C7-F8D0-6D3C-23FAE1AC748C}"/>
+              </a:ext>
+            </a:extLst>
+          </p:cNvPr>
+          <p:cNvSpPr>
+            <a:spLocks noGrp="1"/>
+          </p:cNvSpPr>
+          <p:nvPr>
+            <p:ph type="title"/>
+          </p:nvPr>
+        </p:nvSpPr>
+        <p:spPr>
+          <a:xfrm>
+            <a:off x="588146" y="414291"/>
+            <a:ext cx="10131425" cy="1456267"/>
+          </a:xfrm>
+        </p:spPr>
+        <p:txBody>
+          <a:bodyPr/>
+          <a:lstStyle/>
+          <a:p>
+            <a:r>
+              <a:rPr lang="en-US" dirty="0" err="1"/>
+              <a:t>Pravila</a:t>
+            </a:r>
+            <a:r>
+              <a:rPr lang="en-US" dirty="0"/>
+              <a:t> - </a:t>
+            </a:r>
+            <a:r>
+              <a:rPr lang="en-US" dirty="0" err="1"/>
+              <a:t>matiranje</a:t>
+            </a:r>
+            <a:endParaRPr lang="en-US" dirty="0"/>
+          </a:p>
+        </p:txBody>
+      </p:sp>
+      <p:pic>
+        <p:nvPicPr>
+          <p:cNvPr id="4" name="Picture 3" descr="A white chess piece on a black background&#10;&#10;Description automatically generated">
+            <a:extLst>
+              <a:ext uri="{FF2B5EF4-FFF2-40B4-BE49-F238E27FC236}">
+                <a16:creationId xmlns:a16="http://schemas.microsoft.com/office/drawing/2014/main" id="{B0901E61-14C4-80D0-7779-452A7433C7AE}"/>
+              </a:ext>
+            </a:extLst>
+          </p:cNvPr>
+          <p:cNvPicPr>
+            <a:picLocks noChangeAspect="1"/>
+          </p:cNvPicPr>
+          <p:nvPr/>
+        </p:nvPicPr>
+        <p:blipFill>
+          <a:blip r:embed="rId2">
+            <a:extLst>
+              <a:ext uri="{28A0092B-C50C-407E-A947-70E740481C1C}">
+                <a14:useLocalDpi xmlns:a14="http://schemas.microsoft.com/office/drawing/2010/main" val="0"/>
+              </a:ext>
+            </a:extLst>
+          </a:blip>
+          <a:stretch>
+            <a:fillRect/>
+          </a:stretch>
+        </p:blipFill>
+        <p:spPr>
+          <a:xfrm>
+            <a:off x="11506199" y="138934"/>
+            <a:ext cx="529761" cy="784831"/>
+          </a:xfrm>
+          <a:prstGeom prst="rect">
+            <a:avLst/>
+          </a:prstGeom>
+        </p:spPr>
+      </p:pic>
+      <p:sp>
+        <p:nvSpPr>
+          <p:cNvPr id="13" name="Arrow: Right 12">
+            <a:extLst>
+              <a:ext uri="{FF2B5EF4-FFF2-40B4-BE49-F238E27FC236}">
+                <a16:creationId xmlns:a16="http://schemas.microsoft.com/office/drawing/2014/main" id="{2169DC1E-ABD1-252E-31E4-24244A461021}"/>
+              </a:ext>
+            </a:extLst>
+          </p:cNvPr>
+          <p:cNvSpPr/>
+          <p:nvPr/>
+        </p:nvSpPr>
+        <p:spPr>
+          <a:xfrm>
+            <a:off x="5388248" y="3825475"/>
+            <a:ext cx="556389" cy="914617"/>
+          </a:xfrm>
+          <a:prstGeom prst="rightArrow">
+            <a:avLst/>
+          </a:prstGeom>
+          <a:solidFill>
+            <a:srgbClr val="00B0F0"/>
+          </a:solidFill>
+          <a:ln>
+            <a:solidFill>
+              <a:srgbClr val="00B0F0"/>
+            </a:solidFill>
+          </a:ln>
+        </p:spPr>
+        <p:style>
+          <a:lnRef idx="2">
+            <a:schemeClr val="accent1">
+              <a:shade val="50000"/>
+            </a:schemeClr>
+          </a:lnRef>
+          <a:fillRef idx="1">
+            <a:schemeClr val="accent1"/>
+          </a:fillRef>
+          <a:effectRef idx="0">
+            <a:schemeClr val="accent1"/>
+          </a:effectRef>
+          <a:fontRef idx="minor">
+            <a:schemeClr val="lt1"/>
+          </a:fontRef>
+        </p:style>
+        <p:txBody>
+          <a:bodyPr rtlCol="0" anchor="ctr"/>
+          <a:lstStyle/>
+          <a:p>
+            <a:pPr algn="ctr"/>
+            <a:endParaRPr lang="en-US" dirty="0"/>
+          </a:p>
+        </p:txBody>
+      </p:sp>
+      <p:sp>
+        <p:nvSpPr>
+          <p:cNvPr id="14" name="TextBox 13">
+            <a:extLst>
+              <a:ext uri="{FF2B5EF4-FFF2-40B4-BE49-F238E27FC236}">
+                <a16:creationId xmlns:a16="http://schemas.microsoft.com/office/drawing/2014/main" id="{3525C393-247F-F0C5-F845-95918AD06F8B}"/>
+              </a:ext>
+            </a:extLst>
+          </p:cNvPr>
+          <p:cNvSpPr txBox="1"/>
+          <p:nvPr/>
+        </p:nvSpPr>
+        <p:spPr>
+          <a:xfrm>
+            <a:off x="4776085" y="1836553"/>
+            <a:ext cx="1692066" cy="369332"/>
+          </a:xfrm>
+          <a:prstGeom prst="rect">
+            <a:avLst/>
+          </a:prstGeom>
+          <a:noFill/>
+        </p:spPr>
+        <p:txBody>
+          <a:bodyPr wrap="none" rtlCol="0">
+            <a:spAutoFit/>
+          </a:bodyPr>
+          <a:lstStyle/>
+          <a:p>
+            <a:r>
+              <a:rPr lang="en-US" dirty="0"/>
+              <a:t>Ovo </a:t>
+            </a:r>
+            <a:r>
+              <a:rPr lang="en-US" dirty="0" err="1"/>
+              <a:t>sada</a:t>
+            </a:r>
+            <a:r>
+              <a:rPr lang="en-US" dirty="0"/>
+              <a:t> je mat</a:t>
+            </a:r>
+          </a:p>
+        </p:txBody>
+      </p:sp>
+      <p:pic>
+        <p:nvPicPr>
+          <p:cNvPr id="7" name="Picture 6">
+            <a:extLst>
+              <a:ext uri="{FF2B5EF4-FFF2-40B4-BE49-F238E27FC236}">
+                <a16:creationId xmlns:a16="http://schemas.microsoft.com/office/drawing/2014/main" id="{13BE81AF-A124-4D20-839B-04B709511917}"/>
+              </a:ext>
+            </a:extLst>
+          </p:cNvPr>
+          <p:cNvPicPr>
+            <a:picLocks noChangeAspect="1"/>
+          </p:cNvPicPr>
+          <p:nvPr/>
+        </p:nvPicPr>
+        <p:blipFill>
+          <a:blip r:embed="rId3"/>
+          <a:stretch>
+            <a:fillRect/>
+          </a:stretch>
+        </p:blipFill>
+        <p:spPr>
+          <a:xfrm>
+            <a:off x="655627" y="2379955"/>
+            <a:ext cx="4225773" cy="4219736"/>
+          </a:xfrm>
+          <a:prstGeom prst="rect">
+            <a:avLst/>
+          </a:prstGeom>
+        </p:spPr>
+      </p:pic>
+      <p:sp>
+        <p:nvSpPr>
+          <p:cNvPr id="11" name="Arrow: Right 10">
+            <a:extLst>
+              <a:ext uri="{FF2B5EF4-FFF2-40B4-BE49-F238E27FC236}">
+                <a16:creationId xmlns:a16="http://schemas.microsoft.com/office/drawing/2014/main" id="{5587012C-E49A-1E59-0420-083F530F873D}"/>
+              </a:ext>
+            </a:extLst>
+          </p:cNvPr>
+          <p:cNvSpPr/>
+          <p:nvPr/>
+        </p:nvSpPr>
+        <p:spPr>
+          <a:xfrm rot="13489680">
+            <a:off x="2928619" y="3295639"/>
+            <a:ext cx="1698004" cy="198048"/>
+          </a:xfrm>
+          <a:prstGeom prst="rightArrow">
+            <a:avLst/>
+          </a:prstGeom>
+          <a:solidFill>
+            <a:srgbClr val="FF0000"/>
+          </a:solidFill>
+          <a:ln>
+            <a:solidFill>
+              <a:srgbClr val="C00000"/>
+            </a:solidFill>
+          </a:ln>
+        </p:spPr>
+        <p:style>
+          <a:lnRef idx="2">
+            <a:schemeClr val="accent6">
+              <a:shade val="50000"/>
+            </a:schemeClr>
+          </a:lnRef>
+          <a:fillRef idx="1">
+            <a:schemeClr val="accent6"/>
+          </a:fillRef>
+          <a:effectRef idx="0">
+            <a:schemeClr val="accent6"/>
+          </a:effectRef>
+          <a:fontRef idx="minor">
+            <a:schemeClr val="lt1"/>
+          </a:fontRef>
+        </p:style>
+        <p:txBody>
+          <a:bodyPr rtlCol="0" anchor="ctr"/>
+          <a:lstStyle/>
+          <a:p>
+            <a:pPr algn="ctr"/>
+            <a:endParaRPr lang="en-US"/>
+          </a:p>
+        </p:txBody>
+      </p:sp>
+      <p:pic>
+        <p:nvPicPr>
+          <p:cNvPr id="10" name="Picture 9">
+            <a:extLst>
+              <a:ext uri="{FF2B5EF4-FFF2-40B4-BE49-F238E27FC236}">
+                <a16:creationId xmlns:a16="http://schemas.microsoft.com/office/drawing/2014/main" id="{22251DD7-DE5E-9AE2-C4F4-14E8751D3F9B}"/>
+              </a:ext>
+            </a:extLst>
+          </p:cNvPr>
+          <p:cNvPicPr>
+            <a:picLocks noChangeAspect="1"/>
+          </p:cNvPicPr>
+          <p:nvPr/>
+        </p:nvPicPr>
+        <p:blipFill>
+          <a:blip r:embed="rId4"/>
+          <a:stretch>
+            <a:fillRect/>
+          </a:stretch>
+        </p:blipFill>
+        <p:spPr>
+          <a:xfrm>
+            <a:off x="6525558" y="2387811"/>
+            <a:ext cx="4038614" cy="4055898"/>
+          </a:xfrm>
+          <a:prstGeom prst="rect">
+            <a:avLst/>
+          </a:prstGeom>
+        </p:spPr>
+      </p:pic>
+      <p:sp>
+        <p:nvSpPr>
+          <p:cNvPr id="12" name="Arrow: Right 11">
+            <a:extLst>
+              <a:ext uri="{FF2B5EF4-FFF2-40B4-BE49-F238E27FC236}">
+                <a16:creationId xmlns:a16="http://schemas.microsoft.com/office/drawing/2014/main" id="{A13B235E-7DEC-EF97-CCD9-4CA7BD3D7230}"/>
+              </a:ext>
+            </a:extLst>
+          </p:cNvPr>
+          <p:cNvSpPr/>
+          <p:nvPr/>
+        </p:nvSpPr>
+        <p:spPr>
+          <a:xfrm rot="13585168">
+            <a:off x="8612563" y="3261301"/>
+            <a:ext cx="1726843" cy="215832"/>
+          </a:xfrm>
+          <a:prstGeom prst="rightArrow">
+            <a:avLst/>
+          </a:prstGeom>
+          <a:solidFill>
+            <a:srgbClr val="FF0000"/>
+          </a:solidFill>
+          <a:ln>
+            <a:solidFill>
+              <a:srgbClr val="C00000"/>
+            </a:solidFill>
+          </a:ln>
+        </p:spPr>
+        <p:style>
+          <a:lnRef idx="2">
+            <a:schemeClr val="accent6">
+              <a:shade val="50000"/>
+            </a:schemeClr>
+          </a:lnRef>
+          <a:fillRef idx="1">
+            <a:schemeClr val="accent6"/>
+          </a:fillRef>
+          <a:effectRef idx="0">
+            <a:schemeClr val="accent6"/>
+          </a:effectRef>
+          <a:fontRef idx="minor">
+            <a:schemeClr val="lt1"/>
+          </a:fontRef>
+        </p:style>
+        <p:txBody>
+          <a:bodyPr rtlCol="0" anchor="ctr"/>
+          <a:lstStyle/>
+          <a:p>
+            <a:pPr algn="ctr"/>
+            <a:endParaRPr lang="en-US"/>
+          </a:p>
+        </p:txBody>
+      </p:sp>
+    </p:spTree>
+    <p:extLst>
+      <p:ext uri="{BB962C8B-B14F-4D97-AF65-F5344CB8AC3E}">
+        <p14:creationId xmlns:p14="http://schemas.microsoft.com/office/powerpoint/2010/main" val="474071558"/>
+      </p:ext>
+    </p:extLst>
+  </p:cSld>
+  <p:clrMapOvr>
+    <a:masterClrMapping/>
+  </p:clrMapOvr>
+</p:sld>
+</file>
+
+<file path=ppt/slides/slide15.xml><?xml version="1.0" encoding="utf-8"?>
+<p:sld xmlns:a="http://schemas.openxmlformats.org/drawingml/2006/main" xmlns:r="http://schemas.openxmlformats.org/officeDocument/2006/relationships" xmlns:p="http://schemas.openxmlformats.org/presentationml/2006/main">
+  <p:cSld>
+    <p:spTree>
+      <p:nvGrpSpPr>
+        <p:cNvPr id="1" name=""/>
+        <p:cNvGrpSpPr/>
+        <p:nvPr/>
+      </p:nvGrpSpPr>
+      <p:grpSpPr>
+        <a:xfrm>
+          <a:off x="0" y="0"/>
+          <a:ext cx="0" cy="0"/>
+          <a:chOff x="0" y="0"/>
+          <a:chExt cx="0" cy="0"/>
+        </a:xfrm>
+      </p:grpSpPr>
+      <p:sp>
+        <p:nvSpPr>
+          <p:cNvPr id="3" name="Rectangle 2">
+            <a:extLst>
+              <a:ext uri="{FF2B5EF4-FFF2-40B4-BE49-F238E27FC236}">
+                <a16:creationId xmlns:a16="http://schemas.microsoft.com/office/drawing/2014/main" id="{C1C69685-BB18-3AAC-D7F1-584F940C1E17}"/>
+              </a:ext>
+            </a:extLst>
+          </p:cNvPr>
+          <p:cNvSpPr/>
+          <p:nvPr/>
+        </p:nvSpPr>
+        <p:spPr>
+          <a:xfrm>
+            <a:off x="643471" y="609600"/>
+            <a:ext cx="5452530" cy="5711301"/>
+          </a:xfrm>
+          <a:prstGeom prst="rect">
+            <a:avLst/>
+          </a:prstGeom>
+          <a:solidFill>
+            <a:schemeClr val="tx1">
+              <a:lumMod val="85000"/>
+            </a:schemeClr>
+          </a:solidFill>
+          <a:ln>
+            <a:solidFill>
+              <a:schemeClr val="bg1">
+                <a:lumMod val="85000"/>
+                <a:lumOff val="15000"/>
+              </a:schemeClr>
+            </a:solidFill>
+          </a:ln>
+        </p:spPr>
+        <p:style>
+          <a:lnRef idx="2">
+            <a:schemeClr val="accent1">
+              <a:shade val="50000"/>
+            </a:schemeClr>
+          </a:lnRef>
+          <a:fillRef idx="1">
+            <a:schemeClr val="accent1"/>
+          </a:fillRef>
+          <a:effectRef idx="0">
+            <a:schemeClr val="accent1"/>
+          </a:effectRef>
+          <a:fontRef idx="minor">
+            <a:schemeClr val="lt1"/>
+          </a:fontRef>
+        </p:style>
+        <p:txBody>
+          <a:bodyPr rtlCol="0" anchor="ctr"/>
+          <a:lstStyle/>
+          <a:p>
+            <a:pPr algn="ctr"/>
+            <a:endParaRPr lang="en-US"/>
+          </a:p>
+        </p:txBody>
+      </p:sp>
+      <p:sp>
+        <p:nvSpPr>
+          <p:cNvPr id="2" name="Title 1">
+            <a:extLst>
+              <a:ext uri="{FF2B5EF4-FFF2-40B4-BE49-F238E27FC236}">
+                <a16:creationId xmlns:a16="http://schemas.microsoft.com/office/drawing/2014/main" id="{AC9A8AF4-46AF-C47D-ACE5-19F0B688B2AC}"/>
+              </a:ext>
+            </a:extLst>
+          </p:cNvPr>
+          <p:cNvSpPr>
+            <a:spLocks noGrp="1"/>
+          </p:cNvSpPr>
+          <p:nvPr>
+            <p:ph type="title"/>
+          </p:nvPr>
+        </p:nvSpPr>
+        <p:spPr>
+          <a:xfrm>
+            <a:off x="6400800" y="609600"/>
+            <a:ext cx="5147730" cy="1641987"/>
+          </a:xfrm>
+        </p:spPr>
+        <p:txBody>
+          <a:bodyPr vert="horz" lIns="91440" tIns="45720" rIns="91440" bIns="45720" rtlCol="0" anchor="ctr">
+            <a:normAutofit/>
+          </a:bodyPr>
+          <a:lstStyle/>
+          <a:p>
+            <a:r>
+              <a:rPr lang="en-US"/>
+              <a:t>MVC </a:t>
+            </a:r>
+          </a:p>
+        </p:txBody>
+      </p:sp>
+      <p:sp>
+        <p:nvSpPr>
+          <p:cNvPr id="6" name="TextBox 5">
+            <a:extLst>
+              <a:ext uri="{FF2B5EF4-FFF2-40B4-BE49-F238E27FC236}">
+                <a16:creationId xmlns:a16="http://schemas.microsoft.com/office/drawing/2014/main" id="{A5487078-8849-57C6-D4B7-EEEC79D4E7DD}"/>
+              </a:ext>
+            </a:extLst>
+          </p:cNvPr>
+          <p:cNvSpPr txBox="1"/>
+          <p:nvPr/>
+        </p:nvSpPr>
+        <p:spPr>
+          <a:xfrm>
+            <a:off x="6400800" y="2251587"/>
+            <a:ext cx="5147730" cy="3637935"/>
+          </a:xfrm>
+          <a:prstGeom prst="rect">
+            <a:avLst/>
+          </a:prstGeom>
+        </p:spPr>
+        <p:txBody>
+          <a:bodyPr vert="horz" lIns="91440" tIns="45720" rIns="91440" bIns="45720" rtlCol="0" anchor="ctr">
+            <a:normAutofit/>
+          </a:bodyPr>
+          <a:lstStyle/>
+          <a:p>
+            <a:pPr>
+              <a:spcAft>
+                <a:spcPts val="1000"/>
+              </a:spcAft>
+              <a:buClr>
+                <a:schemeClr val="tx1"/>
+              </a:buClr>
+              <a:buSzPct val="100000"/>
+              <a:buFont typeface="Arial"/>
+              <a:buChar char="•"/>
+            </a:pPr>
+            <a:r>
+              <a:rPr lang="en-US"/>
+              <a:t>Cijeli projekt je napravljen po MVC framework-u koji smo obradili na predavanjima</a:t>
+            </a:r>
+          </a:p>
+        </p:txBody>
+      </p:sp>
+      <p:pic>
+        <p:nvPicPr>
+          <p:cNvPr id="15362" name="Picture 2" descr="Share">
+            <a:extLst>
+              <a:ext uri="{FF2B5EF4-FFF2-40B4-BE49-F238E27FC236}">
+                <a16:creationId xmlns:a16="http://schemas.microsoft.com/office/drawing/2014/main" id="{5BBB6679-D10B-6B7C-7F54-0BB3A4D2E481}"/>
+              </a:ext>
+            </a:extLst>
+          </p:cNvPr>
+          <p:cNvPicPr>
+            <a:picLocks noChangeAspect="1" noChangeArrowheads="1"/>
+          </p:cNvPicPr>
+          <p:nvPr/>
+        </p:nvPicPr>
+        <p:blipFill>
+          <a:blip r:embed="rId2">
+            <a:extLst>
+              <a:ext uri="{28A0092B-C50C-407E-A947-70E740481C1C}">
+                <a14:useLocalDpi xmlns:a14="http://schemas.microsoft.com/office/drawing/2010/main" val="0"/>
+              </a:ext>
+            </a:extLst>
+          </a:blip>
+          <a:srcRect/>
+          <a:stretch>
+            <a:fillRect/>
+          </a:stretch>
+        </p:blipFill>
+        <p:spPr bwMode="auto">
+          <a:xfrm>
+            <a:off x="1030624" y="701336"/>
+            <a:ext cx="4959045" cy="5455328"/>
+          </a:xfrm>
+          <a:prstGeom prst="rect">
+            <a:avLst/>
+          </a:prstGeom>
+          <a:noFill/>
+          <a:extLst>
+            <a:ext uri="{909E8E84-426E-40DD-AFC4-6F175D3DCCD1}">
+              <a14:hiddenFill xmlns:a14="http://schemas.microsoft.com/office/drawing/2010/main">
+                <a:solidFill>
+                  <a:srgbClr val="FFFFFF"/>
+                </a:solidFill>
+              </a14:hiddenFill>
+            </a:ext>
+          </a:extLst>
+        </p:spPr>
+      </p:pic>
+      <p:pic>
+        <p:nvPicPr>
+          <p:cNvPr id="4" name="Picture 3" descr="A white chess piece on a black background&#10;&#10;Description automatically generated">
+            <a:extLst>
+              <a:ext uri="{FF2B5EF4-FFF2-40B4-BE49-F238E27FC236}">
+                <a16:creationId xmlns:a16="http://schemas.microsoft.com/office/drawing/2014/main" id="{77182A39-3B99-C22E-1257-2D953AD9A796}"/>
+              </a:ext>
+            </a:extLst>
+          </p:cNvPr>
+          <p:cNvPicPr>
+            <a:picLocks noChangeAspect="1"/>
+          </p:cNvPicPr>
+          <p:nvPr/>
+        </p:nvPicPr>
+        <p:blipFill>
+          <a:blip r:embed="rId3">
+            <a:extLst>
+              <a:ext uri="{28A0092B-C50C-407E-A947-70E740481C1C}">
+                <a14:useLocalDpi xmlns:a14="http://schemas.microsoft.com/office/drawing/2010/main" val="0"/>
+              </a:ext>
+            </a:extLst>
+          </a:blip>
+          <a:stretch>
+            <a:fillRect/>
+          </a:stretch>
+        </p:blipFill>
+        <p:spPr>
+          <a:xfrm>
+            <a:off x="11506199" y="138934"/>
+            <a:ext cx="529761" cy="784831"/>
+          </a:xfrm>
+          <a:prstGeom prst="rect">
+            <a:avLst/>
+          </a:prstGeom>
+        </p:spPr>
+      </p:pic>
+    </p:spTree>
+    <p:extLst>
+      <p:ext uri="{BB962C8B-B14F-4D97-AF65-F5344CB8AC3E}">
+        <p14:creationId xmlns:p14="http://schemas.microsoft.com/office/powerpoint/2010/main" val="2596213239"/>
+      </p:ext>
+    </p:extLst>
+  </p:cSld>
+  <p:clrMapOvr>
+    <a:masterClrMapping/>
+  </p:clrMapOvr>
+</p:sld>
+</file>
+
+<file path=ppt/slides/slide16.xml><?xml version="1.0" encoding="utf-8"?>
+<p:sld xmlns:a="http://schemas.openxmlformats.org/drawingml/2006/main" xmlns:r="http://schemas.openxmlformats.org/officeDocument/2006/relationships" xmlns:p="http://schemas.openxmlformats.org/presentationml/2006/main">
+  <p:cSld>
+    <p:spTree>
+      <p:nvGrpSpPr>
+        <p:cNvPr id="1" name=""/>
+        <p:cNvGrpSpPr/>
+        <p:nvPr/>
+      </p:nvGrpSpPr>
+      <p:grpSpPr>
+        <a:xfrm>
+          <a:off x="0" y="0"/>
+          <a:ext cx="0" cy="0"/>
+          <a:chOff x="0" y="0"/>
+          <a:chExt cx="0" cy="0"/>
+        </a:xfrm>
+      </p:grpSpPr>
+      <p:sp>
+        <p:nvSpPr>
+          <p:cNvPr id="2" name="Title 1">
+            <a:extLst>
+              <a:ext uri="{FF2B5EF4-FFF2-40B4-BE49-F238E27FC236}">
+                <a16:creationId xmlns:a16="http://schemas.microsoft.com/office/drawing/2014/main" id="{E21B6E9F-37D5-04F3-0B7D-F1F8CA0D44F6}"/>
+              </a:ext>
+            </a:extLst>
+          </p:cNvPr>
+          <p:cNvSpPr>
+            <a:spLocks noGrp="1"/>
+          </p:cNvSpPr>
+          <p:nvPr>
+            <p:ph type="title"/>
+          </p:nvPr>
+        </p:nvSpPr>
+        <p:spPr/>
+        <p:txBody>
+          <a:bodyPr/>
+          <a:lstStyle/>
+          <a:p>
+            <a:r>
+              <a:rPr lang="en-GB" dirty="0"/>
+              <a:t>Login and registration</a:t>
+            </a:r>
+          </a:p>
+        </p:txBody>
+      </p:sp>
+      <p:sp>
+        <p:nvSpPr>
+          <p:cNvPr id="4" name="TextBox 3">
+            <a:extLst>
+              <a:ext uri="{FF2B5EF4-FFF2-40B4-BE49-F238E27FC236}">
+                <a16:creationId xmlns:a16="http://schemas.microsoft.com/office/drawing/2014/main" id="{2E25F3A5-B6FF-0D4D-2627-C0B009ED2670}"/>
+              </a:ext>
+            </a:extLst>
+          </p:cNvPr>
+          <p:cNvSpPr txBox="1"/>
+          <p:nvPr/>
+        </p:nvSpPr>
+        <p:spPr>
+          <a:xfrm>
+            <a:off x="254089" y="1984574"/>
+            <a:ext cx="4723544" cy="707886"/>
+          </a:xfrm>
+          <a:prstGeom prst="rect">
+            <a:avLst/>
+          </a:prstGeom>
+          <a:noFill/>
+        </p:spPr>
+        <p:txBody>
+          <a:bodyPr wrap="square" rtlCol="0">
+            <a:spAutoFit/>
+          </a:bodyPr>
+          <a:lstStyle/>
+          <a:p>
+            <a:r>
+              <a:rPr lang="en-GB" sz="2000" dirty="0" err="1"/>
+              <a:t>Pri</a:t>
+            </a:r>
+            <a:r>
+              <a:rPr lang="en-GB" sz="2000" dirty="0"/>
+              <a:t> </a:t>
+            </a:r>
+            <a:r>
+              <a:rPr lang="en-GB" sz="2000" dirty="0" err="1"/>
+              <a:t>ulasku</a:t>
+            </a:r>
+            <a:r>
+              <a:rPr lang="en-GB" sz="2000" dirty="0"/>
+              <a:t> u </a:t>
+            </a:r>
+            <a:r>
+              <a:rPr lang="en-GB" sz="2000" dirty="0" err="1"/>
+              <a:t>igricu</a:t>
+            </a:r>
+            <a:r>
+              <a:rPr lang="en-GB" sz="2000" dirty="0"/>
+              <a:t> </a:t>
+            </a:r>
+            <a:r>
+              <a:rPr lang="en-GB" sz="2000" dirty="0" err="1"/>
+              <a:t>potrebno</a:t>
+            </a:r>
+            <a:r>
+              <a:rPr lang="en-GB" sz="2000" dirty="0"/>
+              <a:t> se </a:t>
+            </a:r>
+            <a:r>
+              <a:rPr lang="en-GB" sz="2000" dirty="0" err="1"/>
+              <a:t>ulogirati</a:t>
+            </a:r>
+            <a:r>
+              <a:rPr lang="en-GB" sz="2000" dirty="0"/>
+              <a:t> </a:t>
+            </a:r>
+            <a:r>
+              <a:rPr lang="en-GB" sz="2000" dirty="0" err="1"/>
+              <a:t>sa</a:t>
+            </a:r>
+            <a:r>
+              <a:rPr lang="en-GB" sz="2000" dirty="0"/>
+              <a:t> username-om </a:t>
+            </a:r>
+            <a:r>
+              <a:rPr lang="en-GB" sz="2000" dirty="0" err="1"/>
+              <a:t>i</a:t>
+            </a:r>
+            <a:r>
+              <a:rPr lang="en-GB" sz="2000" dirty="0"/>
+              <a:t> </a:t>
+            </a:r>
+            <a:r>
+              <a:rPr lang="en-GB" sz="2000" dirty="0" err="1"/>
+              <a:t>passwordom</a:t>
+            </a:r>
+            <a:endParaRPr lang="en-GB" sz="2000" dirty="0"/>
+          </a:p>
+        </p:txBody>
+      </p:sp>
+      <p:sp>
+        <p:nvSpPr>
+          <p:cNvPr id="5" name="TextBox 4">
+            <a:extLst>
+              <a:ext uri="{FF2B5EF4-FFF2-40B4-BE49-F238E27FC236}">
+                <a16:creationId xmlns:a16="http://schemas.microsoft.com/office/drawing/2014/main" id="{4B77901A-BF18-65A9-04D6-B694C25346BE}"/>
+              </a:ext>
+            </a:extLst>
+          </p:cNvPr>
+          <p:cNvSpPr txBox="1"/>
+          <p:nvPr/>
+        </p:nvSpPr>
+        <p:spPr>
+          <a:xfrm>
+            <a:off x="254088" y="3335330"/>
+            <a:ext cx="5427621" cy="707886"/>
+          </a:xfrm>
+          <a:prstGeom prst="rect">
+            <a:avLst/>
+          </a:prstGeom>
+          <a:noFill/>
+        </p:spPr>
+        <p:txBody>
+          <a:bodyPr wrap="square" rtlCol="0">
+            <a:spAutoFit/>
+          </a:bodyPr>
+          <a:lstStyle/>
+          <a:p>
+            <a:r>
+              <a:rPr lang="en-GB" sz="2000" dirty="0"/>
+              <a:t>Novi </a:t>
+            </a:r>
+            <a:r>
+              <a:rPr lang="en-GB" sz="2000" dirty="0" err="1"/>
+              <a:t>korisnici</a:t>
+            </a:r>
+            <a:r>
+              <a:rPr lang="en-GB" sz="2000" dirty="0"/>
+              <a:t> se </a:t>
+            </a:r>
+            <a:r>
+              <a:rPr lang="en-GB" sz="2000" dirty="0" err="1"/>
+              <a:t>mogu</a:t>
+            </a:r>
+            <a:r>
+              <a:rPr lang="en-GB" sz="2000" dirty="0"/>
+              <a:t> </a:t>
+            </a:r>
+            <a:r>
+              <a:rPr lang="en-GB" sz="2000" dirty="0" err="1"/>
+              <a:t>registrirati</a:t>
+            </a:r>
+            <a:r>
+              <a:rPr lang="en-GB" sz="2000" dirty="0"/>
+              <a:t> </a:t>
+            </a:r>
+            <a:r>
+              <a:rPr lang="en-GB" sz="2000" dirty="0" err="1"/>
+              <a:t>sa</a:t>
+            </a:r>
+            <a:r>
+              <a:rPr lang="en-GB" sz="2000" dirty="0"/>
+              <a:t> username-om koji s </a:t>
+            </a:r>
+            <a:r>
+              <a:rPr lang="en-GB" sz="2000" dirty="0" err="1"/>
+              <a:t>još</a:t>
+            </a:r>
+            <a:r>
+              <a:rPr lang="en-GB" sz="2000" dirty="0"/>
+              <a:t> ne </a:t>
+            </a:r>
+            <a:r>
+              <a:rPr lang="en-GB" sz="2000" dirty="0" err="1"/>
+              <a:t>koristi</a:t>
+            </a:r>
+            <a:endParaRPr lang="en-GB" sz="2000" dirty="0"/>
+          </a:p>
+        </p:txBody>
+      </p:sp>
+      <p:sp>
+        <p:nvSpPr>
+          <p:cNvPr id="6" name="TextBox 5">
+            <a:extLst>
+              <a:ext uri="{FF2B5EF4-FFF2-40B4-BE49-F238E27FC236}">
+                <a16:creationId xmlns:a16="http://schemas.microsoft.com/office/drawing/2014/main" id="{F06DA872-C140-7BF9-9217-822BFD0EA245}"/>
+              </a:ext>
+            </a:extLst>
+          </p:cNvPr>
+          <p:cNvSpPr txBox="1"/>
+          <p:nvPr/>
+        </p:nvSpPr>
+        <p:spPr>
+          <a:xfrm>
+            <a:off x="254088" y="4541622"/>
+            <a:ext cx="5738339" cy="1015663"/>
+          </a:xfrm>
+          <a:prstGeom prst="rect">
+            <a:avLst/>
+          </a:prstGeom>
+          <a:noFill/>
+        </p:spPr>
+        <p:txBody>
+          <a:bodyPr wrap="square" rtlCol="0">
+            <a:spAutoFit/>
+          </a:bodyPr>
+          <a:lstStyle/>
+          <a:p>
+            <a:r>
+              <a:rPr lang="en-GB" sz="2000" dirty="0"/>
+              <a:t>Za </a:t>
+            </a:r>
+            <a:r>
+              <a:rPr lang="en-GB" sz="2000" dirty="0" err="1"/>
+              <a:t>zaštitu</a:t>
+            </a:r>
+            <a:r>
+              <a:rPr lang="en-GB" sz="2000" dirty="0"/>
+              <a:t> </a:t>
+            </a:r>
+            <a:r>
+              <a:rPr lang="en-GB" sz="2000" dirty="0" err="1"/>
+              <a:t>passworda</a:t>
+            </a:r>
+            <a:r>
+              <a:rPr lang="en-GB" sz="2000" dirty="0"/>
+              <a:t> </a:t>
+            </a:r>
+            <a:r>
+              <a:rPr lang="en-GB" sz="2000" dirty="0" err="1"/>
+              <a:t>korišten</a:t>
+            </a:r>
+            <a:r>
+              <a:rPr lang="en-GB" sz="2000" dirty="0"/>
+              <a:t> je password hash </a:t>
+            </a:r>
+            <a:r>
+              <a:rPr lang="en-GB" sz="2000" dirty="0" err="1"/>
+              <a:t>čime</a:t>
+            </a:r>
+            <a:r>
+              <a:rPr lang="en-GB" sz="2000" dirty="0"/>
+              <a:t> se </a:t>
+            </a:r>
+            <a:r>
+              <a:rPr lang="en-GB" sz="2000" dirty="0" err="1"/>
+              <a:t>onemogućava</a:t>
+            </a:r>
+            <a:r>
+              <a:rPr lang="en-GB" sz="2000" dirty="0"/>
+              <a:t> </a:t>
+            </a:r>
+            <a:r>
+              <a:rPr lang="en-GB" sz="2000" dirty="0" err="1"/>
+              <a:t>vidljivost</a:t>
+            </a:r>
+            <a:r>
+              <a:rPr lang="en-GB" sz="2000" dirty="0"/>
+              <a:t> </a:t>
+            </a:r>
+            <a:r>
+              <a:rPr lang="en-GB" sz="2000" dirty="0" err="1"/>
+              <a:t>korisnikove</a:t>
+            </a:r>
+            <a:r>
+              <a:rPr lang="en-GB" sz="2000" dirty="0"/>
+              <a:t> </a:t>
+            </a:r>
+            <a:r>
+              <a:rPr lang="en-GB" sz="2000" dirty="0" err="1"/>
+              <a:t>šifre</a:t>
+            </a:r>
+            <a:r>
+              <a:rPr lang="en-GB" sz="2000" dirty="0"/>
+              <a:t> </a:t>
+            </a:r>
+            <a:r>
+              <a:rPr lang="en-GB" sz="2000" dirty="0" err="1"/>
+              <a:t>prilikom</a:t>
+            </a:r>
+            <a:r>
+              <a:rPr lang="en-GB" sz="2000" dirty="0"/>
+              <a:t> </a:t>
+            </a:r>
+            <a:r>
+              <a:rPr lang="en-GB" sz="2000" dirty="0" err="1"/>
+              <a:t>gledanja</a:t>
+            </a:r>
+            <a:r>
+              <a:rPr lang="en-GB" sz="2000" dirty="0"/>
+              <a:t> </a:t>
+            </a:r>
+            <a:r>
+              <a:rPr lang="en-GB" sz="2000" dirty="0" err="1"/>
+              <a:t>baze</a:t>
+            </a:r>
+            <a:r>
+              <a:rPr lang="en-GB" sz="2000" dirty="0"/>
+              <a:t> </a:t>
+            </a:r>
+            <a:r>
+              <a:rPr lang="en-GB" sz="2000" dirty="0" err="1"/>
+              <a:t>podataka</a:t>
+            </a:r>
+            <a:endParaRPr lang="en-GB" sz="2000" dirty="0"/>
+          </a:p>
+        </p:txBody>
+      </p:sp>
+      <p:pic>
+        <p:nvPicPr>
+          <p:cNvPr id="19458" name="Picture 2" descr="Registration">
+            <a:extLst>
+              <a:ext uri="{FF2B5EF4-FFF2-40B4-BE49-F238E27FC236}">
+                <a16:creationId xmlns:a16="http://schemas.microsoft.com/office/drawing/2014/main" id="{B5983E8C-7434-13EB-9285-09F85B58375A}"/>
+              </a:ext>
+            </a:extLst>
+          </p:cNvPr>
+          <p:cNvPicPr>
+            <a:picLocks noChangeAspect="1" noChangeArrowheads="1"/>
+          </p:cNvPicPr>
+          <p:nvPr/>
+        </p:nvPicPr>
+        <p:blipFill>
+          <a:blip r:embed="rId2">
+            <a:extLst>
+              <a:ext uri="{28A0092B-C50C-407E-A947-70E740481C1C}">
+                <a14:useLocalDpi xmlns:a14="http://schemas.microsoft.com/office/drawing/2010/main" val="0"/>
+              </a:ext>
+            </a:extLst>
+          </a:blip>
+          <a:srcRect/>
+          <a:stretch>
+            <a:fillRect/>
+          </a:stretch>
+        </p:blipFill>
+        <p:spPr bwMode="auto">
+          <a:xfrm>
+            <a:off x="6381179" y="2103365"/>
+            <a:ext cx="5062089" cy="3171815"/>
+          </a:xfrm>
+          <a:prstGeom prst="rect">
+            <a:avLst/>
+          </a:prstGeom>
+          <a:noFill/>
+          <a:extLst>
+            <a:ext uri="{909E8E84-426E-40DD-AFC4-6F175D3DCCD1}">
+              <a14:hiddenFill xmlns:a14="http://schemas.microsoft.com/office/drawing/2010/main">
+                <a:solidFill>
+                  <a:srgbClr val="FFFFFF"/>
+                </a:solidFill>
+              </a14:hiddenFill>
+            </a:ext>
+          </a:extLst>
+        </p:spPr>
+      </p:pic>
+      <p:pic>
+        <p:nvPicPr>
+          <p:cNvPr id="3" name="Picture 2" descr="A white chess piece on a black background&#10;&#10;Description automatically generated">
+            <a:extLst>
+              <a:ext uri="{FF2B5EF4-FFF2-40B4-BE49-F238E27FC236}">
+                <a16:creationId xmlns:a16="http://schemas.microsoft.com/office/drawing/2014/main" id="{F629547A-2934-6CB6-055F-7C7FDC171F4D}"/>
+              </a:ext>
+            </a:extLst>
+          </p:cNvPr>
+          <p:cNvPicPr>
+            <a:picLocks noChangeAspect="1"/>
+          </p:cNvPicPr>
+          <p:nvPr/>
+        </p:nvPicPr>
+        <p:blipFill>
+          <a:blip r:embed="rId3">
+            <a:extLst>
+              <a:ext uri="{28A0092B-C50C-407E-A947-70E740481C1C}">
+                <a14:useLocalDpi xmlns:a14="http://schemas.microsoft.com/office/drawing/2010/main" val="0"/>
+              </a:ext>
+            </a:extLst>
+          </a:blip>
+          <a:stretch>
+            <a:fillRect/>
+          </a:stretch>
+        </p:blipFill>
+        <p:spPr>
+          <a:xfrm>
+            <a:off x="11506199" y="147812"/>
+            <a:ext cx="529761" cy="784831"/>
+          </a:xfrm>
+          <a:prstGeom prst="rect">
+            <a:avLst/>
+          </a:prstGeom>
+        </p:spPr>
+      </p:pic>
+    </p:spTree>
+    <p:extLst>
+      <p:ext uri="{BB962C8B-B14F-4D97-AF65-F5344CB8AC3E}">
+        <p14:creationId xmlns:p14="http://schemas.microsoft.com/office/powerpoint/2010/main" val="1234272691"/>
+      </p:ext>
+    </p:extLst>
+  </p:cSld>
+  <p:clrMapOvr>
+    <a:masterClrMapping/>
+  </p:clrMapOvr>
+</p:sld>
+</file>
+
+<file path=ppt/slides/slide17.xml><?xml version="1.0" encoding="utf-8"?>
+<p:sld xmlns:a="http://schemas.openxmlformats.org/drawingml/2006/main" xmlns:r="http://schemas.openxmlformats.org/officeDocument/2006/relationships" xmlns:p="http://schemas.openxmlformats.org/presentationml/2006/main">
+  <p:cSld>
+    <p:spTree>
+      <p:nvGrpSpPr>
+        <p:cNvPr id="1" name=""/>
+        <p:cNvGrpSpPr/>
+        <p:nvPr/>
+      </p:nvGrpSpPr>
+      <p:grpSpPr>
+        <a:xfrm>
+          <a:off x="0" y="0"/>
+          <a:ext cx="0" cy="0"/>
+          <a:chOff x="0" y="0"/>
+          <a:chExt cx="0" cy="0"/>
+        </a:xfrm>
+      </p:grpSpPr>
+      <p:sp>
+        <p:nvSpPr>
+          <p:cNvPr id="2" name="Title 1">
+            <a:extLst>
+              <a:ext uri="{FF2B5EF4-FFF2-40B4-BE49-F238E27FC236}">
+                <a16:creationId xmlns:a16="http://schemas.microsoft.com/office/drawing/2014/main" id="{8266C488-7F84-EC91-873D-FFC4F72D3BB8}"/>
+              </a:ext>
+            </a:extLst>
+          </p:cNvPr>
+          <p:cNvSpPr>
+            <a:spLocks noGrp="1"/>
+          </p:cNvSpPr>
+          <p:nvPr>
+            <p:ph type="title"/>
+          </p:nvPr>
+        </p:nvSpPr>
+        <p:spPr/>
+        <p:txBody>
+          <a:bodyPr/>
+          <a:lstStyle/>
+          <a:p>
+            <a:r>
+              <a:rPr lang="en-US" dirty="0" err="1"/>
+              <a:t>Baze</a:t>
+            </a:r>
+            <a:r>
+              <a:rPr lang="en-US" dirty="0"/>
+              <a:t> </a:t>
+            </a:r>
+            <a:r>
+              <a:rPr lang="en-US" dirty="0" err="1"/>
+              <a:t>podataka</a:t>
+            </a:r>
+            <a:endParaRPr lang="en-US" dirty="0"/>
+          </a:p>
+        </p:txBody>
+      </p:sp>
+      <p:sp>
+        <p:nvSpPr>
+          <p:cNvPr id="5" name="TextBox 4">
+            <a:extLst>
+              <a:ext uri="{FF2B5EF4-FFF2-40B4-BE49-F238E27FC236}">
+                <a16:creationId xmlns:a16="http://schemas.microsoft.com/office/drawing/2014/main" id="{FF013BC8-0E88-3CDB-D3AC-56933F3898A3}"/>
+              </a:ext>
+            </a:extLst>
+          </p:cNvPr>
+          <p:cNvSpPr txBox="1"/>
+          <p:nvPr/>
+        </p:nvSpPr>
+        <p:spPr>
+          <a:xfrm>
+            <a:off x="1840518" y="2129925"/>
+            <a:ext cx="7611314" cy="523220"/>
+          </a:xfrm>
+          <a:prstGeom prst="rect">
+            <a:avLst/>
+          </a:prstGeom>
+          <a:noFill/>
+        </p:spPr>
+        <p:txBody>
+          <a:bodyPr wrap="square" rtlCol="0">
+            <a:spAutoFit/>
+          </a:bodyPr>
+          <a:lstStyle/>
+          <a:p>
+            <a:r>
+              <a:rPr lang="en-GB" sz="2800" dirty="0"/>
+              <a:t>U </a:t>
+            </a:r>
+            <a:r>
+              <a:rPr lang="en-GB" sz="2800" dirty="0" err="1"/>
+              <a:t>našoj</a:t>
+            </a:r>
+            <a:r>
+              <a:rPr lang="en-GB" sz="2800" dirty="0"/>
+              <a:t> </a:t>
+            </a:r>
+            <a:r>
+              <a:rPr lang="en-GB" sz="2800" dirty="0" err="1"/>
+              <a:t>bazi</a:t>
+            </a:r>
+            <a:r>
+              <a:rPr lang="en-GB" sz="2800" dirty="0"/>
+              <a:t> </a:t>
+            </a:r>
+            <a:r>
+              <a:rPr lang="en-GB" sz="2800" dirty="0" err="1"/>
+              <a:t>podataka</a:t>
+            </a:r>
+            <a:r>
+              <a:rPr lang="en-GB" sz="2800" dirty="0"/>
+              <a:t> </a:t>
+            </a:r>
+            <a:r>
+              <a:rPr lang="en-GB" sz="2800" dirty="0" err="1"/>
+              <a:t>koristili</a:t>
+            </a:r>
+            <a:r>
+              <a:rPr lang="en-GB" sz="2800" dirty="0"/>
+              <a:t> </a:t>
+            </a:r>
+            <a:r>
+              <a:rPr lang="en-GB" sz="2800" dirty="0" err="1"/>
+              <a:t>smo</a:t>
+            </a:r>
+            <a:r>
+              <a:rPr lang="en-GB" sz="2800" dirty="0"/>
+              <a:t> </a:t>
+            </a:r>
+            <a:r>
+              <a:rPr lang="en-GB" sz="2800" dirty="0" err="1"/>
+              <a:t>dvije</a:t>
+            </a:r>
+            <a:r>
+              <a:rPr lang="en-GB" sz="2800" dirty="0"/>
+              <a:t> </a:t>
+            </a:r>
+            <a:r>
+              <a:rPr lang="en-GB" sz="2800" dirty="0" err="1"/>
+              <a:t>relacije</a:t>
+            </a:r>
+            <a:r>
+              <a:rPr lang="en-GB" sz="2800" dirty="0"/>
+              <a:t>:</a:t>
+            </a:r>
+          </a:p>
+        </p:txBody>
+      </p:sp>
+      <p:sp>
+        <p:nvSpPr>
+          <p:cNvPr id="6" name="TextBox 5">
+            <a:extLst>
+              <a:ext uri="{FF2B5EF4-FFF2-40B4-BE49-F238E27FC236}">
+                <a16:creationId xmlns:a16="http://schemas.microsoft.com/office/drawing/2014/main" id="{1846CC02-D94D-5024-0511-F61CCE953CFC}"/>
+              </a:ext>
+            </a:extLst>
+          </p:cNvPr>
+          <p:cNvSpPr txBox="1"/>
+          <p:nvPr/>
+        </p:nvSpPr>
+        <p:spPr>
+          <a:xfrm>
+            <a:off x="685801" y="3766700"/>
+            <a:ext cx="4960374" cy="1138773"/>
+          </a:xfrm>
+          <a:prstGeom prst="rect">
+            <a:avLst/>
+          </a:prstGeom>
+          <a:noFill/>
+        </p:spPr>
+        <p:txBody>
+          <a:bodyPr wrap="square" rtlCol="0">
+            <a:spAutoFit/>
+          </a:bodyPr>
+          <a:lstStyle/>
+          <a:p>
+            <a:r>
+              <a:rPr lang="en-GB" sz="3200" dirty="0" err="1"/>
+              <a:t>Tablica</a:t>
+            </a:r>
+            <a:r>
+              <a:rPr lang="en-GB" sz="3200" dirty="0"/>
+              <a:t> User </a:t>
+            </a:r>
+            <a:endParaRPr lang="en-GB" sz="2000" dirty="0"/>
+          </a:p>
+          <a:p>
+            <a:r>
+              <a:rPr lang="en-GB" dirty="0"/>
+              <a:t>-</a:t>
+            </a:r>
+            <a:r>
+              <a:rPr lang="en-GB" dirty="0" err="1"/>
+              <a:t>Sadržava</a:t>
+            </a:r>
+            <a:r>
+              <a:rPr lang="en-GB" dirty="0"/>
+              <a:t> </a:t>
+            </a:r>
+            <a:r>
+              <a:rPr lang="en-GB" dirty="0" err="1"/>
+              <a:t>informacije</a:t>
+            </a:r>
+            <a:r>
+              <a:rPr lang="en-GB" dirty="0"/>
+              <a:t> za login </a:t>
+            </a:r>
+            <a:r>
+              <a:rPr lang="en-GB" dirty="0" err="1"/>
+              <a:t>te</a:t>
+            </a:r>
+            <a:r>
+              <a:rPr lang="en-GB" dirty="0"/>
+              <a:t> </a:t>
+            </a:r>
+            <a:r>
+              <a:rPr lang="en-GB" dirty="0" err="1"/>
+              <a:t>rejting</a:t>
+            </a:r>
+            <a:r>
+              <a:rPr lang="en-GB" dirty="0"/>
+              <a:t> </a:t>
+            </a:r>
+            <a:r>
+              <a:rPr lang="en-GB" dirty="0" err="1"/>
+              <a:t>i</a:t>
+            </a:r>
+            <a:r>
+              <a:rPr lang="en-GB" dirty="0"/>
+              <a:t> </a:t>
+            </a:r>
+            <a:r>
+              <a:rPr lang="en-GB" dirty="0" err="1"/>
+              <a:t>rezultate</a:t>
+            </a:r>
+            <a:endParaRPr lang="en-GB" dirty="0"/>
+          </a:p>
+          <a:p>
+            <a:r>
+              <a:rPr lang="en-GB" dirty="0" err="1"/>
+              <a:t>korisinika</a:t>
+            </a:r>
+            <a:endParaRPr lang="en-GB" dirty="0"/>
+          </a:p>
+        </p:txBody>
+      </p:sp>
+      <p:sp>
+        <p:nvSpPr>
+          <p:cNvPr id="7" name="TextBox 6">
+            <a:extLst>
+              <a:ext uri="{FF2B5EF4-FFF2-40B4-BE49-F238E27FC236}">
+                <a16:creationId xmlns:a16="http://schemas.microsoft.com/office/drawing/2014/main" id="{B2BC3D20-46F6-9928-6AE2-9FF5AE6896BC}"/>
+              </a:ext>
+            </a:extLst>
+          </p:cNvPr>
+          <p:cNvSpPr txBox="1"/>
+          <p:nvPr/>
+        </p:nvSpPr>
+        <p:spPr>
+          <a:xfrm>
+            <a:off x="6461369" y="3763644"/>
+            <a:ext cx="4960374" cy="861774"/>
+          </a:xfrm>
+          <a:prstGeom prst="rect">
+            <a:avLst/>
+          </a:prstGeom>
+          <a:noFill/>
+        </p:spPr>
+        <p:txBody>
+          <a:bodyPr wrap="square" rtlCol="0">
+            <a:spAutoFit/>
+          </a:bodyPr>
+          <a:lstStyle/>
+          <a:p>
+            <a:r>
+              <a:rPr lang="en-GB" sz="3200" dirty="0" err="1"/>
+              <a:t>Tablica</a:t>
+            </a:r>
+            <a:r>
+              <a:rPr lang="en-GB" sz="3200" dirty="0"/>
+              <a:t> Rating</a:t>
+            </a:r>
+          </a:p>
+          <a:p>
+            <a:r>
+              <a:rPr lang="en-GB" dirty="0"/>
+              <a:t>-</a:t>
+            </a:r>
+            <a:r>
+              <a:rPr lang="en-GB" dirty="0" err="1"/>
+              <a:t>Sadržava</a:t>
+            </a:r>
+            <a:r>
+              <a:rPr lang="en-GB" dirty="0"/>
+              <a:t> </a:t>
+            </a:r>
+            <a:r>
+              <a:rPr lang="en-GB" dirty="0" err="1"/>
+              <a:t>svaki</a:t>
+            </a:r>
+            <a:r>
+              <a:rPr lang="en-GB" dirty="0"/>
+              <a:t> </a:t>
+            </a:r>
+            <a:r>
+              <a:rPr lang="en-GB" dirty="0" err="1"/>
+              <a:t>novi</a:t>
+            </a:r>
+            <a:r>
+              <a:rPr lang="en-GB" dirty="0"/>
+              <a:t> </a:t>
+            </a:r>
+            <a:r>
+              <a:rPr lang="en-GB" dirty="0" err="1"/>
+              <a:t>rejting</a:t>
+            </a:r>
+            <a:r>
+              <a:rPr lang="en-GB" dirty="0"/>
+              <a:t> </a:t>
+            </a:r>
+            <a:r>
+              <a:rPr lang="en-GB" dirty="0" err="1"/>
+              <a:t>pojedinog</a:t>
+            </a:r>
+            <a:r>
+              <a:rPr lang="en-GB" dirty="0"/>
+              <a:t> </a:t>
+            </a:r>
+            <a:r>
+              <a:rPr lang="en-GB" dirty="0" err="1"/>
+              <a:t>korisnika</a:t>
+            </a:r>
+            <a:endParaRPr lang="en-GB" dirty="0"/>
+          </a:p>
+        </p:txBody>
+      </p:sp>
+      <p:sp>
+        <p:nvSpPr>
+          <p:cNvPr id="3" name="Arrow: Up 2">
+            <a:extLst>
+              <a:ext uri="{FF2B5EF4-FFF2-40B4-BE49-F238E27FC236}">
+                <a16:creationId xmlns:a16="http://schemas.microsoft.com/office/drawing/2014/main" id="{5B5B4E66-B42F-88D8-6599-0309CAAF3DE5}"/>
+              </a:ext>
+            </a:extLst>
+          </p:cNvPr>
+          <p:cNvSpPr/>
+          <p:nvPr/>
+        </p:nvSpPr>
+        <p:spPr>
+          <a:xfrm rot="12519111">
+            <a:off x="3089431" y="2811095"/>
+            <a:ext cx="577049" cy="887279"/>
+          </a:xfrm>
+          <a:prstGeom prst="upArrow">
+            <a:avLst/>
+          </a:prstGeom>
+          <a:solidFill>
+            <a:srgbClr val="00B0F0"/>
+          </a:solidFill>
+          <a:ln>
+            <a:solidFill>
+              <a:srgbClr val="00B0F0"/>
+            </a:solidFill>
+          </a:ln>
+        </p:spPr>
+        <p:style>
+          <a:lnRef idx="2">
+            <a:schemeClr val="accent1">
+              <a:shade val="50000"/>
+            </a:schemeClr>
+          </a:lnRef>
+          <a:fillRef idx="1">
+            <a:schemeClr val="accent1"/>
+          </a:fillRef>
+          <a:effectRef idx="0">
+            <a:schemeClr val="accent1"/>
+          </a:effectRef>
+          <a:fontRef idx="minor">
+            <a:schemeClr val="lt1"/>
+          </a:fontRef>
+        </p:style>
+        <p:txBody>
+          <a:bodyPr rtlCol="0" anchor="ctr"/>
+          <a:lstStyle/>
+          <a:p>
+            <a:pPr algn="ctr"/>
+            <a:endParaRPr lang="en-US"/>
+          </a:p>
+        </p:txBody>
+      </p:sp>
+      <p:sp>
+        <p:nvSpPr>
+          <p:cNvPr id="4" name="Arrow: Up 3">
+            <a:extLst>
+              <a:ext uri="{FF2B5EF4-FFF2-40B4-BE49-F238E27FC236}">
+                <a16:creationId xmlns:a16="http://schemas.microsoft.com/office/drawing/2014/main" id="{037D34FD-F249-C1FD-34A4-7C7B3037E35A}"/>
+              </a:ext>
+            </a:extLst>
+          </p:cNvPr>
+          <p:cNvSpPr/>
+          <p:nvPr/>
+        </p:nvSpPr>
+        <p:spPr>
+          <a:xfrm rot="8412885">
+            <a:off x="6570957" y="2829932"/>
+            <a:ext cx="577049" cy="887279"/>
+          </a:xfrm>
+          <a:prstGeom prst="upArrow">
+            <a:avLst/>
+          </a:prstGeom>
+          <a:solidFill>
+            <a:srgbClr val="00B0F0"/>
+          </a:solidFill>
+          <a:ln>
+            <a:solidFill>
+              <a:srgbClr val="00B0F0"/>
+            </a:solidFill>
+          </a:ln>
+        </p:spPr>
+        <p:style>
+          <a:lnRef idx="2">
+            <a:schemeClr val="accent1">
+              <a:shade val="50000"/>
+            </a:schemeClr>
+          </a:lnRef>
+          <a:fillRef idx="1">
+            <a:schemeClr val="accent1"/>
+          </a:fillRef>
+          <a:effectRef idx="0">
+            <a:schemeClr val="accent1"/>
+          </a:effectRef>
+          <a:fontRef idx="minor">
+            <a:schemeClr val="lt1"/>
+          </a:fontRef>
+        </p:style>
+        <p:txBody>
+          <a:bodyPr rtlCol="0" anchor="ctr"/>
+          <a:lstStyle/>
+          <a:p>
+            <a:pPr algn="ctr"/>
+            <a:endParaRPr lang="en-US"/>
+          </a:p>
+        </p:txBody>
+      </p:sp>
+      <p:pic>
+        <p:nvPicPr>
+          <p:cNvPr id="8" name="Picture 7" descr="A white chess piece on a black background&#10;&#10;Description automatically generated">
+            <a:extLst>
+              <a:ext uri="{FF2B5EF4-FFF2-40B4-BE49-F238E27FC236}">
+                <a16:creationId xmlns:a16="http://schemas.microsoft.com/office/drawing/2014/main" id="{9DED2749-A90F-1BAF-B69E-31B0420515E2}"/>
+              </a:ext>
+            </a:extLst>
+          </p:cNvPr>
+          <p:cNvPicPr>
+            <a:picLocks noChangeAspect="1"/>
+          </p:cNvPicPr>
+          <p:nvPr/>
+        </p:nvPicPr>
+        <p:blipFill>
+          <a:blip r:embed="rId2">
+            <a:extLst>
+              <a:ext uri="{28A0092B-C50C-407E-A947-70E740481C1C}">
+                <a14:useLocalDpi xmlns:a14="http://schemas.microsoft.com/office/drawing/2010/main" val="0"/>
+              </a:ext>
+            </a:extLst>
+          </a:blip>
+          <a:stretch>
+            <a:fillRect/>
+          </a:stretch>
+        </p:blipFill>
+        <p:spPr>
+          <a:xfrm>
+            <a:off x="11506199" y="138934"/>
+            <a:ext cx="529761" cy="784831"/>
+          </a:xfrm>
+          <a:prstGeom prst="rect">
+            <a:avLst/>
+          </a:prstGeom>
+        </p:spPr>
+      </p:pic>
+    </p:spTree>
+    <p:extLst>
+      <p:ext uri="{BB962C8B-B14F-4D97-AF65-F5344CB8AC3E}">
+        <p14:creationId xmlns:p14="http://schemas.microsoft.com/office/powerpoint/2010/main" val="2378074687"/>
+      </p:ext>
+    </p:extLst>
+  </p:cSld>
+  <p:clrMapOvr>
+    <a:masterClrMapping/>
+  </p:clrMapOvr>
+</p:sld>
+</file>
+
+<file path=ppt/slides/slide18.xml><?xml version="1.0" encoding="utf-8"?>
+<p:sld xmlns:a="http://schemas.openxmlformats.org/drawingml/2006/main" xmlns:r="http://schemas.openxmlformats.org/officeDocument/2006/relationships" xmlns:p="http://schemas.openxmlformats.org/presentationml/2006/main">
+  <p:cSld>
+    <p:spTree>
+      <p:nvGrpSpPr>
+        <p:cNvPr id="1" name=""/>
+        <p:cNvGrpSpPr/>
+        <p:nvPr/>
+      </p:nvGrpSpPr>
+      <p:grpSpPr>
+        <a:xfrm>
+          <a:off x="0" y="0"/>
+          <a:ext cx="0" cy="0"/>
+          <a:chOff x="0" y="0"/>
+          <a:chExt cx="0" cy="0"/>
+        </a:xfrm>
+      </p:grpSpPr>
+      <p:sp>
+        <p:nvSpPr>
+          <p:cNvPr id="2" name="Title 1">
+            <a:extLst>
+              <a:ext uri="{FF2B5EF4-FFF2-40B4-BE49-F238E27FC236}">
+                <a16:creationId xmlns:a16="http://schemas.microsoft.com/office/drawing/2014/main" id="{8266C488-7F84-EC91-873D-FFC4F72D3BB8}"/>
+              </a:ext>
+            </a:extLst>
+          </p:cNvPr>
+          <p:cNvSpPr>
+            <a:spLocks noGrp="1"/>
+          </p:cNvSpPr>
+          <p:nvPr>
+            <p:ph type="title"/>
+          </p:nvPr>
+        </p:nvSpPr>
+        <p:spPr/>
+        <p:txBody>
+          <a:bodyPr/>
+          <a:lstStyle/>
+          <a:p>
+            <a:r>
+              <a:rPr lang="hr-HR" dirty="0"/>
+              <a:t>komunikacija TOKOM IGRE</a:t>
+            </a:r>
+            <a:endParaRPr lang="en-US" dirty="0"/>
+          </a:p>
+        </p:txBody>
+      </p:sp>
+      <p:sp>
+        <p:nvSpPr>
+          <p:cNvPr id="3" name="Content Placeholder 2">
+            <a:extLst>
+              <a:ext uri="{FF2B5EF4-FFF2-40B4-BE49-F238E27FC236}">
+                <a16:creationId xmlns:a16="http://schemas.microsoft.com/office/drawing/2014/main" id="{4AF076AF-1484-1267-E914-62C6279F11FB}"/>
+              </a:ext>
+            </a:extLst>
+          </p:cNvPr>
+          <p:cNvSpPr>
+            <a:spLocks noGrp="1"/>
+          </p:cNvSpPr>
+          <p:nvPr>
+            <p:ph idx="1"/>
+          </p:nvPr>
+        </p:nvSpPr>
+        <p:spPr>
+          <a:xfrm>
+            <a:off x="351514" y="1473548"/>
+            <a:ext cx="6235717" cy="4907872"/>
+          </a:xfrm>
+        </p:spPr>
+        <p:txBody>
+          <a:bodyPr>
+            <a:normAutofit/>
+          </a:bodyPr>
+          <a:lstStyle/>
+          <a:p>
+            <a:r>
+              <a:rPr lang="hr-HR" dirty="0"/>
+              <a:t>JAVASCRIPT je zaslužan za komunikaciju sa korisnikom</a:t>
+            </a:r>
+          </a:p>
+          <a:p>
+            <a:r>
+              <a:rPr lang="hr-HR" dirty="0"/>
+              <a:t>Pomoću AJAX-a se šalju poruke serveru sa opisom tražene akcije korisnika</a:t>
+            </a:r>
+          </a:p>
+          <a:p>
+            <a:r>
+              <a:rPr lang="hr-HR" dirty="0"/>
+              <a:t>Opis akcije se šalje POST metodom sa atributom </a:t>
+            </a:r>
+            <a:r>
+              <a:rPr lang="hr-HR" i="1" dirty="0" err="1"/>
+              <a:t>action</a:t>
+            </a:r>
+            <a:endParaRPr lang="hr-HR" i="1" dirty="0"/>
+          </a:p>
+          <a:p>
+            <a:r>
+              <a:rPr lang="hr-HR" dirty="0"/>
+              <a:t>Atribut </a:t>
+            </a:r>
+            <a:r>
+              <a:rPr lang="hr-HR" i="1" dirty="0" err="1"/>
+              <a:t>user</a:t>
+            </a:r>
+            <a:r>
+              <a:rPr lang="hr-HR" dirty="0"/>
+              <a:t> sadrži </a:t>
+            </a:r>
+            <a:r>
+              <a:rPr lang="hr-HR" dirty="0" err="1"/>
+              <a:t>username</a:t>
+            </a:r>
+            <a:r>
+              <a:rPr lang="hr-HR" dirty="0"/>
+              <a:t> korisnika koji radi danu akciju</a:t>
+            </a:r>
+          </a:p>
+          <a:p>
+            <a:r>
+              <a:rPr lang="hr-HR" dirty="0"/>
+              <a:t>Istovremeno može biti aktivno do 16 igara</a:t>
+            </a:r>
+          </a:p>
+          <a:p>
+            <a:r>
+              <a:rPr lang="hr-HR" dirty="0"/>
+              <a:t>Za svaku aktivnu igru se čuva trenutno stanje ploče</a:t>
+            </a:r>
+            <a:r>
+              <a:rPr lang="en-US" dirty="0"/>
+              <a:t> i</a:t>
+            </a:r>
+            <a:r>
+              <a:rPr lang="hr-HR" dirty="0"/>
+              <a:t> username igrača koji je napravio zadnji potez</a:t>
+            </a:r>
+            <a:r>
+              <a:rPr lang="en-US" dirty="0"/>
+              <a:t> </a:t>
+            </a:r>
+          </a:p>
+          <a:p>
+            <a:r>
+              <a:rPr lang="hr-HR" dirty="0"/>
+              <a:t>Svaka igra je određena svojim indeksom te se po završetku igre taj indeks oslobađa</a:t>
+            </a:r>
+          </a:p>
+          <a:p>
+            <a:r>
+              <a:rPr lang="hr-HR" dirty="0"/>
+              <a:t>Za ovu komunikaciju se koristi </a:t>
+            </a:r>
+            <a:r>
+              <a:rPr lang="hr-HR" dirty="0" err="1"/>
+              <a:t>gameController.php</a:t>
+            </a:r>
+            <a:endParaRPr lang="en-US" dirty="0"/>
+          </a:p>
+        </p:txBody>
+      </p:sp>
+      <p:pic>
+        <p:nvPicPr>
+          <p:cNvPr id="17410" name="Picture 2" descr="Communication is a Secret Weapon - BAs Without Borders">
+            <a:extLst>
+              <a:ext uri="{FF2B5EF4-FFF2-40B4-BE49-F238E27FC236}">
+                <a16:creationId xmlns:a16="http://schemas.microsoft.com/office/drawing/2014/main" id="{5B996721-1FE5-6FF2-C866-CAFD57B9CE65}"/>
+              </a:ext>
+            </a:extLst>
+          </p:cNvPr>
+          <p:cNvPicPr>
+            <a:picLocks noChangeAspect="1" noChangeArrowheads="1"/>
+          </p:cNvPicPr>
+          <p:nvPr/>
+        </p:nvPicPr>
+        <p:blipFill rotWithShape="1">
+          <a:blip r:embed="rId2">
+            <a:extLst>
+              <a:ext uri="{28A0092B-C50C-407E-A947-70E740481C1C}">
+                <a14:useLocalDpi xmlns:a14="http://schemas.microsoft.com/office/drawing/2010/main" val="0"/>
+              </a:ext>
+            </a:extLst>
+          </a:blip>
+          <a:srcRect l="16280" t="375" r="10621"/>
+          <a:stretch/>
+        </p:blipFill>
+        <p:spPr bwMode="auto">
+          <a:xfrm>
+            <a:off x="6921518" y="1340528"/>
+            <a:ext cx="5035965" cy="4608370"/>
+          </a:xfrm>
+          <a:prstGeom prst="rect">
+            <a:avLst/>
+          </a:prstGeom>
+          <a:noFill/>
+          <a:extLst>
+            <a:ext uri="{909E8E84-426E-40DD-AFC4-6F175D3DCCD1}">
+              <a14:hiddenFill xmlns:a14="http://schemas.microsoft.com/office/drawing/2010/main">
+                <a:solidFill>
+                  <a:srgbClr val="FFFFFF"/>
+                </a:solidFill>
+              </a14:hiddenFill>
+            </a:ext>
+          </a:extLst>
+        </p:spPr>
+      </p:pic>
+      <p:pic>
+        <p:nvPicPr>
+          <p:cNvPr id="4" name="Picture 3" descr="A white chess piece on a black background&#10;&#10;Description automatically generated">
+            <a:extLst>
+              <a:ext uri="{FF2B5EF4-FFF2-40B4-BE49-F238E27FC236}">
+                <a16:creationId xmlns:a16="http://schemas.microsoft.com/office/drawing/2014/main" id="{0E34A491-4759-C48C-B9D7-85206FD85236}"/>
+              </a:ext>
+            </a:extLst>
+          </p:cNvPr>
+          <p:cNvPicPr>
+            <a:picLocks noChangeAspect="1"/>
+          </p:cNvPicPr>
+          <p:nvPr/>
+        </p:nvPicPr>
+        <p:blipFill>
+          <a:blip r:embed="rId3">
+            <a:extLst>
+              <a:ext uri="{28A0092B-C50C-407E-A947-70E740481C1C}">
+                <a14:useLocalDpi xmlns:a14="http://schemas.microsoft.com/office/drawing/2010/main" val="0"/>
+              </a:ext>
+            </a:extLst>
+          </a:blip>
+          <a:stretch>
+            <a:fillRect/>
+          </a:stretch>
+        </p:blipFill>
+        <p:spPr>
+          <a:xfrm>
+            <a:off x="11506199" y="138934"/>
+            <a:ext cx="529761" cy="784831"/>
+          </a:xfrm>
+          <a:prstGeom prst="rect">
+            <a:avLst/>
+          </a:prstGeom>
+        </p:spPr>
+      </p:pic>
+    </p:spTree>
+    <p:extLst>
+      <p:ext uri="{BB962C8B-B14F-4D97-AF65-F5344CB8AC3E}">
+        <p14:creationId xmlns:p14="http://schemas.microsoft.com/office/powerpoint/2010/main" val="303888061"/>
+      </p:ext>
+    </p:extLst>
+  </p:cSld>
+  <p:clrMapOvr>
+    <a:masterClrMapping/>
+  </p:clrMapOvr>
+</p:sld>
+</file>
+
+<file path=ppt/slides/slide19.xml><?xml version="1.0" encoding="utf-8"?>
+<p:sld xmlns:a="http://schemas.openxmlformats.org/drawingml/2006/main" xmlns:r="http://schemas.openxmlformats.org/officeDocument/2006/relationships" xmlns:p="http://schemas.openxmlformats.org/presentationml/2006/main">
+  <p:cSld>
+    <p:spTree>
+      <p:nvGrpSpPr>
+        <p:cNvPr id="1" name=""/>
+        <p:cNvGrpSpPr/>
+        <p:nvPr/>
+      </p:nvGrpSpPr>
+      <p:grpSpPr>
+        <a:xfrm>
+          <a:off x="0" y="0"/>
+          <a:ext cx="0" cy="0"/>
+          <a:chOff x="0" y="0"/>
+          <a:chExt cx="0" cy="0"/>
+        </a:xfrm>
+      </p:grpSpPr>
+      <p:sp>
+        <p:nvSpPr>
+          <p:cNvPr id="2" name="Title 1">
+            <a:extLst>
+              <a:ext uri="{FF2B5EF4-FFF2-40B4-BE49-F238E27FC236}">
+                <a16:creationId xmlns:a16="http://schemas.microsoft.com/office/drawing/2014/main" id="{6FF47202-5CDB-8D82-DC56-44CB26695A1D}"/>
+              </a:ext>
+            </a:extLst>
+          </p:cNvPr>
+          <p:cNvSpPr>
+            <a:spLocks noGrp="1"/>
+          </p:cNvSpPr>
+          <p:nvPr>
+            <p:ph type="title"/>
+          </p:nvPr>
+        </p:nvSpPr>
+        <p:spPr/>
+        <p:txBody>
+          <a:bodyPr/>
+          <a:lstStyle/>
+          <a:p>
+            <a:r>
+              <a:rPr lang="hr-HR" dirty="0"/>
+              <a:t>komunikacija TOKOM IGRE</a:t>
+            </a:r>
+            <a:endParaRPr lang="en-US" dirty="0"/>
+          </a:p>
+        </p:txBody>
+      </p:sp>
+      <p:sp>
+        <p:nvSpPr>
+          <p:cNvPr id="3" name="Content Placeholder 2">
+            <a:extLst>
+              <a:ext uri="{FF2B5EF4-FFF2-40B4-BE49-F238E27FC236}">
+                <a16:creationId xmlns:a16="http://schemas.microsoft.com/office/drawing/2014/main" id="{38B51A70-E5EA-EA1E-76AB-346BD119569B}"/>
+              </a:ext>
+            </a:extLst>
+          </p:cNvPr>
+          <p:cNvSpPr>
+            <a:spLocks noGrp="1"/>
+          </p:cNvSpPr>
+          <p:nvPr>
+            <p:ph idx="1"/>
+          </p:nvPr>
+        </p:nvSpPr>
+        <p:spPr>
+          <a:xfrm>
+            <a:off x="446104" y="2065867"/>
+            <a:ext cx="6132249" cy="3649133"/>
+          </a:xfrm>
+        </p:spPr>
+        <p:txBody>
+          <a:bodyPr/>
+          <a:lstStyle/>
+          <a:p>
+            <a:r>
+              <a:rPr lang="hr-HR" dirty="0"/>
+              <a:t>Ako je </a:t>
+            </a:r>
+            <a:r>
+              <a:rPr lang="hr-HR" i="1" dirty="0" err="1"/>
+              <a:t>action</a:t>
+            </a:r>
+            <a:r>
+              <a:rPr lang="hr-HR" dirty="0"/>
+              <a:t> jednak ‘</a:t>
+            </a:r>
+            <a:r>
+              <a:rPr lang="hr-HR" dirty="0" err="1"/>
+              <a:t>gameover</a:t>
+            </a:r>
+            <a:r>
+              <a:rPr lang="hr-HR" dirty="0"/>
+              <a:t>’ server označava da je igra za korisnika završila</a:t>
+            </a:r>
+          </a:p>
+          <a:p>
+            <a:r>
+              <a:rPr lang="hr-HR" dirty="0"/>
+              <a:t>Ako je </a:t>
+            </a:r>
+            <a:r>
+              <a:rPr lang="hr-HR" i="1" dirty="0" err="1"/>
+              <a:t>action</a:t>
+            </a:r>
+            <a:r>
+              <a:rPr lang="hr-HR" dirty="0"/>
+              <a:t> jednak ‘</a:t>
+            </a:r>
+            <a:r>
+              <a:rPr lang="hr-HR" dirty="0" err="1"/>
+              <a:t>join</a:t>
+            </a:r>
+            <a:r>
+              <a:rPr lang="hr-HR" dirty="0"/>
+              <a:t>’ server označava da korisnik pokreće igru</a:t>
+            </a:r>
+          </a:p>
+          <a:p>
+            <a:r>
+              <a:rPr lang="hr-HR" dirty="0"/>
+              <a:t>Ako je </a:t>
+            </a:r>
+            <a:r>
+              <a:rPr lang="hr-HR" i="1" dirty="0" err="1"/>
+              <a:t>action</a:t>
+            </a:r>
+            <a:r>
+              <a:rPr lang="hr-HR" dirty="0"/>
+              <a:t> jednak </a:t>
+            </a:r>
+            <a:r>
+              <a:rPr lang="hr-HR" i="1" dirty="0"/>
+              <a:t>‘</a:t>
+            </a:r>
+            <a:r>
+              <a:rPr lang="hr-HR" i="1" dirty="0" err="1"/>
+              <a:t>reach</a:t>
+            </a:r>
+            <a:r>
+              <a:rPr lang="hr-HR" i="1" dirty="0"/>
+              <a:t>’</a:t>
+            </a:r>
+            <a:r>
+              <a:rPr lang="hr-HR" dirty="0"/>
+              <a:t> server koristi </a:t>
+            </a:r>
+            <a:r>
+              <a:rPr lang="hr-HR" dirty="0" err="1"/>
+              <a:t>long</a:t>
+            </a:r>
+            <a:r>
+              <a:rPr lang="hr-HR" dirty="0"/>
+              <a:t> </a:t>
+            </a:r>
+            <a:r>
+              <a:rPr lang="hr-HR" dirty="0" err="1"/>
+              <a:t>polling</a:t>
+            </a:r>
+            <a:r>
+              <a:rPr lang="hr-HR" dirty="0"/>
+              <a:t> na osnovu atributa </a:t>
+            </a:r>
+            <a:r>
+              <a:rPr lang="hr-HR" i="1" dirty="0" err="1"/>
+              <a:t>lastPlayer</a:t>
+            </a:r>
+            <a:r>
+              <a:rPr lang="hr-HR" dirty="0"/>
+              <a:t> za čekanje protivnikovog poteza</a:t>
+            </a:r>
+          </a:p>
+          <a:p>
+            <a:r>
+              <a:rPr lang="hr-HR" dirty="0"/>
+              <a:t>Ako je </a:t>
+            </a:r>
+            <a:r>
+              <a:rPr lang="hr-HR" i="1" dirty="0" err="1"/>
+              <a:t>action</a:t>
+            </a:r>
+            <a:r>
+              <a:rPr lang="hr-HR" dirty="0"/>
+              <a:t> jednak ‘</a:t>
+            </a:r>
+            <a:r>
+              <a:rPr lang="hr-HR" dirty="0" err="1"/>
+              <a:t>send</a:t>
+            </a:r>
+            <a:r>
+              <a:rPr lang="hr-HR" dirty="0"/>
+              <a:t>’ server mijenja stanje ploče u stanje koje je korisnik poslao u atributu </a:t>
+            </a:r>
+            <a:r>
+              <a:rPr lang="hr-HR" i="1" dirty="0" err="1"/>
+              <a:t>board</a:t>
+            </a:r>
+            <a:endParaRPr lang="en-US" dirty="0"/>
+          </a:p>
+        </p:txBody>
+      </p:sp>
+      <p:pic>
+        <p:nvPicPr>
+          <p:cNvPr id="18434" name="Picture 2" descr="Buy Game Over Light | GAME">
+            <a:extLst>
+              <a:ext uri="{FF2B5EF4-FFF2-40B4-BE49-F238E27FC236}">
+                <a16:creationId xmlns:a16="http://schemas.microsoft.com/office/drawing/2014/main" id="{F6FCDF48-0AA6-4092-7444-4DF2255AC912}"/>
+              </a:ext>
+            </a:extLst>
+          </p:cNvPr>
+          <p:cNvPicPr>
+            <a:picLocks noChangeAspect="1" noChangeArrowheads="1"/>
+          </p:cNvPicPr>
+          <p:nvPr/>
+        </p:nvPicPr>
+        <p:blipFill>
+          <a:blip r:embed="rId2">
+            <a:extLst>
+              <a:ext uri="{28A0092B-C50C-407E-A947-70E740481C1C}">
+                <a14:useLocalDpi xmlns:a14="http://schemas.microsoft.com/office/drawing/2010/main" val="0"/>
+              </a:ext>
+            </a:extLst>
+          </a:blip>
+          <a:srcRect/>
+          <a:stretch>
+            <a:fillRect/>
+          </a:stretch>
+        </p:blipFill>
+        <p:spPr bwMode="auto">
+          <a:xfrm>
+            <a:off x="7391399" y="1731146"/>
+            <a:ext cx="4114800" cy="4114800"/>
+          </a:xfrm>
+          <a:prstGeom prst="rect">
+            <a:avLst/>
+          </a:prstGeom>
+          <a:noFill/>
+          <a:extLst>
+            <a:ext uri="{909E8E84-426E-40DD-AFC4-6F175D3DCCD1}">
+              <a14:hiddenFill xmlns:a14="http://schemas.microsoft.com/office/drawing/2010/main">
+                <a:solidFill>
+                  <a:srgbClr val="FFFFFF"/>
+                </a:solidFill>
+              </a14:hiddenFill>
+            </a:ext>
+          </a:extLst>
+        </p:spPr>
+      </p:pic>
+      <p:pic>
+        <p:nvPicPr>
+          <p:cNvPr id="4" name="Picture 3" descr="A white chess piece on a black background&#10;&#10;Description automatically generated">
+            <a:extLst>
+              <a:ext uri="{FF2B5EF4-FFF2-40B4-BE49-F238E27FC236}">
+                <a16:creationId xmlns:a16="http://schemas.microsoft.com/office/drawing/2014/main" id="{B1EBAA90-D850-2A86-257E-98DBAF8EDD18}"/>
+              </a:ext>
+            </a:extLst>
+          </p:cNvPr>
+          <p:cNvPicPr>
+            <a:picLocks noChangeAspect="1"/>
+          </p:cNvPicPr>
+          <p:nvPr/>
+        </p:nvPicPr>
+        <p:blipFill>
+          <a:blip r:embed="rId3">
+            <a:extLst>
+              <a:ext uri="{28A0092B-C50C-407E-A947-70E740481C1C}">
+                <a14:useLocalDpi xmlns:a14="http://schemas.microsoft.com/office/drawing/2010/main" val="0"/>
+              </a:ext>
+            </a:extLst>
+          </a:blip>
+          <a:stretch>
+            <a:fillRect/>
+          </a:stretch>
+        </p:blipFill>
+        <p:spPr>
+          <a:xfrm>
+            <a:off x="11506199" y="138934"/>
+            <a:ext cx="529761" cy="784831"/>
+          </a:xfrm>
+          <a:prstGeom prst="rect">
+            <a:avLst/>
+          </a:prstGeom>
+        </p:spPr>
+      </p:pic>
+    </p:spTree>
+    <p:extLst>
+      <p:ext uri="{BB962C8B-B14F-4D97-AF65-F5344CB8AC3E}">
+        <p14:creationId xmlns:p14="http://schemas.microsoft.com/office/powerpoint/2010/main" val="193310053"/>
       </p:ext>
     </p:extLst>
   </p:cSld>
@@ -6017,7 +9711,7 @@
           <p:cNvPr id="2" name="Title 1">
             <a:extLst>
               <a:ext uri="{FF2B5EF4-FFF2-40B4-BE49-F238E27FC236}">
-                <a16:creationId xmlns:a16="http://schemas.microsoft.com/office/drawing/2014/main" id="{8B991C05-2848-E2A0-E238-E01AA10E1A19}"/>
+                <a16:creationId xmlns:a16="http://schemas.microsoft.com/office/drawing/2014/main" id="{A20BB4AA-3232-05C3-B296-B0AD69432D4B}"/>
               </a:ext>
             </a:extLst>
           </p:cNvPr>
@@ -6028,29 +9722,506 @@
             <p:ph type="title"/>
           </p:nvPr>
         </p:nvSpPr>
-        <p:spPr>
-          <a:xfrm>
-            <a:off x="438151" y="-130219"/>
-            <a:ext cx="10131425" cy="1456267"/>
-          </a:xfrm>
-        </p:spPr>
+        <p:spPr/>
         <p:txBody>
           <a:bodyPr/>
           <a:lstStyle/>
           <a:p>
             <a:r>
-              <a:rPr lang="en-US" dirty="0"/>
-              <a:t>figure</a:t>
-            </a:r>
+              <a:rPr lang="en-US" dirty="0" err="1"/>
+              <a:t>pravila</a:t>
+            </a:r>
+            <a:endParaRPr lang="en-US" dirty="0"/>
+          </a:p>
+        </p:txBody>
+      </p:sp>
+      <p:sp>
+        <p:nvSpPr>
+          <p:cNvPr id="3" name="Content Placeholder 2">
+            <a:extLst>
+              <a:ext uri="{FF2B5EF4-FFF2-40B4-BE49-F238E27FC236}">
+                <a16:creationId xmlns:a16="http://schemas.microsoft.com/office/drawing/2014/main" id="{2B000D04-1EAA-B5BB-634A-4EF7FCEA91F1}"/>
+              </a:ext>
+            </a:extLst>
+          </p:cNvPr>
+          <p:cNvSpPr>
+            <a:spLocks noGrp="1"/>
+          </p:cNvSpPr>
+          <p:nvPr>
+            <p:ph idx="1"/>
+          </p:nvPr>
+        </p:nvSpPr>
+        <p:spPr>
+          <a:xfrm>
+            <a:off x="275208" y="2000024"/>
+            <a:ext cx="6223247" cy="3930259"/>
+          </a:xfrm>
+        </p:spPr>
+        <p:txBody>
+          <a:bodyPr/>
+          <a:lstStyle/>
+          <a:p>
+            <a:r>
+              <a:rPr lang="en-US" dirty="0" err="1"/>
+              <a:t>Pravila</a:t>
+            </a:r>
+            <a:r>
+              <a:rPr lang="en-US" dirty="0"/>
+              <a:t> </a:t>
+            </a:r>
+            <a:r>
+              <a:rPr lang="en-US" dirty="0" err="1"/>
+              <a:t>su</a:t>
+            </a:r>
+            <a:r>
+              <a:rPr lang="en-US" dirty="0"/>
+              <a:t> </a:t>
+            </a:r>
+            <a:r>
+              <a:rPr lang="en-US" dirty="0" err="1"/>
+              <a:t>vrlo</a:t>
+            </a:r>
+            <a:r>
+              <a:rPr lang="en-US" dirty="0"/>
+              <a:t> </a:t>
+            </a:r>
+            <a:r>
+              <a:rPr lang="en-US" dirty="0" err="1"/>
+              <a:t>slična</a:t>
+            </a:r>
+            <a:r>
+              <a:rPr lang="en-US" dirty="0"/>
+              <a:t> </a:t>
+            </a:r>
+            <a:r>
+              <a:rPr lang="en-US" dirty="0" err="1"/>
+              <a:t>nomralnom</a:t>
+            </a:r>
+            <a:r>
+              <a:rPr lang="en-US" dirty="0"/>
+              <a:t> </a:t>
+            </a:r>
+            <a:r>
+              <a:rPr lang="en-US" dirty="0" err="1"/>
+              <a:t>šahu</a:t>
+            </a:r>
+            <a:endParaRPr lang="en-US" dirty="0"/>
+          </a:p>
+          <a:p>
+            <a:r>
+              <a:rPr lang="en-US" dirty="0" err="1"/>
+              <a:t>Dodatno</a:t>
+            </a:r>
+            <a:r>
+              <a:rPr lang="en-US" dirty="0"/>
+              <a:t> je </a:t>
+            </a:r>
+            <a:r>
+              <a:rPr lang="en-US" dirty="0" err="1"/>
+              <a:t>objašnenjo</a:t>
+            </a:r>
+            <a:r>
+              <a:rPr lang="en-US" dirty="0"/>
+              <a:t> </a:t>
+            </a:r>
+            <a:r>
+              <a:rPr lang="en-US" dirty="0" err="1"/>
+              <a:t>koja</a:t>
+            </a:r>
+            <a:r>
+              <a:rPr lang="en-US" dirty="0"/>
+              <a:t> </a:t>
+            </a:r>
+            <a:r>
+              <a:rPr lang="en-US" dirty="0" err="1"/>
+              <a:t>pravila</a:t>
+            </a:r>
+            <a:r>
+              <a:rPr lang="en-US" dirty="0"/>
+              <a:t> se </a:t>
+            </a:r>
+            <a:r>
+              <a:rPr lang="en-US" dirty="0" err="1"/>
+              <a:t>razlikuju</a:t>
+            </a:r>
+            <a:endParaRPr lang="en-US" dirty="0"/>
+          </a:p>
+          <a:p>
+            <a:r>
+              <a:rPr lang="en-US" dirty="0" err="1"/>
+              <a:t>Razlikuju</a:t>
+            </a:r>
+            <a:r>
+              <a:rPr lang="en-US" dirty="0"/>
+              <a:t> se u </a:t>
+            </a:r>
+            <a:r>
+              <a:rPr lang="en-US" dirty="0" err="1"/>
+              <a:t>dodatnim</a:t>
+            </a:r>
+            <a:r>
+              <a:rPr lang="en-US" dirty="0"/>
+              <a:t> </a:t>
+            </a:r>
+            <a:r>
+              <a:rPr lang="en-US" dirty="0" err="1"/>
+              <a:t>pravilima</a:t>
+            </a:r>
+            <a:r>
+              <a:rPr lang="en-US" dirty="0"/>
+              <a:t> za Hp </a:t>
+            </a:r>
+            <a:r>
+              <a:rPr lang="en-US" dirty="0" err="1"/>
+              <a:t>i</a:t>
+            </a:r>
+            <a:r>
+              <a:rPr lang="en-US" dirty="0"/>
+              <a:t> AD</a:t>
+            </a:r>
+          </a:p>
+          <a:p>
+            <a:r>
+              <a:rPr lang="en-US" dirty="0"/>
+              <a:t>Hp </a:t>
+            </a:r>
+            <a:r>
+              <a:rPr lang="en-US" dirty="0" err="1"/>
+              <a:t>predstavlja</a:t>
+            </a:r>
+            <a:r>
+              <a:rPr lang="en-US" dirty="0"/>
+              <a:t> </a:t>
+            </a:r>
+            <a:r>
+              <a:rPr lang="en-US" dirty="0" err="1"/>
+              <a:t>koliko</a:t>
+            </a:r>
+            <a:r>
+              <a:rPr lang="en-US" dirty="0"/>
+              <a:t> </a:t>
+            </a:r>
+            <a:r>
+              <a:rPr lang="en-US" dirty="0" err="1"/>
+              <a:t>napada</a:t>
+            </a:r>
+            <a:r>
+              <a:rPr lang="en-US" dirty="0"/>
+              <a:t> </a:t>
+            </a:r>
+            <a:r>
+              <a:rPr lang="en-US" dirty="0" err="1"/>
+              <a:t>figura</a:t>
+            </a:r>
+            <a:r>
+              <a:rPr lang="en-US" dirty="0"/>
+              <a:t> </a:t>
+            </a:r>
+            <a:r>
+              <a:rPr lang="en-US" dirty="0" err="1"/>
+              <a:t>može</a:t>
+            </a:r>
+            <a:r>
+              <a:rPr lang="en-US" dirty="0"/>
+              <a:t> </a:t>
+            </a:r>
+            <a:r>
+              <a:rPr lang="en-US" dirty="0" err="1"/>
+              <a:t>podjenti</a:t>
+            </a:r>
+            <a:r>
+              <a:rPr lang="en-US" dirty="0"/>
+              <a:t> </a:t>
+            </a:r>
+            <a:r>
+              <a:rPr lang="en-US" dirty="0" err="1"/>
+              <a:t>prije</a:t>
+            </a:r>
+            <a:r>
+              <a:rPr lang="en-US" dirty="0"/>
+              <a:t> </a:t>
+            </a:r>
+            <a:r>
+              <a:rPr lang="en-US" dirty="0" err="1"/>
+              <a:t>nego</a:t>
+            </a:r>
+            <a:r>
+              <a:rPr lang="en-US" dirty="0"/>
+              <a:t> </a:t>
+            </a:r>
+            <a:r>
+              <a:rPr lang="en-US" dirty="0" err="1"/>
+              <a:t>što</a:t>
+            </a:r>
+            <a:r>
+              <a:rPr lang="en-US" dirty="0"/>
+              <a:t> je </a:t>
+            </a:r>
+            <a:r>
+              <a:rPr lang="en-US" dirty="0" err="1"/>
+              <a:t>pojedena</a:t>
+            </a:r>
+            <a:endParaRPr lang="en-US" dirty="0"/>
+          </a:p>
+          <a:p>
+            <a:r>
+              <a:rPr lang="en-US" dirty="0"/>
+              <a:t>AD </a:t>
+            </a:r>
+            <a:r>
+              <a:rPr lang="en-US" dirty="0" err="1"/>
+              <a:t>prikazuje</a:t>
+            </a:r>
+            <a:r>
+              <a:rPr lang="en-US" dirty="0"/>
+              <a:t> </a:t>
+            </a:r>
+            <a:r>
+              <a:rPr lang="en-US" dirty="0" err="1"/>
+              <a:t>snagu</a:t>
+            </a:r>
+            <a:r>
+              <a:rPr lang="en-US" dirty="0"/>
+              <a:t> </a:t>
+            </a:r>
+            <a:r>
+              <a:rPr lang="en-US" dirty="0" err="1"/>
+              <a:t>napada</a:t>
+            </a:r>
+            <a:r>
+              <a:rPr lang="en-US" dirty="0"/>
+              <a:t> figure</a:t>
+            </a:r>
+          </a:p>
+          <a:p>
+            <a:r>
+              <a:rPr lang="en-US" dirty="0"/>
+              <a:t>Po </a:t>
+            </a:r>
+            <a:r>
+              <a:rPr lang="en-US" dirty="0" err="1"/>
+              <a:t>kliku</a:t>
+            </a:r>
+            <a:r>
+              <a:rPr lang="en-US" dirty="0"/>
+              <a:t> </a:t>
+            </a:r>
+            <a:r>
+              <a:rPr lang="en-US" dirty="0" err="1"/>
+              <a:t>na</a:t>
+            </a:r>
+            <a:r>
+              <a:rPr lang="en-US" dirty="0"/>
+              <a:t> figure </a:t>
+            </a:r>
+            <a:r>
+              <a:rPr lang="en-US" dirty="0" err="1"/>
+              <a:t>prikazuje</a:t>
+            </a:r>
+            <a:r>
+              <a:rPr lang="en-US" dirty="0"/>
+              <a:t> se </a:t>
+            </a:r>
+            <a:r>
+              <a:rPr lang="en-US" dirty="0" err="1"/>
+              <a:t>gdje</a:t>
+            </a:r>
+            <a:r>
+              <a:rPr lang="en-US" dirty="0"/>
+              <a:t> se </a:t>
+            </a:r>
+            <a:r>
+              <a:rPr lang="en-US" dirty="0" err="1"/>
+              <a:t>može</a:t>
+            </a:r>
+            <a:r>
+              <a:rPr lang="en-US" dirty="0"/>
+              <a:t> </a:t>
+            </a:r>
+            <a:r>
+              <a:rPr lang="en-US" dirty="0" err="1"/>
+              <a:t>kretati</a:t>
+            </a:r>
+            <a:r>
+              <a:rPr lang="en-US" dirty="0"/>
+              <a:t> </a:t>
+            </a:r>
+            <a:r>
+              <a:rPr lang="en-US" dirty="0" err="1"/>
+              <a:t>pomoću</a:t>
+            </a:r>
+            <a:r>
+              <a:rPr lang="en-US" dirty="0"/>
+              <a:t> </a:t>
+            </a:r>
+            <a:r>
+              <a:rPr lang="en-US" dirty="0" err="1"/>
+              <a:t>narančastih</a:t>
+            </a:r>
+            <a:r>
+              <a:rPr lang="en-US" dirty="0"/>
+              <a:t> </a:t>
+            </a:r>
+            <a:r>
+              <a:rPr lang="en-US" dirty="0" err="1"/>
+              <a:t>krugova</a:t>
+            </a:r>
+            <a:endParaRPr lang="en-US" dirty="0"/>
           </a:p>
         </p:txBody>
       </p:sp>
       <p:pic>
         <p:nvPicPr>
-          <p:cNvPr id="1042" name="Content Placeholder 1041" descr="A blue chess piece with a black background&#10;&#10;Description automatically generated">
-            <a:extLst>
-              <a:ext uri="{FF2B5EF4-FFF2-40B4-BE49-F238E27FC236}">
-                <a16:creationId xmlns:a16="http://schemas.microsoft.com/office/drawing/2014/main" id="{50528FEB-D3B5-0ACD-5BB3-57FA55B120A7}"/>
+          <p:cNvPr id="2050" name="Picture 2" descr="US Chess Federation's Official Rules of Chess - SEVENTH EDITION (Chess ...">
+            <a:extLst>
+              <a:ext uri="{FF2B5EF4-FFF2-40B4-BE49-F238E27FC236}">
+                <a16:creationId xmlns:a16="http://schemas.microsoft.com/office/drawing/2014/main" id="{7D7A74DE-6571-C252-913E-884172C3DA53}"/>
+              </a:ext>
+            </a:extLst>
+          </p:cNvPr>
+          <p:cNvPicPr>
+            <a:picLocks noChangeAspect="1" noChangeArrowheads="1"/>
+          </p:cNvPicPr>
+          <p:nvPr/>
+        </p:nvPicPr>
+        <p:blipFill>
+          <a:blip r:embed="rId2">
+            <a:extLst>
+              <a:ext uri="{28A0092B-C50C-407E-A947-70E740481C1C}">
+                <a14:useLocalDpi xmlns:a14="http://schemas.microsoft.com/office/drawing/2010/main" val="0"/>
+              </a:ext>
+            </a:extLst>
+          </a:blip>
+          <a:srcRect/>
+          <a:stretch>
+            <a:fillRect/>
+          </a:stretch>
+        </p:blipFill>
+        <p:spPr bwMode="auto">
+          <a:xfrm>
+            <a:off x="7127596" y="754191"/>
+            <a:ext cx="3611380" cy="5438313"/>
+          </a:xfrm>
+          <a:prstGeom prst="rect">
+            <a:avLst/>
+          </a:prstGeom>
+          <a:noFill/>
+          <a:extLst>
+            <a:ext uri="{909E8E84-426E-40DD-AFC4-6F175D3DCCD1}">
+              <a14:hiddenFill xmlns:a14="http://schemas.microsoft.com/office/drawing/2010/main">
+                <a:solidFill>
+                  <a:srgbClr val="FFFFFF"/>
+                </a:solidFill>
+              </a14:hiddenFill>
+            </a:ext>
+          </a:extLst>
+        </p:spPr>
+      </p:pic>
+      <p:pic>
+        <p:nvPicPr>
+          <p:cNvPr id="4" name="Picture 3" descr="A white chess piece on a black background&#10;&#10;Description automatically generated">
+            <a:extLst>
+              <a:ext uri="{FF2B5EF4-FFF2-40B4-BE49-F238E27FC236}">
+                <a16:creationId xmlns:a16="http://schemas.microsoft.com/office/drawing/2014/main" id="{F58E637C-024B-3B23-826E-748860486D0D}"/>
+              </a:ext>
+            </a:extLst>
+          </p:cNvPr>
+          <p:cNvPicPr>
+            <a:picLocks noChangeAspect="1"/>
+          </p:cNvPicPr>
+          <p:nvPr/>
+        </p:nvPicPr>
+        <p:blipFill>
+          <a:blip r:embed="rId3">
+            <a:extLst>
+              <a:ext uri="{28A0092B-C50C-407E-A947-70E740481C1C}">
+                <a14:useLocalDpi xmlns:a14="http://schemas.microsoft.com/office/drawing/2010/main" val="0"/>
+              </a:ext>
+            </a:extLst>
+          </a:blip>
+          <a:stretch>
+            <a:fillRect/>
+          </a:stretch>
+        </p:blipFill>
+        <p:spPr>
+          <a:xfrm>
+            <a:off x="11506199" y="138934"/>
+            <a:ext cx="529761" cy="784831"/>
+          </a:xfrm>
+          <a:prstGeom prst="rect">
+            <a:avLst/>
+          </a:prstGeom>
+        </p:spPr>
+      </p:pic>
+    </p:spTree>
+    <p:extLst>
+      <p:ext uri="{BB962C8B-B14F-4D97-AF65-F5344CB8AC3E}">
+        <p14:creationId xmlns:p14="http://schemas.microsoft.com/office/powerpoint/2010/main" val="2943971573"/>
+      </p:ext>
+    </p:extLst>
+  </p:cSld>
+  <p:clrMapOvr>
+    <a:masterClrMapping/>
+  </p:clrMapOvr>
+</p:sld>
+</file>
+
+<file path=ppt/slides/slide20.xml><?xml version="1.0" encoding="utf-8"?>
+<p:sld xmlns:a="http://schemas.openxmlformats.org/drawingml/2006/main" xmlns:r="http://schemas.openxmlformats.org/officeDocument/2006/relationships" xmlns:p="http://schemas.openxmlformats.org/presentationml/2006/main">
+  <p:cSld>
+    <p:spTree>
+      <p:nvGrpSpPr>
+        <p:cNvPr id="1" name=""/>
+        <p:cNvGrpSpPr/>
+        <p:nvPr/>
+      </p:nvGrpSpPr>
+      <p:grpSpPr>
+        <a:xfrm>
+          <a:off x="0" y="0"/>
+          <a:ext cx="0" cy="0"/>
+          <a:chOff x="0" y="0"/>
+          <a:chExt cx="0" cy="0"/>
+        </a:xfrm>
+      </p:grpSpPr>
+      <p:sp>
+        <p:nvSpPr>
+          <p:cNvPr id="2" name="Title 1">
+            <a:extLst>
+              <a:ext uri="{FF2B5EF4-FFF2-40B4-BE49-F238E27FC236}">
+                <a16:creationId xmlns:a16="http://schemas.microsoft.com/office/drawing/2014/main" id="{6FF47202-5CDB-8D82-DC56-44CB26695A1D}"/>
+              </a:ext>
+            </a:extLst>
+          </p:cNvPr>
+          <p:cNvSpPr>
+            <a:spLocks noGrp="1"/>
+          </p:cNvSpPr>
+          <p:nvPr>
+            <p:ph type="title"/>
+          </p:nvPr>
+        </p:nvSpPr>
+        <p:spPr>
+          <a:xfrm>
+            <a:off x="685799" y="473981"/>
+            <a:ext cx="10131425" cy="1456267"/>
+          </a:xfrm>
+        </p:spPr>
+        <p:txBody>
+          <a:bodyPr/>
+          <a:lstStyle/>
+          <a:p>
+            <a:r>
+              <a:rPr lang="en-US" dirty="0"/>
+              <a:t>Rating changes</a:t>
+            </a:r>
+          </a:p>
+        </p:txBody>
+      </p:sp>
+      <p:pic>
+        <p:nvPicPr>
+          <p:cNvPr id="5" name="Content Placeholder 4" descr="A graph showing the constellation of the constellation&#10;&#10;Description automatically generated">
+            <a:extLst>
+              <a:ext uri="{FF2B5EF4-FFF2-40B4-BE49-F238E27FC236}">
+                <a16:creationId xmlns:a16="http://schemas.microsoft.com/office/drawing/2014/main" id="{6A44353A-F339-48AC-E7FE-2A79093C585B}"/>
               </a:ext>
             </a:extLst>
           </p:cNvPr>
@@ -6075,17 +10246,155 @@
         </p:blipFill>
         <p:spPr>
           <a:xfrm>
-            <a:off x="4116360" y="1097899"/>
-            <a:ext cx="1493649" cy="2720576"/>
+            <a:off x="2610034" y="1865308"/>
+            <a:ext cx="6642237" cy="3252039"/>
           </a:xfrm>
         </p:spPr>
       </p:pic>
+      <p:sp>
+        <p:nvSpPr>
+          <p:cNvPr id="6" name="TextBox 5">
+            <a:extLst>
+              <a:ext uri="{FF2B5EF4-FFF2-40B4-BE49-F238E27FC236}">
+                <a16:creationId xmlns:a16="http://schemas.microsoft.com/office/drawing/2014/main" id="{9FDC48AF-3346-392E-BC8A-D1E3D92011A6}"/>
+              </a:ext>
+            </a:extLst>
+          </p:cNvPr>
+          <p:cNvSpPr txBox="1"/>
+          <p:nvPr/>
+        </p:nvSpPr>
+        <p:spPr>
+          <a:xfrm>
+            <a:off x="1233327" y="5553022"/>
+            <a:ext cx="9356015" cy="830997"/>
+          </a:xfrm>
+          <a:prstGeom prst="rect">
+            <a:avLst/>
+          </a:prstGeom>
+          <a:noFill/>
+        </p:spPr>
+        <p:txBody>
+          <a:bodyPr wrap="square" rtlCol="0">
+            <a:spAutoFit/>
+          </a:bodyPr>
+          <a:lstStyle/>
+          <a:p>
+            <a:r>
+              <a:rPr lang="en-GB" sz="2400" dirty="0"/>
+              <a:t>Za </a:t>
+            </a:r>
+            <a:r>
+              <a:rPr lang="en-GB" sz="2400" dirty="0" err="1"/>
+              <a:t>svakog</a:t>
+            </a:r>
+            <a:r>
+              <a:rPr lang="en-GB" sz="2400" dirty="0"/>
+              <a:t> </a:t>
+            </a:r>
+            <a:r>
+              <a:rPr lang="en-GB" sz="2400" dirty="0" err="1"/>
+              <a:t>usera</a:t>
+            </a:r>
+            <a:r>
+              <a:rPr lang="en-GB" sz="2400" dirty="0"/>
+              <a:t> se </a:t>
+            </a:r>
+            <a:r>
+              <a:rPr lang="en-GB" sz="2400" dirty="0" err="1"/>
+              <a:t>može</a:t>
+            </a:r>
+            <a:r>
+              <a:rPr lang="en-GB" sz="2400" dirty="0"/>
+              <a:t> </a:t>
+            </a:r>
+            <a:r>
+              <a:rPr lang="en-GB" sz="2400" dirty="0" err="1"/>
+              <a:t>vidjeti</a:t>
+            </a:r>
+            <a:r>
+              <a:rPr lang="en-GB" sz="2400" dirty="0"/>
+              <a:t> </a:t>
+            </a:r>
+            <a:r>
+              <a:rPr lang="en-GB" sz="2400" dirty="0" err="1"/>
+              <a:t>njegov</a:t>
+            </a:r>
+            <a:r>
+              <a:rPr lang="en-GB" sz="2400" dirty="0"/>
+              <a:t> rating </a:t>
+            </a:r>
+            <a:r>
+              <a:rPr lang="en-GB" sz="2400" dirty="0" err="1"/>
+              <a:t>kroz</a:t>
+            </a:r>
+            <a:r>
+              <a:rPr lang="en-GB" sz="2400" dirty="0"/>
+              <a:t> </a:t>
+            </a:r>
+            <a:r>
+              <a:rPr lang="en-GB" sz="2400" dirty="0" err="1"/>
+              <a:t>vrijeme</a:t>
+            </a:r>
+            <a:r>
+              <a:rPr lang="en-GB" sz="2400" dirty="0"/>
+              <a:t> </a:t>
+            </a:r>
+            <a:r>
+              <a:rPr lang="en-GB" sz="2400" dirty="0" err="1"/>
+              <a:t>igranja</a:t>
+            </a:r>
+            <a:r>
+              <a:rPr lang="en-GB" sz="2400" dirty="0"/>
+              <a:t> </a:t>
+            </a:r>
+            <a:r>
+              <a:rPr lang="en-GB" sz="2400" dirty="0" err="1"/>
+              <a:t>igre</a:t>
+            </a:r>
+            <a:endParaRPr lang="en-GB" sz="2400" dirty="0"/>
+          </a:p>
+          <a:p>
+            <a:r>
+              <a:rPr lang="en-GB" sz="2400" dirty="0" err="1"/>
+              <a:t>Što</a:t>
+            </a:r>
+            <a:r>
+              <a:rPr lang="en-GB" sz="2400" dirty="0"/>
+              <a:t> se </a:t>
+            </a:r>
+            <a:r>
+              <a:rPr lang="en-GB" sz="2400" dirty="0" err="1"/>
+              <a:t>kreira</a:t>
+            </a:r>
+            <a:r>
+              <a:rPr lang="en-GB" sz="2400" dirty="0"/>
+              <a:t> </a:t>
+            </a:r>
+            <a:r>
+              <a:rPr lang="en-GB" sz="2400" dirty="0" err="1"/>
+              <a:t>komunikacijom</a:t>
+            </a:r>
+            <a:r>
+              <a:rPr lang="en-GB" sz="2400" dirty="0"/>
+              <a:t> s </a:t>
+            </a:r>
+            <a:r>
+              <a:rPr lang="en-GB" sz="2400" dirty="0" err="1"/>
+              <a:t>bazom</a:t>
+            </a:r>
+            <a:r>
+              <a:rPr lang="en-GB" sz="2400" dirty="0"/>
+              <a:t> Rating</a:t>
+            </a:r>
+          </a:p>
+        </p:txBody>
+      </p:sp>
       <p:pic>
         <p:nvPicPr>
-          <p:cNvPr id="1046" name="Picture 1045" descr="A white chess piece with a black background&#10;&#10;Description automatically generated">
-            <a:extLst>
-              <a:ext uri="{FF2B5EF4-FFF2-40B4-BE49-F238E27FC236}">
-                <a16:creationId xmlns:a16="http://schemas.microsoft.com/office/drawing/2014/main" id="{69C7D95B-CDA3-BD2A-6162-928629C31330}"/>
+          <p:cNvPr id="3" name="Picture 2" descr="A white chess piece on a black background&#10;&#10;Description automatically generated">
+            <a:extLst>
+              <a:ext uri="{FF2B5EF4-FFF2-40B4-BE49-F238E27FC236}">
+                <a16:creationId xmlns:a16="http://schemas.microsoft.com/office/drawing/2014/main" id="{0769EF29-7F4E-9032-3E42-CD0A4A062794}"/>
               </a:ext>
             </a:extLst>
           </p:cNvPr>
@@ -6108,20 +10417,401 @@
         </p:blipFill>
         <p:spPr>
           <a:xfrm>
-            <a:off x="4286633" y="3925144"/>
-            <a:ext cx="1531753" cy="2636748"/>
-          </a:xfrm>
-          <a:prstGeom prst="rect">
-            <a:avLst/>
-          </a:prstGeom>
+            <a:off x="11506199" y="138934"/>
+            <a:ext cx="529761" cy="784831"/>
+          </a:xfrm>
+          <a:prstGeom prst="rect">
+            <a:avLst/>
+          </a:prstGeom>
+        </p:spPr>
+      </p:pic>
+    </p:spTree>
+    <p:extLst>
+      <p:ext uri="{BB962C8B-B14F-4D97-AF65-F5344CB8AC3E}">
+        <p14:creationId xmlns:p14="http://schemas.microsoft.com/office/powerpoint/2010/main" val="3777239588"/>
+      </p:ext>
+    </p:extLst>
+  </p:cSld>
+  <p:clrMapOvr>
+    <a:masterClrMapping/>
+  </p:clrMapOvr>
+</p:sld>
+</file>
+
+<file path=ppt/slides/slide21.xml><?xml version="1.0" encoding="utf-8"?>
+<p:sld xmlns:a="http://schemas.openxmlformats.org/drawingml/2006/main" xmlns:r="http://schemas.openxmlformats.org/officeDocument/2006/relationships" xmlns:p="http://schemas.openxmlformats.org/presentationml/2006/main">
+  <p:cSld>
+    <p:spTree>
+      <p:nvGrpSpPr>
+        <p:cNvPr id="1" name=""/>
+        <p:cNvGrpSpPr/>
+        <p:nvPr/>
+      </p:nvGrpSpPr>
+      <p:grpSpPr>
+        <a:xfrm>
+          <a:off x="0" y="0"/>
+          <a:ext cx="0" cy="0"/>
+          <a:chOff x="0" y="0"/>
+          <a:chExt cx="0" cy="0"/>
+        </a:xfrm>
+      </p:grpSpPr>
+      <p:sp>
+        <p:nvSpPr>
+          <p:cNvPr id="2" name="Title 1">
+            <a:extLst>
+              <a:ext uri="{FF2B5EF4-FFF2-40B4-BE49-F238E27FC236}">
+                <a16:creationId xmlns:a16="http://schemas.microsoft.com/office/drawing/2014/main" id="{0DD2910D-C664-936B-DC7D-4BD7AD2CA2E8}"/>
+              </a:ext>
+            </a:extLst>
+          </p:cNvPr>
+          <p:cNvSpPr>
+            <a:spLocks noGrp="1"/>
+          </p:cNvSpPr>
+          <p:nvPr>
+            <p:ph type="title"/>
+          </p:nvPr>
+        </p:nvSpPr>
+        <p:spPr/>
+        <p:txBody>
+          <a:bodyPr/>
+          <a:lstStyle/>
+          <a:p>
+            <a:r>
+              <a:rPr lang="en-US" dirty="0" err="1"/>
+              <a:t>Računanje</a:t>
+            </a:r>
+            <a:r>
+              <a:rPr lang="en-US" dirty="0"/>
+              <a:t> </a:t>
+            </a:r>
+            <a:r>
+              <a:rPr lang="en-US" dirty="0" err="1"/>
+              <a:t>rejtinga</a:t>
+            </a:r>
+            <a:endParaRPr lang="en-US" dirty="0"/>
+          </a:p>
+        </p:txBody>
+      </p:sp>
+      <p:sp>
+        <p:nvSpPr>
+          <p:cNvPr id="3" name="Content Placeholder 2">
+            <a:extLst>
+              <a:ext uri="{FF2B5EF4-FFF2-40B4-BE49-F238E27FC236}">
+                <a16:creationId xmlns:a16="http://schemas.microsoft.com/office/drawing/2014/main" id="{142A6786-BD63-4872-470E-05A8F3DEFA58}"/>
+              </a:ext>
+            </a:extLst>
+          </p:cNvPr>
+          <p:cNvSpPr>
+            <a:spLocks noGrp="1"/>
+          </p:cNvSpPr>
+          <p:nvPr>
+            <p:ph idx="1"/>
+          </p:nvPr>
+        </p:nvSpPr>
+        <p:spPr>
+          <a:xfrm>
+            <a:off x="355108" y="1890945"/>
+            <a:ext cx="5539666" cy="3900256"/>
+          </a:xfrm>
+        </p:spPr>
+        <p:txBody>
+          <a:bodyPr/>
+          <a:lstStyle/>
+          <a:p>
+            <a:r>
+              <a:rPr lang="en-US" dirty="0" err="1"/>
+              <a:t>Fromula</a:t>
+            </a:r>
+            <a:r>
+              <a:rPr lang="en-US" dirty="0"/>
+              <a:t> za </a:t>
+            </a:r>
+            <a:r>
+              <a:rPr lang="en-US" dirty="0" err="1"/>
+              <a:t>očekivani</a:t>
+            </a:r>
+            <a:r>
+              <a:rPr lang="en-US" dirty="0"/>
+              <a:t> </a:t>
+            </a:r>
+            <a:r>
+              <a:rPr lang="en-US" dirty="0" err="1"/>
+              <a:t>rezultat</a:t>
+            </a:r>
+            <a:r>
+              <a:rPr lang="en-US" dirty="0"/>
+              <a:t> </a:t>
+            </a:r>
+            <a:r>
+              <a:rPr lang="en-US" dirty="0" err="1"/>
+              <a:t>između</a:t>
+            </a:r>
+            <a:r>
+              <a:rPr lang="en-US" dirty="0"/>
+              <a:t> 2 </a:t>
+            </a:r>
+            <a:r>
+              <a:rPr lang="en-US" dirty="0" err="1"/>
+              <a:t>igrača</a:t>
+            </a:r>
+            <a:r>
+              <a:rPr lang="en-US" dirty="0"/>
+              <a:t> dana je </a:t>
+            </a:r>
+            <a:r>
+              <a:rPr lang="en-US" dirty="0" err="1"/>
+              <a:t>formulom</a:t>
+            </a:r>
+            <a:r>
+              <a:rPr lang="en-US" dirty="0"/>
+              <a:t>: </a:t>
+            </a:r>
+            <a:r>
+              <a:rPr lang="pt-BR" dirty="0"/>
+              <a:t>E = 1 / (1 + 10^((R2 - R1) / 400))</a:t>
+            </a:r>
+          </a:p>
+          <a:p>
+            <a:r>
+              <a:rPr lang="pt-BR" dirty="0"/>
+              <a:t>R1 i R2 su rejtinzi od igrača 1 i 2</a:t>
+            </a:r>
+          </a:p>
+          <a:p>
+            <a:r>
+              <a:rPr lang="en-US" dirty="0" err="1"/>
+              <a:t>Promjenu</a:t>
+            </a:r>
+            <a:r>
+              <a:rPr lang="en-US" dirty="0"/>
+              <a:t> </a:t>
+            </a:r>
+            <a:r>
+              <a:rPr lang="en-US" dirty="0" err="1"/>
+              <a:t>rejtinga</a:t>
+            </a:r>
+            <a:r>
+              <a:rPr lang="en-US" dirty="0"/>
+              <a:t> </a:t>
+            </a:r>
+            <a:r>
+              <a:rPr lang="en-US" dirty="0" err="1"/>
+              <a:t>računamo</a:t>
+            </a:r>
+            <a:r>
+              <a:rPr lang="en-US" dirty="0"/>
+              <a:t> </a:t>
+            </a:r>
+            <a:r>
+              <a:rPr lang="en-US" dirty="0" err="1"/>
+              <a:t>sa</a:t>
+            </a:r>
+            <a:r>
+              <a:rPr lang="en-US" dirty="0"/>
+              <a:t>: </a:t>
+            </a:r>
+            <a:r>
+              <a:rPr lang="el-GR" dirty="0"/>
+              <a:t>Δ</a:t>
+            </a:r>
+            <a:r>
+              <a:rPr lang="en-US" dirty="0"/>
+              <a:t>R = K * (S - E)</a:t>
+            </a:r>
+          </a:p>
+          <a:p>
+            <a:r>
+              <a:rPr lang="en-US" dirty="0"/>
+              <a:t>K je </a:t>
+            </a:r>
+            <a:r>
+              <a:rPr lang="en-US" dirty="0" err="1"/>
+              <a:t>neka</a:t>
+            </a:r>
+            <a:r>
+              <a:rPr lang="en-US" dirty="0"/>
+              <a:t> </a:t>
+            </a:r>
+            <a:r>
+              <a:rPr lang="en-US" dirty="0" err="1"/>
+              <a:t>konstanta</a:t>
+            </a:r>
+            <a:r>
+              <a:rPr lang="en-US" dirty="0"/>
+              <a:t>, u </a:t>
+            </a:r>
+            <a:r>
+              <a:rPr lang="en-US" dirty="0" err="1"/>
+              <a:t>našem</a:t>
+            </a:r>
+            <a:r>
+              <a:rPr lang="en-US" dirty="0"/>
+              <a:t> </a:t>
+            </a:r>
+            <a:r>
+              <a:rPr lang="en-US" dirty="0" err="1"/>
+              <a:t>slučaju</a:t>
+            </a:r>
+            <a:r>
+              <a:rPr lang="en-US" dirty="0"/>
+              <a:t> </a:t>
+            </a:r>
+            <a:r>
+              <a:rPr lang="en-US" dirty="0" err="1"/>
+              <a:t>uzimamo</a:t>
+            </a:r>
+            <a:r>
+              <a:rPr lang="en-US" dirty="0"/>
+              <a:t> da je K=30</a:t>
+            </a:r>
+          </a:p>
+          <a:p>
+            <a:r>
+              <a:rPr lang="en-US" dirty="0"/>
+              <a:t>S je </a:t>
+            </a:r>
+            <a:r>
+              <a:rPr lang="en-US" dirty="0" err="1"/>
+              <a:t>rezultat</a:t>
+            </a:r>
+            <a:r>
+              <a:rPr lang="en-US" dirty="0"/>
+              <a:t> </a:t>
+            </a:r>
+            <a:r>
+              <a:rPr lang="en-US" dirty="0" err="1"/>
+              <a:t>varijabla</a:t>
+            </a:r>
+            <a:r>
+              <a:rPr lang="en-US" dirty="0"/>
+              <a:t>, </a:t>
+            </a:r>
+            <a:r>
+              <a:rPr lang="en-US" dirty="0" err="1"/>
+              <a:t>ako</a:t>
+            </a:r>
+            <a:r>
+              <a:rPr lang="en-US" dirty="0"/>
+              <a:t> je </a:t>
+            </a:r>
+            <a:r>
+              <a:rPr lang="en-US" dirty="0" err="1"/>
+              <a:t>igrač</a:t>
+            </a:r>
+            <a:r>
+              <a:rPr lang="en-US" dirty="0"/>
+              <a:t> </a:t>
+            </a:r>
+            <a:r>
+              <a:rPr lang="en-US" dirty="0" err="1"/>
+              <a:t>pobjedio</a:t>
+            </a:r>
+            <a:r>
+              <a:rPr lang="en-US" dirty="0"/>
+              <a:t> je 1, </a:t>
+            </a:r>
+            <a:r>
+              <a:rPr lang="en-US" dirty="0" err="1"/>
+              <a:t>ako</a:t>
+            </a:r>
+            <a:r>
+              <a:rPr lang="en-US" dirty="0"/>
+              <a:t> je </a:t>
+            </a:r>
+            <a:r>
+              <a:rPr lang="en-US" dirty="0" err="1"/>
+              <a:t>remi</a:t>
+            </a:r>
+            <a:r>
+              <a:rPr lang="en-US" dirty="0"/>
+              <a:t> je 0,5, a 0 </a:t>
+            </a:r>
+            <a:r>
+              <a:rPr lang="en-US" dirty="0" err="1"/>
+              <a:t>ako</a:t>
+            </a:r>
+            <a:r>
+              <a:rPr lang="en-US" dirty="0"/>
+              <a:t> je </a:t>
+            </a:r>
+            <a:r>
+              <a:rPr lang="en-US" dirty="0" err="1"/>
+              <a:t>gubitak</a:t>
+            </a:r>
+            <a:endParaRPr lang="en-US" dirty="0"/>
+          </a:p>
+          <a:p>
+            <a:r>
+              <a:rPr lang="en-US" dirty="0"/>
+              <a:t>E je od </a:t>
+            </a:r>
+            <a:r>
+              <a:rPr lang="en-US" dirty="0" err="1"/>
+              <a:t>prije</a:t>
+            </a:r>
+            <a:r>
+              <a:rPr lang="en-US" dirty="0"/>
+              <a:t> </a:t>
+            </a:r>
+            <a:r>
+              <a:rPr lang="en-US" dirty="0" err="1"/>
+              <a:t>definiran</a:t>
+            </a:r>
+            <a:endParaRPr lang="en-US" dirty="0"/>
+          </a:p>
+        </p:txBody>
+      </p:sp>
+      <p:pic>
+        <p:nvPicPr>
+          <p:cNvPr id="16386" name="Picture 2" descr="Chess Ratings - Chess Terms - Chess.com">
+            <a:extLst>
+              <a:ext uri="{FF2B5EF4-FFF2-40B4-BE49-F238E27FC236}">
+                <a16:creationId xmlns:a16="http://schemas.microsoft.com/office/drawing/2014/main" id="{68389E8C-E97B-C307-A387-6044703ED644}"/>
+              </a:ext>
+            </a:extLst>
+          </p:cNvPr>
+          <p:cNvPicPr>
+            <a:picLocks noChangeAspect="1" noChangeArrowheads="1"/>
+          </p:cNvPicPr>
+          <p:nvPr/>
+        </p:nvPicPr>
+        <p:blipFill rotWithShape="1">
+          <a:blip r:embed="rId2">
+            <a:extLst>
+              <a:ext uri="{28A0092B-C50C-407E-A947-70E740481C1C}">
+                <a14:useLocalDpi xmlns:a14="http://schemas.microsoft.com/office/drawing/2010/main" val="0"/>
+              </a:ext>
+            </a:extLst>
+          </a:blip>
+          <a:srcRect l="24833" t="27712" r="25266" b="28665"/>
+          <a:stretch/>
+        </p:blipFill>
+        <p:spPr bwMode="auto">
+          <a:xfrm>
+            <a:off x="7024682" y="2065867"/>
+            <a:ext cx="3379947" cy="3284739"/>
+          </a:xfrm>
+          <a:prstGeom prst="rect">
+            <a:avLst/>
+          </a:prstGeom>
+          <a:noFill/>
+          <a:extLst>
+            <a:ext uri="{909E8E84-426E-40DD-AFC4-6F175D3DCCD1}">
+              <a14:hiddenFill xmlns:a14="http://schemas.microsoft.com/office/drawing/2010/main">
+                <a:solidFill>
+                  <a:srgbClr val="FFFFFF"/>
+                </a:solidFill>
+              </a14:hiddenFill>
+            </a:ext>
+          </a:extLst>
         </p:spPr>
       </p:pic>
       <p:pic>
         <p:nvPicPr>
-          <p:cNvPr id="1048" name="Picture 1047" descr="A blue chess piece with a black background&#10;&#10;Description automatically generated">
-            <a:extLst>
-              <a:ext uri="{FF2B5EF4-FFF2-40B4-BE49-F238E27FC236}">
-                <a16:creationId xmlns:a16="http://schemas.microsoft.com/office/drawing/2014/main" id="{C1338FF3-3794-10B3-FCC2-44C0BD5F995D}"/>
+          <p:cNvPr id="4" name="Picture 3" descr="A white chess piece on a black background&#10;&#10;Description automatically generated">
+            <a:extLst>
+              <a:ext uri="{FF2B5EF4-FFF2-40B4-BE49-F238E27FC236}">
+                <a16:creationId xmlns:a16="http://schemas.microsoft.com/office/drawing/2014/main" id="{BC19EAD3-363B-EC9F-BAC7-15E661FBBFEE}"/>
               </a:ext>
             </a:extLst>
           </p:cNvPr>
@@ -6131,7 +10821,7 @@
           <p:nvPr/>
         </p:nvPicPr>
         <p:blipFill>
-          <a:blip r:embed="rId4">
+          <a:blip r:embed="rId3">
             <a:extLst>
               <a:ext uri="{28A0092B-C50C-407E-A947-70E740481C1C}">
                 <a14:useLocalDpi xmlns:a14="http://schemas.microsoft.com/office/drawing/2010/main" val="0"/>
@@ -6144,20 +10834,322 @@
         </p:blipFill>
         <p:spPr>
           <a:xfrm>
-            <a:off x="545097" y="843077"/>
-            <a:ext cx="1689456" cy="2933954"/>
-          </a:xfrm>
-          <a:prstGeom prst="rect">
-            <a:avLst/>
-          </a:prstGeom>
+            <a:off x="11506199" y="138934"/>
+            <a:ext cx="529761" cy="784831"/>
+          </a:xfrm>
+          <a:prstGeom prst="rect">
+            <a:avLst/>
+          </a:prstGeom>
+        </p:spPr>
+      </p:pic>
+    </p:spTree>
+    <p:extLst>
+      <p:ext uri="{BB962C8B-B14F-4D97-AF65-F5344CB8AC3E}">
+        <p14:creationId xmlns:p14="http://schemas.microsoft.com/office/powerpoint/2010/main" val="197631859"/>
+      </p:ext>
+    </p:extLst>
+  </p:cSld>
+  <p:clrMapOvr>
+    <a:masterClrMapping/>
+  </p:clrMapOvr>
+</p:sld>
+</file>
+
+<file path=ppt/slides/slide22.xml><?xml version="1.0" encoding="utf-8"?>
+<p:sld xmlns:a="http://schemas.openxmlformats.org/drawingml/2006/main" xmlns:r="http://schemas.openxmlformats.org/officeDocument/2006/relationships" xmlns:p="http://schemas.openxmlformats.org/presentationml/2006/main">
+  <p:cSld>
+    <p:spTree>
+      <p:nvGrpSpPr>
+        <p:cNvPr id="1" name=""/>
+        <p:cNvGrpSpPr/>
+        <p:nvPr/>
+      </p:nvGrpSpPr>
+      <p:grpSpPr>
+        <a:xfrm>
+          <a:off x="0" y="0"/>
+          <a:ext cx="0" cy="0"/>
+          <a:chOff x="0" y="0"/>
+          <a:chExt cx="0" cy="0"/>
+        </a:xfrm>
+      </p:grpSpPr>
+      <p:sp>
+        <p:nvSpPr>
+          <p:cNvPr id="2" name="Title 1">
+            <a:extLst>
+              <a:ext uri="{FF2B5EF4-FFF2-40B4-BE49-F238E27FC236}">
+                <a16:creationId xmlns:a16="http://schemas.microsoft.com/office/drawing/2014/main" id="{EA8D1D7E-DADF-C8FF-1869-CA66E8A4E5B3}"/>
+              </a:ext>
+            </a:extLst>
+          </p:cNvPr>
+          <p:cNvSpPr>
+            <a:spLocks noGrp="1"/>
+          </p:cNvSpPr>
+          <p:nvPr>
+            <p:ph type="title"/>
+          </p:nvPr>
+        </p:nvSpPr>
+        <p:spPr/>
+        <p:txBody>
+          <a:bodyPr/>
+          <a:lstStyle/>
+          <a:p>
+            <a:r>
+              <a:rPr lang="en-US" dirty="0" err="1"/>
+              <a:t>Budućnost</a:t>
+            </a:r>
+            <a:r>
+              <a:rPr lang="en-US" dirty="0"/>
+              <a:t> </a:t>
+            </a:r>
+            <a:r>
+              <a:rPr lang="en-US" dirty="0" err="1"/>
+              <a:t>projekta</a:t>
+            </a:r>
+            <a:endParaRPr lang="en-US" dirty="0"/>
+          </a:p>
+        </p:txBody>
+      </p:sp>
+      <p:sp>
+        <p:nvSpPr>
+          <p:cNvPr id="3" name="Content Placeholder 2">
+            <a:extLst>
+              <a:ext uri="{FF2B5EF4-FFF2-40B4-BE49-F238E27FC236}">
+                <a16:creationId xmlns:a16="http://schemas.microsoft.com/office/drawing/2014/main" id="{7AE7BB13-9126-8C06-B64C-E411B9B01E6C}"/>
+              </a:ext>
+            </a:extLst>
+          </p:cNvPr>
+          <p:cNvSpPr>
+            <a:spLocks noGrp="1"/>
+          </p:cNvSpPr>
+          <p:nvPr>
+            <p:ph idx="1"/>
+          </p:nvPr>
+        </p:nvSpPr>
+        <p:spPr>
+          <a:xfrm>
+            <a:off x="754602" y="2246050"/>
+            <a:ext cx="4554245" cy="3545150"/>
+          </a:xfrm>
+        </p:spPr>
+        <p:txBody>
+          <a:bodyPr/>
+          <a:lstStyle/>
+          <a:p>
+            <a:r>
+              <a:rPr lang="en-US" dirty="0" err="1"/>
+              <a:t>Analiza</a:t>
+            </a:r>
+            <a:r>
+              <a:rPr lang="en-US" dirty="0"/>
+              <a:t> </a:t>
+            </a:r>
+            <a:r>
+              <a:rPr lang="en-US" dirty="0" err="1"/>
+              <a:t>igra</a:t>
+            </a:r>
+            <a:r>
+              <a:rPr lang="en-US" dirty="0"/>
+              <a:t> </a:t>
+            </a:r>
+            <a:r>
+              <a:rPr lang="en-US" dirty="0" err="1"/>
+              <a:t>može</a:t>
+            </a:r>
+            <a:r>
+              <a:rPr lang="en-US" dirty="0"/>
+              <a:t> </a:t>
+            </a:r>
+            <a:r>
+              <a:rPr lang="en-US" dirty="0" err="1"/>
+              <a:t>omogućiti</a:t>
+            </a:r>
+            <a:r>
+              <a:rPr lang="en-US" dirty="0"/>
+              <a:t> </a:t>
+            </a:r>
+            <a:r>
+              <a:rPr lang="en-US" dirty="0" err="1"/>
+              <a:t>promjenu</a:t>
+            </a:r>
+            <a:r>
+              <a:rPr lang="en-US" dirty="0"/>
+              <a:t> </a:t>
+            </a:r>
+            <a:r>
+              <a:rPr lang="en-US" dirty="0" err="1"/>
+              <a:t>atributa</a:t>
+            </a:r>
+            <a:r>
+              <a:rPr lang="en-US" dirty="0"/>
+              <a:t> </a:t>
+            </a:r>
+            <a:r>
+              <a:rPr lang="en-US" dirty="0" err="1"/>
+              <a:t>figura</a:t>
+            </a:r>
+            <a:endParaRPr lang="en-US" dirty="0"/>
+          </a:p>
+          <a:p>
+            <a:r>
+              <a:rPr lang="en-US" dirty="0" err="1"/>
+              <a:t>Patchevi</a:t>
+            </a:r>
+            <a:r>
+              <a:rPr lang="en-US" dirty="0"/>
+              <a:t> </a:t>
+            </a:r>
+            <a:r>
+              <a:rPr lang="en-US" dirty="0" err="1"/>
+              <a:t>svakih</a:t>
+            </a:r>
+            <a:r>
+              <a:rPr lang="en-US" dirty="0"/>
+              <a:t> </a:t>
+            </a:r>
+            <a:r>
+              <a:rPr lang="en-US" dirty="0" err="1"/>
+              <a:t>tjedan</a:t>
+            </a:r>
+            <a:r>
+              <a:rPr lang="en-US" dirty="0"/>
+              <a:t>/</a:t>
+            </a:r>
+            <a:r>
+              <a:rPr lang="en-US" dirty="0" err="1"/>
+              <a:t>mjesec</a:t>
+            </a:r>
+            <a:r>
+              <a:rPr lang="en-US" dirty="0"/>
+              <a:t>/</a:t>
+            </a:r>
+            <a:r>
+              <a:rPr lang="en-US" dirty="0" err="1"/>
+              <a:t>godinu</a:t>
+            </a:r>
+            <a:r>
+              <a:rPr lang="en-US" dirty="0"/>
+              <a:t> dana</a:t>
+            </a:r>
+          </a:p>
+          <a:p>
+            <a:r>
+              <a:rPr lang="en-US" dirty="0" err="1"/>
+              <a:t>Mogu</a:t>
+            </a:r>
+            <a:r>
+              <a:rPr lang="en-US" dirty="0"/>
+              <a:t> se </a:t>
+            </a:r>
+            <a:r>
+              <a:rPr lang="en-US" dirty="0" err="1"/>
+              <a:t>dodati</a:t>
+            </a:r>
+            <a:r>
+              <a:rPr lang="en-US" dirty="0"/>
+              <a:t> </a:t>
+            </a:r>
+            <a:r>
+              <a:rPr lang="en-US" dirty="0" err="1"/>
+              <a:t>nove</a:t>
+            </a:r>
+            <a:r>
+              <a:rPr lang="en-US" dirty="0"/>
+              <a:t> figure </a:t>
+            </a:r>
+            <a:r>
+              <a:rPr lang="en-US" dirty="0" err="1"/>
+              <a:t>i</a:t>
+            </a:r>
+            <a:r>
+              <a:rPr lang="en-US" dirty="0"/>
+              <a:t> </a:t>
+            </a:r>
+            <a:r>
+              <a:rPr lang="en-US" dirty="0" err="1"/>
+              <a:t>nove</a:t>
+            </a:r>
+            <a:r>
+              <a:rPr lang="en-US" dirty="0"/>
+              <a:t> </a:t>
+            </a:r>
+            <a:r>
+              <a:rPr lang="en-US" dirty="0" err="1"/>
+              <a:t>vrste</a:t>
+            </a:r>
+            <a:r>
+              <a:rPr lang="en-US" dirty="0"/>
+              <a:t> </a:t>
+            </a:r>
+            <a:r>
+              <a:rPr lang="en-US" dirty="0" err="1"/>
+              <a:t>igara</a:t>
+            </a:r>
+            <a:endParaRPr lang="en-US" dirty="0"/>
+          </a:p>
+          <a:p>
+            <a:pPr marL="0" indent="0">
+              <a:buNone/>
+            </a:pPr>
+            <a:endParaRPr lang="en-US" dirty="0"/>
+          </a:p>
+          <a:p>
+            <a:endParaRPr lang="en-US" dirty="0"/>
+          </a:p>
+        </p:txBody>
+      </p:sp>
+      <p:pic>
+        <p:nvPicPr>
+          <p:cNvPr id="20482" name="Picture 2" descr="Today Is the Future for Lexington Park LexLeader">
+            <a:extLst>
+              <a:ext uri="{FF2B5EF4-FFF2-40B4-BE49-F238E27FC236}">
+                <a16:creationId xmlns:a16="http://schemas.microsoft.com/office/drawing/2014/main" id="{2D6A4CE9-7825-5A7F-309F-7AD08EE2C668}"/>
+              </a:ext>
+            </a:extLst>
+          </p:cNvPr>
+          <p:cNvPicPr>
+            <a:picLocks noChangeAspect="1" noChangeArrowheads="1"/>
+          </p:cNvPicPr>
+          <p:nvPr/>
+        </p:nvPicPr>
+        <p:blipFill>
+          <a:blip r:embed="rId2">
+            <a:extLst>
+              <a:ext uri="{28A0092B-C50C-407E-A947-70E740481C1C}">
+                <a14:useLocalDpi xmlns:a14="http://schemas.microsoft.com/office/drawing/2010/main" val="0"/>
+              </a:ext>
+            </a:extLst>
+          </a:blip>
+          <a:srcRect/>
+          <a:stretch>
+            <a:fillRect/>
+          </a:stretch>
+        </p:blipFill>
+        <p:spPr bwMode="auto">
+          <a:xfrm>
+            <a:off x="6096000" y="1791647"/>
+            <a:ext cx="5089215" cy="3274706"/>
+          </a:xfrm>
+          <a:prstGeom prst="rect">
+            <a:avLst/>
+          </a:prstGeom>
+          <a:noFill/>
+          <a:extLst>
+            <a:ext uri="{909E8E84-426E-40DD-AFC4-6F175D3DCCD1}">
+              <a14:hiddenFill xmlns:a14="http://schemas.microsoft.com/office/drawing/2010/main">
+                <a:solidFill>
+                  <a:srgbClr val="FFFFFF"/>
+                </a:solidFill>
+              </a14:hiddenFill>
+            </a:ext>
+          </a:extLst>
         </p:spPr>
       </p:pic>
       <p:pic>
         <p:nvPicPr>
-          <p:cNvPr id="1050" name="Picture 1049" descr="A white chess piece with a black background&#10;&#10;Description automatically generated">
-            <a:extLst>
-              <a:ext uri="{FF2B5EF4-FFF2-40B4-BE49-F238E27FC236}">
-                <a16:creationId xmlns:a16="http://schemas.microsoft.com/office/drawing/2014/main" id="{BC9782B0-6877-5584-8B51-9C81ABDB0157}"/>
+          <p:cNvPr id="4" name="Picture 3" descr="A white chess piece on a black background&#10;&#10;Description automatically generated">
+            <a:extLst>
+              <a:ext uri="{FF2B5EF4-FFF2-40B4-BE49-F238E27FC236}">
+                <a16:creationId xmlns:a16="http://schemas.microsoft.com/office/drawing/2014/main" id="{25AD0BD3-B743-DDBF-552B-404DAD3B4A16}"/>
               </a:ext>
             </a:extLst>
           </p:cNvPr>
@@ -6167,7 +11159,7 @@
           <p:nvPr/>
         </p:nvPicPr>
         <p:blipFill>
-          <a:blip r:embed="rId5">
+          <a:blip r:embed="rId3">
             <a:extLst>
               <a:ext uri="{28A0092B-C50C-407E-A947-70E740481C1C}">
                 <a14:useLocalDpi xmlns:a14="http://schemas.microsoft.com/office/drawing/2010/main" val="0"/>
@@ -6180,306 +11172,145 @@
         </p:blipFill>
         <p:spPr>
           <a:xfrm>
-            <a:off x="698760" y="3789482"/>
-            <a:ext cx="1820265" cy="2908073"/>
+            <a:off x="11506199" y="138934"/>
+            <a:ext cx="529761" cy="784831"/>
           </a:xfrm>
           <a:prstGeom prst="rect">
             <a:avLst/>
           </a:prstGeom>
         </p:spPr>
       </p:pic>
+    </p:spTree>
+    <p:extLst>
+      <p:ext uri="{BB962C8B-B14F-4D97-AF65-F5344CB8AC3E}">
+        <p14:creationId xmlns:p14="http://schemas.microsoft.com/office/powerpoint/2010/main" val="607119027"/>
+      </p:ext>
+    </p:extLst>
+  </p:cSld>
+  <p:clrMapOvr>
+    <a:masterClrMapping/>
+  </p:clrMapOvr>
+</p:sld>
+</file>
+
+<file path=ppt/slides/slide23.xml><?xml version="1.0" encoding="utf-8"?>
+<p:sld xmlns:a="http://schemas.openxmlformats.org/drawingml/2006/main" xmlns:r="http://schemas.openxmlformats.org/officeDocument/2006/relationships" xmlns:p="http://schemas.openxmlformats.org/presentationml/2006/main">
+  <p:cSld>
+    <p:spTree>
+      <p:nvGrpSpPr>
+        <p:cNvPr id="1" name=""/>
+        <p:cNvGrpSpPr/>
+        <p:nvPr/>
+      </p:nvGrpSpPr>
+      <p:grpSpPr>
+        <a:xfrm>
+          <a:off x="0" y="0"/>
+          <a:ext cx="0" cy="0"/>
+          <a:chOff x="0" y="0"/>
+          <a:chExt cx="0" cy="0"/>
+        </a:xfrm>
+      </p:grpSpPr>
+      <p:sp>
+        <p:nvSpPr>
+          <p:cNvPr id="2" name="Title 1">
+            <a:extLst>
+              <a:ext uri="{FF2B5EF4-FFF2-40B4-BE49-F238E27FC236}">
+                <a16:creationId xmlns:a16="http://schemas.microsoft.com/office/drawing/2014/main" id="{90CAA21F-A9E5-6F19-2BEE-54F6583F84D5}"/>
+              </a:ext>
+            </a:extLst>
+          </p:cNvPr>
+          <p:cNvSpPr>
+            <a:spLocks noGrp="1"/>
+          </p:cNvSpPr>
+          <p:nvPr>
+            <p:ph type="title"/>
+          </p:nvPr>
+        </p:nvSpPr>
+        <p:spPr/>
+        <p:txBody>
+          <a:bodyPr/>
+          <a:lstStyle/>
+          <a:p>
+            <a:endParaRPr lang="en-US"/>
+          </a:p>
+        </p:txBody>
+      </p:sp>
+      <p:sp>
+        <p:nvSpPr>
+          <p:cNvPr id="3" name="Content Placeholder 2">
+            <a:extLst>
+              <a:ext uri="{FF2B5EF4-FFF2-40B4-BE49-F238E27FC236}">
+                <a16:creationId xmlns:a16="http://schemas.microsoft.com/office/drawing/2014/main" id="{270C6CC7-134E-78B5-3A8C-CD4742CD1A67}"/>
+              </a:ext>
+            </a:extLst>
+          </p:cNvPr>
+          <p:cNvSpPr>
+            <a:spLocks noGrp="1"/>
+          </p:cNvSpPr>
+          <p:nvPr>
+            <p:ph idx="1"/>
+          </p:nvPr>
+        </p:nvSpPr>
+        <p:spPr/>
+        <p:txBody>
+          <a:bodyPr/>
+          <a:lstStyle/>
+          <a:p>
+            <a:endParaRPr lang="en-US"/>
+          </a:p>
+        </p:txBody>
+      </p:sp>
       <p:pic>
         <p:nvPicPr>
-          <p:cNvPr id="1052" name="Picture 1051" descr="A blue chess piece on a black background&#10;&#10;Description automatically generated">
-            <a:extLst>
-              <a:ext uri="{FF2B5EF4-FFF2-40B4-BE49-F238E27FC236}">
-                <a16:creationId xmlns:a16="http://schemas.microsoft.com/office/drawing/2014/main" id="{AA5C6F57-8DB1-4DC7-D758-71837B613952}"/>
+          <p:cNvPr id="21506" name="Picture 2" descr="That’s All Folks : Career Development Center">
+            <a:extLst>
+              <a:ext uri="{FF2B5EF4-FFF2-40B4-BE49-F238E27FC236}">
+                <a16:creationId xmlns:a16="http://schemas.microsoft.com/office/drawing/2014/main" id="{2475DFDC-3C64-0748-F8C8-C65BB1A2FCFE}"/>
               </a:ext>
             </a:extLst>
           </p:cNvPr>
           <p:cNvPicPr>
-            <a:picLocks noChangeAspect="1"/>
+            <a:picLocks noChangeAspect="1" noChangeArrowheads="1"/>
           </p:cNvPicPr>
           <p:nvPr/>
         </p:nvPicPr>
         <p:blipFill>
-          <a:blip r:embed="rId6">
+          <a:blip r:embed="rId2">
             <a:extLst>
               <a:ext uri="{28A0092B-C50C-407E-A947-70E740481C1C}">
                 <a14:useLocalDpi xmlns:a14="http://schemas.microsoft.com/office/drawing/2010/main" val="0"/>
               </a:ext>
             </a:extLst>
           </a:blip>
+          <a:srcRect/>
           <a:stretch>
             <a:fillRect/>
           </a:stretch>
         </p:blipFill>
-        <p:spPr>
-          <a:xfrm>
-            <a:off x="5857278" y="1235812"/>
-            <a:ext cx="1585097" cy="2674852"/>
-          </a:xfrm>
-          <a:prstGeom prst="rect">
-            <a:avLst/>
-          </a:prstGeom>
-        </p:spPr>
-      </p:pic>
-      <p:pic>
-        <p:nvPicPr>
-          <p:cNvPr id="1054" name="Picture 1053" descr="A white chess piece on a black background&#10;&#10;Description automatically generated">
-            <a:extLst>
-              <a:ext uri="{FF2B5EF4-FFF2-40B4-BE49-F238E27FC236}">
-                <a16:creationId xmlns:a16="http://schemas.microsoft.com/office/drawing/2014/main" id="{8E2B6400-ABA4-6CC2-AE00-B51CDCF4E82E}"/>
-              </a:ext>
-            </a:extLst>
-          </p:cNvPr>
-          <p:cNvPicPr>
-            <a:picLocks noChangeAspect="1"/>
-          </p:cNvPicPr>
-          <p:nvPr/>
-        </p:nvPicPr>
-        <p:blipFill>
-          <a:blip r:embed="rId7">
-            <a:extLst>
-              <a:ext uri="{28A0092B-C50C-407E-A947-70E740481C1C}">
-                <a14:useLocalDpi xmlns:a14="http://schemas.microsoft.com/office/drawing/2010/main" val="0"/>
-              </a:ext>
-            </a:extLst>
-          </a:blip>
-          <a:stretch>
-            <a:fillRect/>
-          </a:stretch>
-        </p:blipFill>
-        <p:spPr>
-          <a:xfrm>
-            <a:off x="6002070" y="4333339"/>
-            <a:ext cx="1440305" cy="2286198"/>
-          </a:xfrm>
-          <a:prstGeom prst="rect">
-            <a:avLst/>
-          </a:prstGeom>
-        </p:spPr>
-      </p:pic>
-      <p:pic>
-        <p:nvPicPr>
-          <p:cNvPr id="1056" name="Picture 1055" descr="A blue chess piece on a black background&#10;&#10;Description automatically generated">
-            <a:extLst>
-              <a:ext uri="{FF2B5EF4-FFF2-40B4-BE49-F238E27FC236}">
-                <a16:creationId xmlns:a16="http://schemas.microsoft.com/office/drawing/2014/main" id="{63C8E3D5-C6C4-F8DC-1467-30C4B3D543F1}"/>
-              </a:ext>
-            </a:extLst>
-          </p:cNvPr>
-          <p:cNvPicPr>
-            <a:picLocks noChangeAspect="1"/>
-          </p:cNvPicPr>
-          <p:nvPr/>
-        </p:nvPicPr>
-        <p:blipFill>
-          <a:blip r:embed="rId8">
-            <a:extLst>
-              <a:ext uri="{28A0092B-C50C-407E-A947-70E740481C1C}">
-                <a14:useLocalDpi xmlns:a14="http://schemas.microsoft.com/office/drawing/2010/main" val="0"/>
-              </a:ext>
-            </a:extLst>
-          </a:blip>
-          <a:stretch>
-            <a:fillRect/>
-          </a:stretch>
-        </p:blipFill>
-        <p:spPr>
-          <a:xfrm>
-            <a:off x="9804804" y="1364602"/>
-            <a:ext cx="1341236" cy="2560542"/>
-          </a:xfrm>
-          <a:prstGeom prst="rect">
-            <a:avLst/>
-          </a:prstGeom>
-        </p:spPr>
-      </p:pic>
-      <p:pic>
-        <p:nvPicPr>
-          <p:cNvPr id="1058" name="Picture 1057" descr="A white chess piece on a black background&#10;&#10;Description automatically generated">
-            <a:extLst>
-              <a:ext uri="{FF2B5EF4-FFF2-40B4-BE49-F238E27FC236}">
-                <a16:creationId xmlns:a16="http://schemas.microsoft.com/office/drawing/2014/main" id="{3901BB44-03A9-7EB6-38FC-A00217BE2F57}"/>
-              </a:ext>
-            </a:extLst>
-          </p:cNvPr>
-          <p:cNvPicPr>
-            <a:picLocks noChangeAspect="1"/>
-          </p:cNvPicPr>
-          <p:nvPr/>
-        </p:nvPicPr>
-        <p:blipFill>
-          <a:blip r:embed="rId9">
-            <a:extLst>
-              <a:ext uri="{28A0092B-C50C-407E-A947-70E740481C1C}">
-                <a14:useLocalDpi xmlns:a14="http://schemas.microsoft.com/office/drawing/2010/main" val="0"/>
-              </a:ext>
-            </a:extLst>
-          </a:blip>
-          <a:stretch>
-            <a:fillRect/>
-          </a:stretch>
-        </p:blipFill>
-        <p:spPr>
-          <a:xfrm>
-            <a:off x="9804804" y="4409545"/>
-            <a:ext cx="1440305" cy="2133785"/>
-          </a:xfrm>
-          <a:prstGeom prst="rect">
-            <a:avLst/>
-          </a:prstGeom>
-        </p:spPr>
-      </p:pic>
-      <p:pic>
-        <p:nvPicPr>
-          <p:cNvPr id="1060" name="Picture 1059" descr="A blue chess piece on a black background&#10;&#10;Description automatically generated">
-            <a:extLst>
-              <a:ext uri="{FF2B5EF4-FFF2-40B4-BE49-F238E27FC236}">
-                <a16:creationId xmlns:a16="http://schemas.microsoft.com/office/drawing/2014/main" id="{1A0F34F7-DC13-EBA9-9EFE-A178142131DB}"/>
-              </a:ext>
-            </a:extLst>
-          </p:cNvPr>
-          <p:cNvPicPr>
-            <a:picLocks noChangeAspect="1"/>
-          </p:cNvPicPr>
-          <p:nvPr/>
-        </p:nvPicPr>
-        <p:blipFill>
-          <a:blip r:embed="rId10">
-            <a:extLst>
-              <a:ext uri="{28A0092B-C50C-407E-A947-70E740481C1C}">
-                <a14:useLocalDpi xmlns:a14="http://schemas.microsoft.com/office/drawing/2010/main" val="0"/>
-              </a:ext>
-            </a:extLst>
-          </a:blip>
-          <a:stretch>
-            <a:fillRect/>
-          </a:stretch>
-        </p:blipFill>
-        <p:spPr>
-          <a:xfrm>
-            <a:off x="2373814" y="945737"/>
-            <a:ext cx="1638442" cy="2933954"/>
-          </a:xfrm>
-          <a:prstGeom prst="rect">
-            <a:avLst/>
-          </a:prstGeom>
-        </p:spPr>
-      </p:pic>
-      <p:pic>
-        <p:nvPicPr>
-          <p:cNvPr id="1062" name="Picture 1061" descr="A white chess piece with a crown&#10;&#10;Description automatically generated">
-            <a:extLst>
-              <a:ext uri="{FF2B5EF4-FFF2-40B4-BE49-F238E27FC236}">
-                <a16:creationId xmlns:a16="http://schemas.microsoft.com/office/drawing/2014/main" id="{3C920CA3-7941-0422-1B2A-95E2FB54088A}"/>
-              </a:ext>
-            </a:extLst>
-          </p:cNvPr>
-          <p:cNvPicPr>
-            <a:picLocks noChangeAspect="1"/>
-          </p:cNvPicPr>
-          <p:nvPr/>
-        </p:nvPicPr>
-        <p:blipFill>
-          <a:blip r:embed="rId11">
-            <a:extLst>
-              <a:ext uri="{28A0092B-C50C-407E-A947-70E740481C1C}">
-                <a14:useLocalDpi xmlns:a14="http://schemas.microsoft.com/office/drawing/2010/main" val="0"/>
-              </a:ext>
-            </a:extLst>
-          </a:blip>
-          <a:stretch>
-            <a:fillRect/>
-          </a:stretch>
-        </p:blipFill>
-        <p:spPr>
-          <a:xfrm>
-            <a:off x="2591496" y="3777031"/>
-            <a:ext cx="1493649" cy="2842506"/>
-          </a:xfrm>
-          <a:prstGeom prst="rect">
-            <a:avLst/>
-          </a:prstGeom>
-        </p:spPr>
-      </p:pic>
-      <p:pic>
-        <p:nvPicPr>
-          <p:cNvPr id="1064" name="Picture 1063" descr="A blue chess piece on a black background&#10;&#10;Description automatically generated">
-            <a:extLst>
-              <a:ext uri="{FF2B5EF4-FFF2-40B4-BE49-F238E27FC236}">
-                <a16:creationId xmlns:a16="http://schemas.microsoft.com/office/drawing/2014/main" id="{E040D5BE-D27F-00E4-B76E-C49B3034BED1}"/>
-              </a:ext>
-            </a:extLst>
-          </p:cNvPr>
-          <p:cNvPicPr>
-            <a:picLocks noChangeAspect="1"/>
-          </p:cNvPicPr>
-          <p:nvPr/>
-        </p:nvPicPr>
-        <p:blipFill>
-          <a:blip r:embed="rId12">
-            <a:extLst>
-              <a:ext uri="{28A0092B-C50C-407E-A947-70E740481C1C}">
-                <a14:useLocalDpi xmlns:a14="http://schemas.microsoft.com/office/drawing/2010/main" val="0"/>
-              </a:ext>
-            </a:extLst>
-          </a:blip>
-          <a:stretch>
-            <a:fillRect/>
-          </a:stretch>
-        </p:blipFill>
-        <p:spPr>
-          <a:xfrm>
-            <a:off x="7491816" y="1265804"/>
-            <a:ext cx="1585097" cy="2613887"/>
-          </a:xfrm>
-          <a:prstGeom prst="rect">
-            <a:avLst/>
-          </a:prstGeom>
-        </p:spPr>
-      </p:pic>
-      <p:pic>
-        <p:nvPicPr>
-          <p:cNvPr id="1066" name="Picture 1065" descr="A white chess piece with a crown&#10;&#10;Description automatically generated">
-            <a:extLst>
-              <a:ext uri="{FF2B5EF4-FFF2-40B4-BE49-F238E27FC236}">
-                <a16:creationId xmlns:a16="http://schemas.microsoft.com/office/drawing/2014/main" id="{B599288B-78D1-83B9-1A80-3184429BDC1F}"/>
-              </a:ext>
-            </a:extLst>
-          </p:cNvPr>
-          <p:cNvPicPr>
-            <a:picLocks noChangeAspect="1"/>
-          </p:cNvPicPr>
-          <p:nvPr/>
-        </p:nvPicPr>
-        <p:blipFill>
-          <a:blip r:embed="rId13">
-            <a:extLst>
-              <a:ext uri="{28A0092B-C50C-407E-A947-70E740481C1C}">
-                <a14:useLocalDpi xmlns:a14="http://schemas.microsoft.com/office/drawing/2010/main" val="0"/>
-              </a:ext>
-            </a:extLst>
-          </a:blip>
-          <a:stretch>
-            <a:fillRect/>
-          </a:stretch>
-        </p:blipFill>
-        <p:spPr>
-          <a:xfrm>
-            <a:off x="7864242" y="4077557"/>
-            <a:ext cx="1364098" cy="2484335"/>
-          </a:xfrm>
-          <a:prstGeom prst="rect">
-            <a:avLst/>
-          </a:prstGeom>
+        <p:spPr bwMode="auto">
+          <a:xfrm>
+            <a:off x="0" y="-575199"/>
+            <a:ext cx="12184602" cy="7433199"/>
+          </a:xfrm>
+          <a:prstGeom prst="rect">
+            <a:avLst/>
+          </a:prstGeom>
+          <a:noFill/>
+          <a:extLst>
+            <a:ext uri="{909E8E84-426E-40DD-AFC4-6F175D3DCCD1}">
+              <a14:hiddenFill xmlns:a14="http://schemas.microsoft.com/office/drawing/2010/main">
+                <a:solidFill>
+                  <a:srgbClr val="FFFFFF"/>
+                </a:solidFill>
+              </a14:hiddenFill>
+            </a:ext>
+          </a:extLst>
         </p:spPr>
       </p:pic>
     </p:spTree>
     <p:extLst>
       <p:ext uri="{BB962C8B-B14F-4D97-AF65-F5344CB8AC3E}">
-        <p14:creationId xmlns:p14="http://schemas.microsoft.com/office/powerpoint/2010/main" val="2278560942"/>
+        <p14:creationId xmlns:p14="http://schemas.microsoft.com/office/powerpoint/2010/main" val="104034395"/>
       </p:ext>
     </p:extLst>
   </p:cSld>
@@ -6511,7 +11342,7 @@
           <p:cNvPr id="2" name="Title 1">
             <a:extLst>
               <a:ext uri="{FF2B5EF4-FFF2-40B4-BE49-F238E27FC236}">
-                <a16:creationId xmlns:a16="http://schemas.microsoft.com/office/drawing/2014/main" id="{21A575B7-06B1-1028-469E-F7F8131130DC}"/>
+                <a16:creationId xmlns:a16="http://schemas.microsoft.com/office/drawing/2014/main" id="{8B991C05-2848-E2A0-E238-E01AA10E1A19}"/>
               </a:ext>
             </a:extLst>
           </p:cNvPr>
@@ -6522,141 +11353,41 @@
             <p:ph type="title"/>
           </p:nvPr>
         </p:nvSpPr>
-        <p:spPr/>
+        <p:spPr>
+          <a:xfrm>
+            <a:off x="438151" y="-130219"/>
+            <a:ext cx="10131425" cy="1456267"/>
+          </a:xfrm>
+        </p:spPr>
         <p:txBody>
           <a:bodyPr/>
           <a:lstStyle/>
           <a:p>
             <a:r>
               <a:rPr lang="en-US" dirty="0"/>
-              <a:t>Figure </a:t>
-            </a:r>
-            <a:r>
-              <a:rPr lang="en-US" dirty="0" err="1"/>
-              <a:t>atributi</a:t>
-            </a:r>
-            <a:r>
-              <a:rPr lang="en-US" dirty="0"/>
-              <a:t> - </a:t>
-            </a:r>
-            <a:r>
-              <a:rPr lang="en-US" dirty="0" err="1"/>
-              <a:t>pijun</a:t>
-            </a:r>
-            <a:endParaRPr lang="en-US" dirty="0"/>
+              <a:t>figure</a:t>
+            </a:r>
           </a:p>
         </p:txBody>
       </p:sp>
       <p:pic>
         <p:nvPicPr>
-          <p:cNvPr id="4" name="Picture 4" descr="Heart No Background - Cliparts.co">
-            <a:extLst>
-              <a:ext uri="{FF2B5EF4-FFF2-40B4-BE49-F238E27FC236}">
-                <a16:creationId xmlns:a16="http://schemas.microsoft.com/office/drawing/2014/main" id="{2371F0B8-DCA8-B4BA-6FFB-D6D27DA906F4}"/>
+          <p:cNvPr id="1042" name="Content Placeholder 1041" descr="A blue chess piece with a black background&#10;&#10;Description automatically generated">
+            <a:extLst>
+              <a:ext uri="{FF2B5EF4-FFF2-40B4-BE49-F238E27FC236}">
+                <a16:creationId xmlns:a16="http://schemas.microsoft.com/office/drawing/2014/main" id="{50528FEB-D3B5-0ACD-5BB3-57FA55B120A7}"/>
               </a:ext>
             </a:extLst>
           </p:cNvPr>
           <p:cNvPicPr>
-            <a:picLocks noChangeAspect="1" noChangeArrowheads="1"/>
+            <a:picLocks noGrp="1" noChangeAspect="1"/>
           </p:cNvPicPr>
-          <p:nvPr/>
+          <p:nvPr>
+            <p:ph idx="1"/>
+          </p:nvPr>
         </p:nvPicPr>
         <p:blipFill>
           <a:blip r:embed="rId2">
-            <a:extLst>
-              <a:ext uri="{28A0092B-C50C-407E-A947-70E740481C1C}">
-                <a14:useLocalDpi xmlns:a14="http://schemas.microsoft.com/office/drawing/2010/main" val="0"/>
-              </a:ext>
-            </a:extLst>
-          </a:blip>
-          <a:srcRect/>
-          <a:stretch>
-            <a:fillRect/>
-          </a:stretch>
-        </p:blipFill>
-        <p:spPr bwMode="auto">
-          <a:xfrm>
-            <a:off x="4631281" y="3062464"/>
-            <a:ext cx="1166878" cy="1166878"/>
-          </a:xfrm>
-          <a:prstGeom prst="rect">
-            <a:avLst/>
-          </a:prstGeom>
-          <a:noFill/>
-          <a:extLst>
-            <a:ext uri="{909E8E84-426E-40DD-AFC4-6F175D3DCCD1}">
-              <a14:hiddenFill xmlns:a14="http://schemas.microsoft.com/office/drawing/2010/main">
-                <a:solidFill>
-                  <a:srgbClr val="FFFFFF"/>
-                </a:solidFill>
-              </a14:hiddenFill>
-            </a:ext>
-          </a:extLst>
-        </p:spPr>
-      </p:pic>
-      <p:pic>
-        <p:nvPicPr>
-          <p:cNvPr id="5" name="Picture 6" descr="Sword Images - ClipArt Best">
-            <a:extLst>
-              <a:ext uri="{FF2B5EF4-FFF2-40B4-BE49-F238E27FC236}">
-                <a16:creationId xmlns:a16="http://schemas.microsoft.com/office/drawing/2014/main" id="{672FACAF-C3C5-BD62-D821-25477349CF01}"/>
-              </a:ext>
-            </a:extLst>
-          </p:cNvPr>
-          <p:cNvPicPr>
-            <a:picLocks noChangeAspect="1" noChangeArrowheads="1"/>
-          </p:cNvPicPr>
-          <p:nvPr/>
-        </p:nvPicPr>
-        <p:blipFill>
-          <a:blip r:embed="rId3">
-            <a:extLst>
-              <a:ext uri="{28A0092B-C50C-407E-A947-70E740481C1C}">
-                <a14:useLocalDpi xmlns:a14="http://schemas.microsoft.com/office/drawing/2010/main" val="0"/>
-              </a:ext>
-            </a:extLst>
-          </a:blip>
-          <a:srcRect/>
-          <a:stretch>
-            <a:fillRect/>
-          </a:stretch>
-        </p:blipFill>
-        <p:spPr bwMode="auto">
-          <a:xfrm>
-            <a:off x="6405468" y="3198036"/>
-            <a:ext cx="751413" cy="744520"/>
-          </a:xfrm>
-          <a:prstGeom prst="rect">
-            <a:avLst/>
-          </a:prstGeom>
-          <a:noFill/>
-          <a:extLst>
-            <a:ext uri="{909E8E84-426E-40DD-AFC4-6F175D3DCCD1}">
-              <a14:hiddenFill xmlns:a14="http://schemas.microsoft.com/office/drawing/2010/main">
-                <a:solidFill>
-                  <a:srgbClr val="FFFFFF"/>
-                </a:solidFill>
-              </a14:hiddenFill>
-            </a:ext>
-          </a:extLst>
-        </p:spPr>
-      </p:pic>
-      <p:pic>
-        <p:nvPicPr>
-          <p:cNvPr id="6" name="Picture 5" descr="A blue chess piece on a black background&#10;&#10;Description automatically generated">
-            <a:extLst>
-              <a:ext uri="{FF2B5EF4-FFF2-40B4-BE49-F238E27FC236}">
-                <a16:creationId xmlns:a16="http://schemas.microsoft.com/office/drawing/2014/main" id="{DB30BB45-41C2-9715-2C2C-4366B78279BB}"/>
-              </a:ext>
-            </a:extLst>
-          </p:cNvPr>
-          <p:cNvPicPr>
-            <a:picLocks noChangeAspect="1"/>
-          </p:cNvPicPr>
-          <p:nvPr/>
-        </p:nvPicPr>
-        <p:blipFill>
-          <a:blip r:embed="rId4">
             <a:extLst>
               <a:ext uri="{28A0092B-C50C-407E-A947-70E740481C1C}">
                 <a14:useLocalDpi xmlns:a14="http://schemas.microsoft.com/office/drawing/2010/main" val="0"/>
@@ -6669,20 +11400,17 @@
         </p:blipFill>
         <p:spPr>
           <a:xfrm>
-            <a:off x="2658541" y="1953626"/>
-            <a:ext cx="1914889" cy="3655698"/>
-          </a:xfrm>
-          <a:prstGeom prst="rect">
-            <a:avLst/>
-          </a:prstGeom>
+            <a:off x="4116360" y="1097899"/>
+            <a:ext cx="1493649" cy="2720576"/>
+          </a:xfrm>
         </p:spPr>
       </p:pic>
       <p:pic>
         <p:nvPicPr>
-          <p:cNvPr id="7" name="Picture 6" descr="A white chess piece on a black background&#10;&#10;Description automatically generated">
-            <a:extLst>
-              <a:ext uri="{FF2B5EF4-FFF2-40B4-BE49-F238E27FC236}">
-                <a16:creationId xmlns:a16="http://schemas.microsoft.com/office/drawing/2014/main" id="{DD0DD6E1-181C-7F72-ABC1-53E79A02B5E4}"/>
+          <p:cNvPr id="1046" name="Picture 1045" descr="A white chess piece with a black background&#10;&#10;Description automatically generated">
+            <a:extLst>
+              <a:ext uri="{FF2B5EF4-FFF2-40B4-BE49-F238E27FC236}">
+                <a16:creationId xmlns:a16="http://schemas.microsoft.com/office/drawing/2014/main" id="{69C7D95B-CDA3-BD2A-6162-928629C31330}"/>
               </a:ext>
             </a:extLst>
           </p:cNvPr>
@@ -6692,7 +11420,7 @@
           <p:nvPr/>
         </p:nvPicPr>
         <p:blipFill>
-          <a:blip r:embed="rId5">
+          <a:blip r:embed="rId3">
             <a:extLst>
               <a:ext uri="{28A0092B-C50C-407E-A947-70E740481C1C}">
                 <a14:useLocalDpi xmlns:a14="http://schemas.microsoft.com/office/drawing/2010/main" val="0"/>
@@ -6705,178 +11433,378 @@
         </p:blipFill>
         <p:spPr>
           <a:xfrm>
-            <a:off x="615265" y="2267937"/>
-            <a:ext cx="2043276" cy="3027076"/>
+            <a:off x="4286633" y="3925144"/>
+            <a:ext cx="1531753" cy="2636748"/>
           </a:xfrm>
           <a:prstGeom prst="rect">
             <a:avLst/>
           </a:prstGeom>
         </p:spPr>
       </p:pic>
-      <p:sp>
-        <p:nvSpPr>
-          <p:cNvPr id="8" name="TextBox 7">
-            <a:extLst>
-              <a:ext uri="{FF2B5EF4-FFF2-40B4-BE49-F238E27FC236}">
-                <a16:creationId xmlns:a16="http://schemas.microsoft.com/office/drawing/2014/main" id="{7815223F-BC38-8EEE-A7C6-024B283936B0}"/>
-              </a:ext>
-            </a:extLst>
-          </p:cNvPr>
-          <p:cNvSpPr txBox="1"/>
-          <p:nvPr/>
-        </p:nvSpPr>
-        <p:spPr>
-          <a:xfrm>
-            <a:off x="4857501" y="2166901"/>
-            <a:ext cx="855510" cy="584775"/>
-          </a:xfrm>
-          <a:prstGeom prst="rect">
-            <a:avLst/>
-          </a:prstGeom>
-          <a:noFill/>
-        </p:spPr>
-        <p:txBody>
-          <a:bodyPr wrap="square" rtlCol="0">
-            <a:spAutoFit/>
-          </a:bodyPr>
-          <a:lstStyle/>
-          <a:p>
-            <a:r>
-              <a:rPr lang="en-US" sz="3200" dirty="0"/>
-              <a:t>Hp:</a:t>
-            </a:r>
-          </a:p>
-        </p:txBody>
-      </p:sp>
-      <p:sp>
-        <p:nvSpPr>
-          <p:cNvPr id="9" name="TextBox 8">
-            <a:extLst>
-              <a:ext uri="{FF2B5EF4-FFF2-40B4-BE49-F238E27FC236}">
-                <a16:creationId xmlns:a16="http://schemas.microsoft.com/office/drawing/2014/main" id="{B11456E0-D8EE-9A4B-FAAD-0C7660CF5E0F}"/>
-              </a:ext>
-            </a:extLst>
-          </p:cNvPr>
-          <p:cNvSpPr txBox="1"/>
-          <p:nvPr/>
-        </p:nvSpPr>
-        <p:spPr>
-          <a:xfrm>
-            <a:off x="6478991" y="2166901"/>
-            <a:ext cx="855510" cy="584775"/>
-          </a:xfrm>
-          <a:prstGeom prst="rect">
-            <a:avLst/>
-          </a:prstGeom>
-          <a:noFill/>
-        </p:spPr>
-        <p:txBody>
-          <a:bodyPr wrap="square" rtlCol="0">
-            <a:spAutoFit/>
-          </a:bodyPr>
-          <a:lstStyle/>
-          <a:p>
-            <a:r>
-              <a:rPr lang="en-US" sz="3200" dirty="0"/>
-              <a:t>AD:</a:t>
-            </a:r>
-          </a:p>
-        </p:txBody>
-      </p:sp>
-      <p:sp>
-        <p:nvSpPr>
-          <p:cNvPr id="10" name="TextBox 9">
-            <a:extLst>
-              <a:ext uri="{FF2B5EF4-FFF2-40B4-BE49-F238E27FC236}">
-                <a16:creationId xmlns:a16="http://schemas.microsoft.com/office/drawing/2014/main" id="{C672AAA9-6138-2AD2-219A-B61493946FFA}"/>
-              </a:ext>
-            </a:extLst>
-          </p:cNvPr>
-          <p:cNvSpPr txBox="1"/>
-          <p:nvPr/>
-        </p:nvSpPr>
-        <p:spPr>
-          <a:xfrm>
-            <a:off x="7949951" y="1729328"/>
-            <a:ext cx="3387571" cy="1077218"/>
-          </a:xfrm>
-          <a:prstGeom prst="rect">
-            <a:avLst/>
-          </a:prstGeom>
-          <a:noFill/>
-        </p:spPr>
-        <p:txBody>
-          <a:bodyPr wrap="square" rtlCol="0">
-            <a:spAutoFit/>
-          </a:bodyPr>
-          <a:lstStyle/>
-          <a:p>
-            <a:r>
-              <a:rPr lang="en-US" sz="3200" dirty="0" err="1"/>
-              <a:t>Vrijednost</a:t>
-            </a:r>
-            <a:r>
-              <a:rPr lang="en-US" sz="3200" dirty="0"/>
-              <a:t> u </a:t>
-            </a:r>
-            <a:r>
-              <a:rPr lang="en-US" sz="3200" dirty="0" err="1"/>
-              <a:t>standardnom</a:t>
-            </a:r>
-            <a:r>
-              <a:rPr lang="en-US" sz="3200" dirty="0"/>
-              <a:t> </a:t>
-            </a:r>
-            <a:r>
-              <a:rPr lang="en-US" sz="3200" dirty="0" err="1"/>
-              <a:t>šahu</a:t>
-            </a:r>
-            <a:r>
-              <a:rPr lang="en-US" sz="3200" dirty="0"/>
-              <a:t>:</a:t>
-            </a:r>
-          </a:p>
-        </p:txBody>
-      </p:sp>
-      <p:sp>
-        <p:nvSpPr>
-          <p:cNvPr id="11" name="TextBox 10">
-            <a:extLst>
-              <a:ext uri="{FF2B5EF4-FFF2-40B4-BE49-F238E27FC236}">
-                <a16:creationId xmlns:a16="http://schemas.microsoft.com/office/drawing/2014/main" id="{0E6769F4-8412-D598-87B1-D1153737F520}"/>
-              </a:ext>
-            </a:extLst>
-          </p:cNvPr>
-          <p:cNvSpPr txBox="1"/>
-          <p:nvPr/>
-        </p:nvSpPr>
-        <p:spPr>
-          <a:xfrm>
-            <a:off x="9246361" y="3062464"/>
-            <a:ext cx="574196" cy="1015663"/>
-          </a:xfrm>
-          <a:prstGeom prst="rect">
-            <a:avLst/>
-          </a:prstGeom>
-          <a:noFill/>
-        </p:spPr>
-        <p:txBody>
-          <a:bodyPr wrap="none" rtlCol="0">
-            <a:spAutoFit/>
-          </a:bodyPr>
-          <a:lstStyle/>
-          <a:p>
-            <a:r>
-              <a:rPr lang="en-US" sz="6000" dirty="0"/>
-              <a:t>1</a:t>
-            </a:r>
-          </a:p>
-        </p:txBody>
-      </p:sp>
+      <p:pic>
+        <p:nvPicPr>
+          <p:cNvPr id="1048" name="Picture 1047" descr="A blue chess piece with a black background&#10;&#10;Description automatically generated">
+            <a:extLst>
+              <a:ext uri="{FF2B5EF4-FFF2-40B4-BE49-F238E27FC236}">
+                <a16:creationId xmlns:a16="http://schemas.microsoft.com/office/drawing/2014/main" id="{C1338FF3-3794-10B3-FCC2-44C0BD5F995D}"/>
+              </a:ext>
+            </a:extLst>
+          </p:cNvPr>
+          <p:cNvPicPr>
+            <a:picLocks noChangeAspect="1"/>
+          </p:cNvPicPr>
+          <p:nvPr/>
+        </p:nvPicPr>
+        <p:blipFill>
+          <a:blip r:embed="rId4">
+            <a:extLst>
+              <a:ext uri="{28A0092B-C50C-407E-A947-70E740481C1C}">
+                <a14:useLocalDpi xmlns:a14="http://schemas.microsoft.com/office/drawing/2010/main" val="0"/>
+              </a:ext>
+            </a:extLst>
+          </a:blip>
+          <a:stretch>
+            <a:fillRect/>
+          </a:stretch>
+        </p:blipFill>
+        <p:spPr>
+          <a:xfrm>
+            <a:off x="545097" y="843077"/>
+            <a:ext cx="1689456" cy="2933954"/>
+          </a:xfrm>
+          <a:prstGeom prst="rect">
+            <a:avLst/>
+          </a:prstGeom>
+        </p:spPr>
+      </p:pic>
+      <p:pic>
+        <p:nvPicPr>
+          <p:cNvPr id="1050" name="Picture 1049" descr="A white chess piece with a black background&#10;&#10;Description automatically generated">
+            <a:extLst>
+              <a:ext uri="{FF2B5EF4-FFF2-40B4-BE49-F238E27FC236}">
+                <a16:creationId xmlns:a16="http://schemas.microsoft.com/office/drawing/2014/main" id="{BC9782B0-6877-5584-8B51-9C81ABDB0157}"/>
+              </a:ext>
+            </a:extLst>
+          </p:cNvPr>
+          <p:cNvPicPr>
+            <a:picLocks noChangeAspect="1"/>
+          </p:cNvPicPr>
+          <p:nvPr/>
+        </p:nvPicPr>
+        <p:blipFill>
+          <a:blip r:embed="rId5">
+            <a:extLst>
+              <a:ext uri="{28A0092B-C50C-407E-A947-70E740481C1C}">
+                <a14:useLocalDpi xmlns:a14="http://schemas.microsoft.com/office/drawing/2010/main" val="0"/>
+              </a:ext>
+            </a:extLst>
+          </a:blip>
+          <a:stretch>
+            <a:fillRect/>
+          </a:stretch>
+        </p:blipFill>
+        <p:spPr>
+          <a:xfrm>
+            <a:off x="698760" y="3789482"/>
+            <a:ext cx="1820265" cy="2908073"/>
+          </a:xfrm>
+          <a:prstGeom prst="rect">
+            <a:avLst/>
+          </a:prstGeom>
+        </p:spPr>
+      </p:pic>
+      <p:pic>
+        <p:nvPicPr>
+          <p:cNvPr id="1052" name="Picture 1051" descr="A blue chess piece on a black background&#10;&#10;Description automatically generated">
+            <a:extLst>
+              <a:ext uri="{FF2B5EF4-FFF2-40B4-BE49-F238E27FC236}">
+                <a16:creationId xmlns:a16="http://schemas.microsoft.com/office/drawing/2014/main" id="{AA5C6F57-8DB1-4DC7-D758-71837B613952}"/>
+              </a:ext>
+            </a:extLst>
+          </p:cNvPr>
+          <p:cNvPicPr>
+            <a:picLocks noChangeAspect="1"/>
+          </p:cNvPicPr>
+          <p:nvPr/>
+        </p:nvPicPr>
+        <p:blipFill>
+          <a:blip r:embed="rId6">
+            <a:extLst>
+              <a:ext uri="{28A0092B-C50C-407E-A947-70E740481C1C}">
+                <a14:useLocalDpi xmlns:a14="http://schemas.microsoft.com/office/drawing/2010/main" val="0"/>
+              </a:ext>
+            </a:extLst>
+          </a:blip>
+          <a:stretch>
+            <a:fillRect/>
+          </a:stretch>
+        </p:blipFill>
+        <p:spPr>
+          <a:xfrm>
+            <a:off x="5857278" y="1235812"/>
+            <a:ext cx="1585097" cy="2674852"/>
+          </a:xfrm>
+          <a:prstGeom prst="rect">
+            <a:avLst/>
+          </a:prstGeom>
+        </p:spPr>
+      </p:pic>
+      <p:pic>
+        <p:nvPicPr>
+          <p:cNvPr id="1054" name="Picture 1053" descr="A white chess piece on a black background&#10;&#10;Description automatically generated">
+            <a:extLst>
+              <a:ext uri="{FF2B5EF4-FFF2-40B4-BE49-F238E27FC236}">
+                <a16:creationId xmlns:a16="http://schemas.microsoft.com/office/drawing/2014/main" id="{8E2B6400-ABA4-6CC2-AE00-B51CDCF4E82E}"/>
+              </a:ext>
+            </a:extLst>
+          </p:cNvPr>
+          <p:cNvPicPr>
+            <a:picLocks noChangeAspect="1"/>
+          </p:cNvPicPr>
+          <p:nvPr/>
+        </p:nvPicPr>
+        <p:blipFill>
+          <a:blip r:embed="rId7">
+            <a:extLst>
+              <a:ext uri="{28A0092B-C50C-407E-A947-70E740481C1C}">
+                <a14:useLocalDpi xmlns:a14="http://schemas.microsoft.com/office/drawing/2010/main" val="0"/>
+              </a:ext>
+            </a:extLst>
+          </a:blip>
+          <a:stretch>
+            <a:fillRect/>
+          </a:stretch>
+        </p:blipFill>
+        <p:spPr>
+          <a:xfrm>
+            <a:off x="6002070" y="4333339"/>
+            <a:ext cx="1440305" cy="2286198"/>
+          </a:xfrm>
+          <a:prstGeom prst="rect">
+            <a:avLst/>
+          </a:prstGeom>
+        </p:spPr>
+      </p:pic>
+      <p:pic>
+        <p:nvPicPr>
+          <p:cNvPr id="1056" name="Picture 1055" descr="A blue chess piece on a black background&#10;&#10;Description automatically generated">
+            <a:extLst>
+              <a:ext uri="{FF2B5EF4-FFF2-40B4-BE49-F238E27FC236}">
+                <a16:creationId xmlns:a16="http://schemas.microsoft.com/office/drawing/2014/main" id="{63C8E3D5-C6C4-F8DC-1467-30C4B3D543F1}"/>
+              </a:ext>
+            </a:extLst>
+          </p:cNvPr>
+          <p:cNvPicPr>
+            <a:picLocks noChangeAspect="1"/>
+          </p:cNvPicPr>
+          <p:nvPr/>
+        </p:nvPicPr>
+        <p:blipFill>
+          <a:blip r:embed="rId8">
+            <a:extLst>
+              <a:ext uri="{28A0092B-C50C-407E-A947-70E740481C1C}">
+                <a14:useLocalDpi xmlns:a14="http://schemas.microsoft.com/office/drawing/2010/main" val="0"/>
+              </a:ext>
+            </a:extLst>
+          </a:blip>
+          <a:stretch>
+            <a:fillRect/>
+          </a:stretch>
+        </p:blipFill>
+        <p:spPr>
+          <a:xfrm>
+            <a:off x="9804804" y="1364602"/>
+            <a:ext cx="1341236" cy="2560542"/>
+          </a:xfrm>
+          <a:prstGeom prst="rect">
+            <a:avLst/>
+          </a:prstGeom>
+        </p:spPr>
+      </p:pic>
+      <p:pic>
+        <p:nvPicPr>
+          <p:cNvPr id="1058" name="Picture 1057" descr="A white chess piece on a black background&#10;&#10;Description automatically generated">
+            <a:extLst>
+              <a:ext uri="{FF2B5EF4-FFF2-40B4-BE49-F238E27FC236}">
+                <a16:creationId xmlns:a16="http://schemas.microsoft.com/office/drawing/2014/main" id="{3901BB44-03A9-7EB6-38FC-A00217BE2F57}"/>
+              </a:ext>
+            </a:extLst>
+          </p:cNvPr>
+          <p:cNvPicPr>
+            <a:picLocks noChangeAspect="1"/>
+          </p:cNvPicPr>
+          <p:nvPr/>
+        </p:nvPicPr>
+        <p:blipFill>
+          <a:blip r:embed="rId9">
+            <a:extLst>
+              <a:ext uri="{28A0092B-C50C-407E-A947-70E740481C1C}">
+                <a14:useLocalDpi xmlns:a14="http://schemas.microsoft.com/office/drawing/2010/main" val="0"/>
+              </a:ext>
+            </a:extLst>
+          </a:blip>
+          <a:stretch>
+            <a:fillRect/>
+          </a:stretch>
+        </p:blipFill>
+        <p:spPr>
+          <a:xfrm>
+            <a:off x="9804804" y="4409545"/>
+            <a:ext cx="1440305" cy="2133785"/>
+          </a:xfrm>
+          <a:prstGeom prst="rect">
+            <a:avLst/>
+          </a:prstGeom>
+        </p:spPr>
+      </p:pic>
+      <p:pic>
+        <p:nvPicPr>
+          <p:cNvPr id="1060" name="Picture 1059" descr="A blue chess piece on a black background&#10;&#10;Description automatically generated">
+            <a:extLst>
+              <a:ext uri="{FF2B5EF4-FFF2-40B4-BE49-F238E27FC236}">
+                <a16:creationId xmlns:a16="http://schemas.microsoft.com/office/drawing/2014/main" id="{1A0F34F7-DC13-EBA9-9EFE-A178142131DB}"/>
+              </a:ext>
+            </a:extLst>
+          </p:cNvPr>
+          <p:cNvPicPr>
+            <a:picLocks noChangeAspect="1"/>
+          </p:cNvPicPr>
+          <p:nvPr/>
+        </p:nvPicPr>
+        <p:blipFill>
+          <a:blip r:embed="rId10">
+            <a:extLst>
+              <a:ext uri="{28A0092B-C50C-407E-A947-70E740481C1C}">
+                <a14:useLocalDpi xmlns:a14="http://schemas.microsoft.com/office/drawing/2010/main" val="0"/>
+              </a:ext>
+            </a:extLst>
+          </a:blip>
+          <a:stretch>
+            <a:fillRect/>
+          </a:stretch>
+        </p:blipFill>
+        <p:spPr>
+          <a:xfrm>
+            <a:off x="2373814" y="945737"/>
+            <a:ext cx="1638442" cy="2933954"/>
+          </a:xfrm>
+          <a:prstGeom prst="rect">
+            <a:avLst/>
+          </a:prstGeom>
+        </p:spPr>
+      </p:pic>
+      <p:pic>
+        <p:nvPicPr>
+          <p:cNvPr id="1062" name="Picture 1061" descr="A white chess piece with a crown&#10;&#10;Description automatically generated">
+            <a:extLst>
+              <a:ext uri="{FF2B5EF4-FFF2-40B4-BE49-F238E27FC236}">
+                <a16:creationId xmlns:a16="http://schemas.microsoft.com/office/drawing/2014/main" id="{3C920CA3-7941-0422-1B2A-95E2FB54088A}"/>
+              </a:ext>
+            </a:extLst>
+          </p:cNvPr>
+          <p:cNvPicPr>
+            <a:picLocks noChangeAspect="1"/>
+          </p:cNvPicPr>
+          <p:nvPr/>
+        </p:nvPicPr>
+        <p:blipFill>
+          <a:blip r:embed="rId11">
+            <a:extLst>
+              <a:ext uri="{28A0092B-C50C-407E-A947-70E740481C1C}">
+                <a14:useLocalDpi xmlns:a14="http://schemas.microsoft.com/office/drawing/2010/main" val="0"/>
+              </a:ext>
+            </a:extLst>
+          </a:blip>
+          <a:stretch>
+            <a:fillRect/>
+          </a:stretch>
+        </p:blipFill>
+        <p:spPr>
+          <a:xfrm>
+            <a:off x="2591496" y="3777031"/>
+            <a:ext cx="1493649" cy="2842506"/>
+          </a:xfrm>
+          <a:prstGeom prst="rect">
+            <a:avLst/>
+          </a:prstGeom>
+        </p:spPr>
+      </p:pic>
+      <p:pic>
+        <p:nvPicPr>
+          <p:cNvPr id="1064" name="Picture 1063" descr="A blue chess piece on a black background&#10;&#10;Description automatically generated">
+            <a:extLst>
+              <a:ext uri="{FF2B5EF4-FFF2-40B4-BE49-F238E27FC236}">
+                <a16:creationId xmlns:a16="http://schemas.microsoft.com/office/drawing/2014/main" id="{E040D5BE-D27F-00E4-B76E-C49B3034BED1}"/>
+              </a:ext>
+            </a:extLst>
+          </p:cNvPr>
+          <p:cNvPicPr>
+            <a:picLocks noChangeAspect="1"/>
+          </p:cNvPicPr>
+          <p:nvPr/>
+        </p:nvPicPr>
+        <p:blipFill>
+          <a:blip r:embed="rId12">
+            <a:extLst>
+              <a:ext uri="{28A0092B-C50C-407E-A947-70E740481C1C}">
+                <a14:useLocalDpi xmlns:a14="http://schemas.microsoft.com/office/drawing/2010/main" val="0"/>
+              </a:ext>
+            </a:extLst>
+          </a:blip>
+          <a:stretch>
+            <a:fillRect/>
+          </a:stretch>
+        </p:blipFill>
+        <p:spPr>
+          <a:xfrm>
+            <a:off x="7491816" y="1265804"/>
+            <a:ext cx="1585097" cy="2613887"/>
+          </a:xfrm>
+          <a:prstGeom prst="rect">
+            <a:avLst/>
+          </a:prstGeom>
+        </p:spPr>
+      </p:pic>
+      <p:pic>
+        <p:nvPicPr>
+          <p:cNvPr id="1066" name="Picture 1065" descr="A white chess piece with a crown&#10;&#10;Description automatically generated">
+            <a:extLst>
+              <a:ext uri="{FF2B5EF4-FFF2-40B4-BE49-F238E27FC236}">
+                <a16:creationId xmlns:a16="http://schemas.microsoft.com/office/drawing/2014/main" id="{B599288B-78D1-83B9-1A80-3184429BDC1F}"/>
+              </a:ext>
+            </a:extLst>
+          </p:cNvPr>
+          <p:cNvPicPr>
+            <a:picLocks noChangeAspect="1"/>
+          </p:cNvPicPr>
+          <p:nvPr/>
+        </p:nvPicPr>
+        <p:blipFill>
+          <a:blip r:embed="rId13">
+            <a:extLst>
+              <a:ext uri="{28A0092B-C50C-407E-A947-70E740481C1C}">
+                <a14:useLocalDpi xmlns:a14="http://schemas.microsoft.com/office/drawing/2010/main" val="0"/>
+              </a:ext>
+            </a:extLst>
+          </a:blip>
+          <a:stretch>
+            <a:fillRect/>
+          </a:stretch>
+        </p:blipFill>
+        <p:spPr>
+          <a:xfrm>
+            <a:off x="7864242" y="4077557"/>
+            <a:ext cx="1364098" cy="2484335"/>
+          </a:xfrm>
+          <a:prstGeom prst="rect">
+            <a:avLst/>
+          </a:prstGeom>
+        </p:spPr>
+      </p:pic>
     </p:spTree>
     <p:extLst>
       <p:ext uri="{BB962C8B-B14F-4D97-AF65-F5344CB8AC3E}">
-        <p14:creationId xmlns:p14="http://schemas.microsoft.com/office/powerpoint/2010/main" val="1586832069"/>
+        <p14:creationId xmlns:p14="http://schemas.microsoft.com/office/powerpoint/2010/main" val="2278560942"/>
       </p:ext>
     </p:extLst>
   </p:cSld>
@@ -6938,7 +11866,7 @@
             </a:r>
             <a:r>
               <a:rPr lang="en-US" dirty="0" err="1"/>
-              <a:t>konj</a:t>
+              <a:t>pijun</a:t>
             </a:r>
             <a:endParaRPr lang="en-US" dirty="0"/>
           </a:p>
@@ -6973,7 +11901,7 @@
         </p:blipFill>
         <p:spPr bwMode="auto">
           <a:xfrm>
-            <a:off x="4631281" y="2939447"/>
+            <a:off x="4631281" y="3062464"/>
             <a:ext cx="1166878" cy="1166878"/>
           </a:xfrm>
           <a:prstGeom prst="rect">
@@ -7020,7 +11948,7 @@
         </p:blipFill>
         <p:spPr bwMode="auto">
           <a:xfrm>
-            <a:off x="6390992" y="2855962"/>
+            <a:off x="6405468" y="3198036"/>
             <a:ext cx="751413" cy="744520"/>
           </a:xfrm>
           <a:prstGeom prst="rect">
@@ -7038,172 +11966,12 @@
           </a:extLst>
         </p:spPr>
       </p:pic>
-      <p:sp>
-        <p:nvSpPr>
-          <p:cNvPr id="8" name="TextBox 7">
-            <a:extLst>
-              <a:ext uri="{FF2B5EF4-FFF2-40B4-BE49-F238E27FC236}">
-                <a16:creationId xmlns:a16="http://schemas.microsoft.com/office/drawing/2014/main" id="{7815223F-BC38-8EEE-A7C6-024B283936B0}"/>
-              </a:ext>
-            </a:extLst>
-          </p:cNvPr>
-          <p:cNvSpPr txBox="1"/>
-          <p:nvPr/>
-        </p:nvSpPr>
-        <p:spPr>
-          <a:xfrm>
-            <a:off x="4857501" y="2166901"/>
-            <a:ext cx="855510" cy="584775"/>
-          </a:xfrm>
-          <a:prstGeom prst="rect">
-            <a:avLst/>
-          </a:prstGeom>
-          <a:noFill/>
-        </p:spPr>
-        <p:txBody>
-          <a:bodyPr wrap="square" rtlCol="0">
-            <a:spAutoFit/>
-          </a:bodyPr>
-          <a:lstStyle/>
-          <a:p>
-            <a:r>
-              <a:rPr lang="en-US" sz="3200" dirty="0"/>
-              <a:t>Hp:</a:t>
-            </a:r>
-          </a:p>
-        </p:txBody>
-      </p:sp>
-      <p:sp>
-        <p:nvSpPr>
-          <p:cNvPr id="9" name="TextBox 8">
-            <a:extLst>
-              <a:ext uri="{FF2B5EF4-FFF2-40B4-BE49-F238E27FC236}">
-                <a16:creationId xmlns:a16="http://schemas.microsoft.com/office/drawing/2014/main" id="{B11456E0-D8EE-9A4B-FAAD-0C7660CF5E0F}"/>
-              </a:ext>
-            </a:extLst>
-          </p:cNvPr>
-          <p:cNvSpPr txBox="1"/>
-          <p:nvPr/>
-        </p:nvSpPr>
-        <p:spPr>
-          <a:xfrm>
-            <a:off x="6478991" y="2166901"/>
-            <a:ext cx="855510" cy="584775"/>
-          </a:xfrm>
-          <a:prstGeom prst="rect">
-            <a:avLst/>
-          </a:prstGeom>
-          <a:noFill/>
-        </p:spPr>
-        <p:txBody>
-          <a:bodyPr wrap="square" rtlCol="0">
-            <a:spAutoFit/>
-          </a:bodyPr>
-          <a:lstStyle/>
-          <a:p>
-            <a:r>
-              <a:rPr lang="en-US" sz="3200" dirty="0"/>
-              <a:t>AD:</a:t>
-            </a:r>
-          </a:p>
-        </p:txBody>
-      </p:sp>
-      <p:sp>
-        <p:nvSpPr>
-          <p:cNvPr id="10" name="TextBox 9">
-            <a:extLst>
-              <a:ext uri="{FF2B5EF4-FFF2-40B4-BE49-F238E27FC236}">
-                <a16:creationId xmlns:a16="http://schemas.microsoft.com/office/drawing/2014/main" id="{C672AAA9-6138-2AD2-219A-B61493946FFA}"/>
-              </a:ext>
-            </a:extLst>
-          </p:cNvPr>
-          <p:cNvSpPr txBox="1"/>
-          <p:nvPr/>
-        </p:nvSpPr>
-        <p:spPr>
-          <a:xfrm>
-            <a:off x="7949951" y="1729328"/>
-            <a:ext cx="3387571" cy="1077218"/>
-          </a:xfrm>
-          <a:prstGeom prst="rect">
-            <a:avLst/>
-          </a:prstGeom>
-          <a:noFill/>
-        </p:spPr>
-        <p:txBody>
-          <a:bodyPr wrap="square" rtlCol="0">
-            <a:spAutoFit/>
-          </a:bodyPr>
-          <a:lstStyle/>
-          <a:p>
-            <a:r>
-              <a:rPr lang="en-US" sz="3200" dirty="0" err="1"/>
-              <a:t>Vrijednost</a:t>
-            </a:r>
-            <a:r>
-              <a:rPr lang="en-US" sz="3200" dirty="0"/>
-              <a:t> u </a:t>
-            </a:r>
-            <a:r>
-              <a:rPr lang="en-US" sz="3200" dirty="0" err="1"/>
-              <a:t>standardnom</a:t>
-            </a:r>
-            <a:r>
-              <a:rPr lang="en-US" sz="3200" dirty="0"/>
-              <a:t> </a:t>
-            </a:r>
-            <a:r>
-              <a:rPr lang="en-US" sz="3200" dirty="0" err="1"/>
-              <a:t>šahu</a:t>
-            </a:r>
-            <a:r>
-              <a:rPr lang="en-US" sz="3200" dirty="0"/>
-              <a:t>:</a:t>
-            </a:r>
-          </a:p>
-        </p:txBody>
-      </p:sp>
-      <p:sp>
-        <p:nvSpPr>
-          <p:cNvPr id="11" name="TextBox 10">
-            <a:extLst>
-              <a:ext uri="{FF2B5EF4-FFF2-40B4-BE49-F238E27FC236}">
-                <a16:creationId xmlns:a16="http://schemas.microsoft.com/office/drawing/2014/main" id="{0E6769F4-8412-D598-87B1-D1153737F520}"/>
-              </a:ext>
-            </a:extLst>
-          </p:cNvPr>
-          <p:cNvSpPr txBox="1"/>
-          <p:nvPr/>
-        </p:nvSpPr>
-        <p:spPr>
-          <a:xfrm>
-            <a:off x="8988909" y="3074659"/>
-            <a:ext cx="1157689" cy="1015663"/>
-          </a:xfrm>
-          <a:prstGeom prst="rect">
-            <a:avLst/>
-          </a:prstGeom>
-          <a:noFill/>
-        </p:spPr>
-        <p:txBody>
-          <a:bodyPr wrap="none" rtlCol="0">
-            <a:spAutoFit/>
-          </a:bodyPr>
-          <a:lstStyle/>
-          <a:p>
-            <a:r>
-              <a:rPr lang="en-US" sz="6000" dirty="0"/>
-              <a:t>3.0</a:t>
-            </a:r>
-          </a:p>
-        </p:txBody>
-      </p:sp>
       <p:pic>
         <p:nvPicPr>
-          <p:cNvPr id="3" name="Picture 2" descr="A blue chess piece on a black background&#10;&#10;Description automatically generated">
-            <a:extLst>
-              <a:ext uri="{FF2B5EF4-FFF2-40B4-BE49-F238E27FC236}">
-                <a16:creationId xmlns:a16="http://schemas.microsoft.com/office/drawing/2014/main" id="{A6DD8C2E-3542-ECD7-71F3-F9941FB4AC75}"/>
+          <p:cNvPr id="6" name="Picture 5" descr="A blue chess piece on a black background&#10;&#10;Description automatically generated">
+            <a:extLst>
+              <a:ext uri="{FF2B5EF4-FFF2-40B4-BE49-F238E27FC236}">
+                <a16:creationId xmlns:a16="http://schemas.microsoft.com/office/drawing/2014/main" id="{DB30BB45-41C2-9715-2C2C-4366B78279BB}"/>
               </a:ext>
             </a:extLst>
           </p:cNvPr>
@@ -7226,8 +11994,8 @@
         </p:blipFill>
         <p:spPr>
           <a:xfrm>
-            <a:off x="2238980" y="1658622"/>
-            <a:ext cx="2098225" cy="3540756"/>
+            <a:off x="2658541" y="1953626"/>
+            <a:ext cx="1914889" cy="3655698"/>
           </a:xfrm>
           <a:prstGeom prst="rect">
             <a:avLst/>
@@ -7236,10 +12004,10 @@
       </p:pic>
       <p:pic>
         <p:nvPicPr>
-          <p:cNvPr id="12" name="Picture 11" descr="A white chess piece on a black background&#10;&#10;Description automatically generated">
-            <a:extLst>
-              <a:ext uri="{FF2B5EF4-FFF2-40B4-BE49-F238E27FC236}">
-                <a16:creationId xmlns:a16="http://schemas.microsoft.com/office/drawing/2014/main" id="{68A13BA8-D011-214C-BB5F-31CEB0EC88EC}"/>
+          <p:cNvPr id="7" name="Picture 6" descr="A white chess piece on a black background&#10;&#10;Description automatically generated">
+            <a:extLst>
+              <a:ext uri="{FF2B5EF4-FFF2-40B4-BE49-F238E27FC236}">
+                <a16:creationId xmlns:a16="http://schemas.microsoft.com/office/drawing/2014/main" id="{DD0DD6E1-181C-7F72-ABC1-53E79A02B5E4}"/>
               </a:ext>
             </a:extLst>
           </p:cNvPr>
@@ -7262,159 +12030,393 @@
         </p:blipFill>
         <p:spPr>
           <a:xfrm>
-            <a:off x="511306" y="2034852"/>
-            <a:ext cx="1906561" cy="3026287"/>
+            <a:off x="615265" y="2267937"/>
+            <a:ext cx="2043276" cy="3027076"/>
           </a:xfrm>
           <a:prstGeom prst="rect">
             <a:avLst/>
           </a:prstGeom>
         </p:spPr>
       </p:pic>
+      <p:sp>
+        <p:nvSpPr>
+          <p:cNvPr id="8" name="TextBox 7">
+            <a:extLst>
+              <a:ext uri="{FF2B5EF4-FFF2-40B4-BE49-F238E27FC236}">
+                <a16:creationId xmlns:a16="http://schemas.microsoft.com/office/drawing/2014/main" id="{7815223F-BC38-8EEE-A7C6-024B283936B0}"/>
+              </a:ext>
+            </a:extLst>
+          </p:cNvPr>
+          <p:cNvSpPr txBox="1"/>
+          <p:nvPr/>
+        </p:nvSpPr>
+        <p:spPr>
+          <a:xfrm>
+            <a:off x="4857501" y="2166901"/>
+            <a:ext cx="855510" cy="584775"/>
+          </a:xfrm>
+          <a:prstGeom prst="rect">
+            <a:avLst/>
+          </a:prstGeom>
+          <a:noFill/>
+        </p:spPr>
+        <p:txBody>
+          <a:bodyPr wrap="square" rtlCol="0">
+            <a:spAutoFit/>
+          </a:bodyPr>
+          <a:lstStyle/>
+          <a:p>
+            <a:r>
+              <a:rPr lang="en-US" sz="3200" dirty="0"/>
+              <a:t>Hp:</a:t>
+            </a:r>
+          </a:p>
+        </p:txBody>
+      </p:sp>
+      <p:sp>
+        <p:nvSpPr>
+          <p:cNvPr id="9" name="TextBox 8">
+            <a:extLst>
+              <a:ext uri="{FF2B5EF4-FFF2-40B4-BE49-F238E27FC236}">
+                <a16:creationId xmlns:a16="http://schemas.microsoft.com/office/drawing/2014/main" id="{B11456E0-D8EE-9A4B-FAAD-0C7660CF5E0F}"/>
+              </a:ext>
+            </a:extLst>
+          </p:cNvPr>
+          <p:cNvSpPr txBox="1"/>
+          <p:nvPr/>
+        </p:nvSpPr>
+        <p:spPr>
+          <a:xfrm>
+            <a:off x="6478991" y="2166901"/>
+            <a:ext cx="855510" cy="584775"/>
+          </a:xfrm>
+          <a:prstGeom prst="rect">
+            <a:avLst/>
+          </a:prstGeom>
+          <a:noFill/>
+        </p:spPr>
+        <p:txBody>
+          <a:bodyPr wrap="square" rtlCol="0">
+            <a:spAutoFit/>
+          </a:bodyPr>
+          <a:lstStyle/>
+          <a:p>
+            <a:r>
+              <a:rPr lang="en-US" sz="3200" dirty="0"/>
+              <a:t>AD:</a:t>
+            </a:r>
+          </a:p>
+        </p:txBody>
+      </p:sp>
+      <p:sp>
+        <p:nvSpPr>
+          <p:cNvPr id="10" name="TextBox 9">
+            <a:extLst>
+              <a:ext uri="{FF2B5EF4-FFF2-40B4-BE49-F238E27FC236}">
+                <a16:creationId xmlns:a16="http://schemas.microsoft.com/office/drawing/2014/main" id="{C672AAA9-6138-2AD2-219A-B61493946FFA}"/>
+              </a:ext>
+            </a:extLst>
+          </p:cNvPr>
+          <p:cNvSpPr txBox="1"/>
+          <p:nvPr/>
+        </p:nvSpPr>
+        <p:spPr>
+          <a:xfrm>
+            <a:off x="7949951" y="1729328"/>
+            <a:ext cx="3387571" cy="1077218"/>
+          </a:xfrm>
+          <a:prstGeom prst="rect">
+            <a:avLst/>
+          </a:prstGeom>
+          <a:noFill/>
+        </p:spPr>
+        <p:txBody>
+          <a:bodyPr wrap="square" rtlCol="0">
+            <a:spAutoFit/>
+          </a:bodyPr>
+          <a:lstStyle/>
+          <a:p>
+            <a:r>
+              <a:rPr lang="en-US" sz="3200" dirty="0" err="1"/>
+              <a:t>Vrijednost</a:t>
+            </a:r>
+            <a:r>
+              <a:rPr lang="en-US" sz="3200" dirty="0"/>
+              <a:t> u </a:t>
+            </a:r>
+            <a:r>
+              <a:rPr lang="en-US" sz="3200" dirty="0" err="1"/>
+              <a:t>standardnom</a:t>
+            </a:r>
+            <a:r>
+              <a:rPr lang="en-US" sz="3200" dirty="0"/>
+              <a:t> </a:t>
+            </a:r>
+            <a:r>
+              <a:rPr lang="en-US" sz="3200" dirty="0" err="1"/>
+              <a:t>šahu</a:t>
+            </a:r>
+            <a:r>
+              <a:rPr lang="en-US" sz="3200" dirty="0"/>
+              <a:t>:</a:t>
+            </a:r>
+          </a:p>
+        </p:txBody>
+      </p:sp>
+      <p:sp>
+        <p:nvSpPr>
+          <p:cNvPr id="11" name="TextBox 10">
+            <a:extLst>
+              <a:ext uri="{FF2B5EF4-FFF2-40B4-BE49-F238E27FC236}">
+                <a16:creationId xmlns:a16="http://schemas.microsoft.com/office/drawing/2014/main" id="{0E6769F4-8412-D598-87B1-D1153737F520}"/>
+              </a:ext>
+            </a:extLst>
+          </p:cNvPr>
+          <p:cNvSpPr txBox="1"/>
+          <p:nvPr/>
+        </p:nvSpPr>
+        <p:spPr>
+          <a:xfrm>
+            <a:off x="9246361" y="3062464"/>
+            <a:ext cx="574196" cy="1015663"/>
+          </a:xfrm>
+          <a:prstGeom prst="rect">
+            <a:avLst/>
+          </a:prstGeom>
+          <a:noFill/>
+        </p:spPr>
+        <p:txBody>
+          <a:bodyPr wrap="none" rtlCol="0">
+            <a:spAutoFit/>
+          </a:bodyPr>
+          <a:lstStyle/>
+          <a:p>
+            <a:r>
+              <a:rPr lang="en-US" sz="6000" dirty="0"/>
+              <a:t>1</a:t>
+            </a:r>
+          </a:p>
+        </p:txBody>
+      </p:sp>
+      <p:sp>
+        <p:nvSpPr>
+          <p:cNvPr id="12" name="TextBox 11">
+            <a:extLst>
+              <a:ext uri="{FF2B5EF4-FFF2-40B4-BE49-F238E27FC236}">
+                <a16:creationId xmlns:a16="http://schemas.microsoft.com/office/drawing/2014/main" id="{C5208BAA-7B5C-BBC6-7CC9-3BC41DDD192B}"/>
+              </a:ext>
+            </a:extLst>
+          </p:cNvPr>
+          <p:cNvSpPr txBox="1"/>
+          <p:nvPr/>
+        </p:nvSpPr>
+        <p:spPr>
+          <a:xfrm>
+            <a:off x="7524618" y="4001465"/>
+            <a:ext cx="3971965" cy="1692771"/>
+          </a:xfrm>
+          <a:prstGeom prst="rect">
+            <a:avLst/>
+          </a:prstGeom>
+          <a:noFill/>
+        </p:spPr>
+        <p:txBody>
+          <a:bodyPr wrap="square" rtlCol="0">
+            <a:spAutoFit/>
+          </a:bodyPr>
+          <a:lstStyle/>
+          <a:p>
+            <a:r>
+              <a:rPr lang="en-US" sz="3200" dirty="0" err="1"/>
+              <a:t>Kretanje</a:t>
+            </a:r>
+            <a:r>
+              <a:rPr lang="en-US" sz="3200" dirty="0"/>
+              <a:t>:</a:t>
+            </a:r>
+          </a:p>
+          <a:p>
+            <a:r>
+              <a:rPr lang="en-US" dirty="0"/>
+              <a:t>-</a:t>
+            </a:r>
+            <a:r>
+              <a:rPr lang="en-US" dirty="0" err="1"/>
+              <a:t>na</a:t>
+            </a:r>
+            <a:r>
+              <a:rPr lang="en-US" dirty="0"/>
+              <a:t> </a:t>
+            </a:r>
+            <a:r>
+              <a:rPr lang="en-US" dirty="0" err="1"/>
+              <a:t>početku</a:t>
+            </a:r>
+            <a:r>
+              <a:rPr lang="en-US" dirty="0"/>
+              <a:t> 1 </a:t>
+            </a:r>
+            <a:r>
+              <a:rPr lang="en-US" dirty="0" err="1"/>
+              <a:t>ili</a:t>
+            </a:r>
+            <a:r>
+              <a:rPr lang="en-US" dirty="0"/>
+              <a:t> 2 </a:t>
+            </a:r>
+            <a:r>
+              <a:rPr lang="en-US" dirty="0" err="1"/>
+              <a:t>koraka</a:t>
+            </a:r>
+            <a:r>
+              <a:rPr lang="en-US" dirty="0"/>
+              <a:t> </a:t>
+            </a:r>
+            <a:r>
+              <a:rPr lang="en-US" dirty="0" err="1"/>
+              <a:t>unaprijed</a:t>
+            </a:r>
+            <a:endParaRPr lang="en-US" dirty="0"/>
+          </a:p>
+          <a:p>
+            <a:r>
+              <a:rPr lang="en-US" dirty="0"/>
+              <a:t>-</a:t>
+            </a:r>
+            <a:r>
+              <a:rPr lang="en-US" dirty="0" err="1"/>
+              <a:t>može</a:t>
+            </a:r>
+            <a:r>
+              <a:rPr lang="en-US" dirty="0"/>
+              <a:t> </a:t>
+            </a:r>
+            <a:r>
+              <a:rPr lang="en-US" dirty="0" err="1"/>
+              <a:t>napadati</a:t>
+            </a:r>
+            <a:r>
+              <a:rPr lang="en-US" dirty="0"/>
+              <a:t> </a:t>
+            </a:r>
+            <a:r>
+              <a:rPr lang="en-US" dirty="0" err="1"/>
+              <a:t>jedno</a:t>
+            </a:r>
+            <a:r>
+              <a:rPr lang="en-US" dirty="0"/>
+              <a:t> polje </a:t>
+            </a:r>
+            <a:r>
+              <a:rPr lang="en-US" dirty="0" err="1"/>
+              <a:t>dijagonalno</a:t>
+            </a:r>
+            <a:r>
+              <a:rPr lang="en-US" dirty="0"/>
+              <a:t> </a:t>
+            </a:r>
+            <a:r>
+              <a:rPr lang="en-US" dirty="0" err="1"/>
+              <a:t>lijevo</a:t>
+            </a:r>
+            <a:r>
+              <a:rPr lang="en-US" dirty="0"/>
+              <a:t> </a:t>
+            </a:r>
+            <a:r>
+              <a:rPr lang="en-US" dirty="0" err="1"/>
+              <a:t>i</a:t>
+            </a:r>
+            <a:r>
+              <a:rPr lang="en-US" dirty="0"/>
+              <a:t> </a:t>
+            </a:r>
+            <a:r>
+              <a:rPr lang="en-US" dirty="0" err="1"/>
+              <a:t>desno</a:t>
+            </a:r>
+            <a:r>
+              <a:rPr lang="en-US" dirty="0"/>
+              <a:t>, </a:t>
+            </a:r>
+            <a:r>
+              <a:rPr lang="en-US" dirty="0" err="1"/>
+              <a:t>samo</a:t>
+            </a:r>
+            <a:r>
+              <a:rPr lang="en-US" dirty="0"/>
+              <a:t> u </a:t>
+            </a:r>
+            <a:r>
+              <a:rPr lang="en-US" dirty="0" err="1"/>
+              <a:t>jednom</a:t>
+            </a:r>
+            <a:r>
+              <a:rPr lang="en-US" dirty="0"/>
+              <a:t> </a:t>
+            </a:r>
+            <a:r>
+              <a:rPr lang="en-US" dirty="0" err="1"/>
+              <a:t>smjeru</a:t>
+            </a:r>
+            <a:endParaRPr lang="en-US" dirty="0"/>
+          </a:p>
+          <a:p>
+            <a:r>
+              <a:rPr lang="en-US" dirty="0"/>
+              <a:t>-”</a:t>
+            </a:r>
+            <a:r>
+              <a:rPr lang="en-US" dirty="0" err="1"/>
+              <a:t>en</a:t>
+            </a:r>
+            <a:r>
+              <a:rPr lang="en-US" dirty="0"/>
+              <a:t> passant”</a:t>
+            </a:r>
+          </a:p>
+        </p:txBody>
+      </p:sp>
       <p:pic>
         <p:nvPicPr>
-          <p:cNvPr id="13" name="Picture 4" descr="Heart No Background - Cliparts.co">
-            <a:extLst>
-              <a:ext uri="{FF2B5EF4-FFF2-40B4-BE49-F238E27FC236}">
-                <a16:creationId xmlns:a16="http://schemas.microsoft.com/office/drawing/2014/main" id="{6A0D134C-29F6-1B42-80F6-11650462706D}"/>
+          <p:cNvPr id="13" name="Picture 12" descr="A white chess piece on a black background&#10;&#10;Description automatically generated">
+            <a:extLst>
+              <a:ext uri="{FF2B5EF4-FFF2-40B4-BE49-F238E27FC236}">
+                <a16:creationId xmlns:a16="http://schemas.microsoft.com/office/drawing/2014/main" id="{3F4AF27B-3034-9914-80CB-F9340CFEC19F}"/>
               </a:ext>
             </a:extLst>
           </p:cNvPr>
           <p:cNvPicPr>
-            <a:picLocks noChangeAspect="1" noChangeArrowheads="1"/>
+            <a:picLocks noChangeAspect="1"/>
           </p:cNvPicPr>
           <p:nvPr/>
         </p:nvPicPr>
         <p:blipFill>
-          <a:blip r:embed="rId2">
+          <a:blip r:embed="rId5">
             <a:extLst>
               <a:ext uri="{28A0092B-C50C-407E-A947-70E740481C1C}">
                 <a14:useLocalDpi xmlns:a14="http://schemas.microsoft.com/office/drawing/2010/main" val="0"/>
               </a:ext>
             </a:extLst>
           </a:blip>
-          <a:srcRect/>
           <a:stretch>
             <a:fillRect/>
           </a:stretch>
         </p:blipFill>
-        <p:spPr bwMode="auto">
-          <a:xfrm>
-            <a:off x="4625446" y="3710657"/>
-            <a:ext cx="1166878" cy="1166878"/>
-          </a:xfrm>
-          <a:prstGeom prst="rect">
-            <a:avLst/>
-          </a:prstGeom>
-          <a:noFill/>
-          <a:extLst>
-            <a:ext uri="{909E8E84-426E-40DD-AFC4-6F175D3DCCD1}">
-              <a14:hiddenFill xmlns:a14="http://schemas.microsoft.com/office/drawing/2010/main">
-                <a:solidFill>
-                  <a:srgbClr val="FFFFFF"/>
-                </a:solidFill>
-              </a14:hiddenFill>
-            </a:ext>
-          </a:extLst>
-        </p:spPr>
-      </p:pic>
-      <p:pic>
-        <p:nvPicPr>
-          <p:cNvPr id="14" name="Picture 6" descr="Sword Images - ClipArt Best">
-            <a:extLst>
-              <a:ext uri="{FF2B5EF4-FFF2-40B4-BE49-F238E27FC236}">
-                <a16:creationId xmlns:a16="http://schemas.microsoft.com/office/drawing/2014/main" id="{D2644767-2D29-38A0-3814-E8D967D65494}"/>
-              </a:ext>
-            </a:extLst>
-          </p:cNvPr>
-          <p:cNvPicPr>
-            <a:picLocks noChangeAspect="1" noChangeArrowheads="1"/>
-          </p:cNvPicPr>
-          <p:nvPr/>
-        </p:nvPicPr>
-        <p:blipFill>
-          <a:blip r:embed="rId3">
-            <a:extLst>
-              <a:ext uri="{28A0092B-C50C-407E-A947-70E740481C1C}">
-                <a14:useLocalDpi xmlns:a14="http://schemas.microsoft.com/office/drawing/2010/main" val="0"/>
-              </a:ext>
-            </a:extLst>
-          </a:blip>
-          <a:srcRect/>
-          <a:stretch>
-            <a:fillRect/>
-          </a:stretch>
-        </p:blipFill>
-        <p:spPr bwMode="auto">
-          <a:xfrm>
-            <a:off x="6407746" y="3428044"/>
-            <a:ext cx="751413" cy="744520"/>
-          </a:xfrm>
-          <a:prstGeom prst="rect">
-            <a:avLst/>
-          </a:prstGeom>
-          <a:noFill/>
-          <a:extLst>
-            <a:ext uri="{909E8E84-426E-40DD-AFC4-6F175D3DCCD1}">
-              <a14:hiddenFill xmlns:a14="http://schemas.microsoft.com/office/drawing/2010/main">
-                <a:solidFill>
-                  <a:srgbClr val="FFFFFF"/>
-                </a:solidFill>
-              </a14:hiddenFill>
-            </a:ext>
-          </a:extLst>
-        </p:spPr>
-      </p:pic>
-      <p:pic>
-        <p:nvPicPr>
-          <p:cNvPr id="15" name="Picture 6" descr="Sword Images - ClipArt Best">
-            <a:extLst>
-              <a:ext uri="{FF2B5EF4-FFF2-40B4-BE49-F238E27FC236}">
-                <a16:creationId xmlns:a16="http://schemas.microsoft.com/office/drawing/2014/main" id="{F12FA662-1476-8297-F87F-A3A78AF6FB01}"/>
-              </a:ext>
-            </a:extLst>
-          </p:cNvPr>
-          <p:cNvPicPr>
-            <a:picLocks noChangeAspect="1" noChangeArrowheads="1"/>
-          </p:cNvPicPr>
-          <p:nvPr/>
-        </p:nvPicPr>
-        <p:blipFill>
-          <a:blip r:embed="rId3">
-            <a:extLst>
-              <a:ext uri="{28A0092B-C50C-407E-A947-70E740481C1C}">
-                <a14:useLocalDpi xmlns:a14="http://schemas.microsoft.com/office/drawing/2010/main" val="0"/>
-              </a:ext>
-            </a:extLst>
-          </a:blip>
-          <a:srcRect/>
-          <a:stretch>
-            <a:fillRect/>
-          </a:stretch>
-        </p:blipFill>
-        <p:spPr bwMode="auto">
-          <a:xfrm>
-            <a:off x="6390991" y="4133015"/>
-            <a:ext cx="751413" cy="744520"/>
-          </a:xfrm>
-          <a:prstGeom prst="rect">
-            <a:avLst/>
-          </a:prstGeom>
-          <a:noFill/>
-          <a:extLst>
-            <a:ext uri="{909E8E84-426E-40DD-AFC4-6F175D3DCCD1}">
-              <a14:hiddenFill xmlns:a14="http://schemas.microsoft.com/office/drawing/2010/main">
-                <a:solidFill>
-                  <a:srgbClr val="FFFFFF"/>
-                </a:solidFill>
-              </a14:hiddenFill>
-            </a:ext>
-          </a:extLst>
+        <p:spPr>
+          <a:xfrm>
+            <a:off x="11506199" y="138934"/>
+            <a:ext cx="529761" cy="784831"/>
+          </a:xfrm>
+          <a:prstGeom prst="rect">
+            <a:avLst/>
+          </a:prstGeom>
         </p:spPr>
       </p:pic>
     </p:spTree>
     <p:extLst>
       <p:ext uri="{BB962C8B-B14F-4D97-AF65-F5344CB8AC3E}">
-        <p14:creationId xmlns:p14="http://schemas.microsoft.com/office/powerpoint/2010/main" val="915825251"/>
+        <p14:creationId xmlns:p14="http://schemas.microsoft.com/office/powerpoint/2010/main" val="1586832069"/>
       </p:ext>
     </p:extLst>
   </p:cSld>
@@ -7476,7 +12478,7 @@
             </a:r>
             <a:r>
               <a:rPr lang="en-US" dirty="0" err="1"/>
-              <a:t>lovac</a:t>
+              <a:t>konj</a:t>
             </a:r>
             <a:endParaRPr lang="en-US" dirty="0"/>
           </a:p>
@@ -7511,7 +12513,7 @@
         </p:blipFill>
         <p:spPr bwMode="auto">
           <a:xfrm>
-            <a:off x="4631281" y="3062464"/>
+            <a:off x="4631281" y="2939447"/>
             <a:ext cx="1166878" cy="1166878"/>
           </a:xfrm>
           <a:prstGeom prst="rect">
@@ -7558,7 +12560,7 @@
         </p:blipFill>
         <p:spPr bwMode="auto">
           <a:xfrm>
-            <a:off x="6432020" y="3110599"/>
+            <a:off x="6390992" y="2855962"/>
             <a:ext cx="751413" cy="744520"/>
           </a:xfrm>
           <a:prstGeom prst="rect">
@@ -7715,8 +12717,8 @@
         </p:nvSpPr>
         <p:spPr>
           <a:xfrm>
-            <a:off x="8749212" y="3185263"/>
-            <a:ext cx="1547218" cy="1015663"/>
+            <a:off x="8988909" y="3074659"/>
+            <a:ext cx="1157689" cy="1015663"/>
           </a:xfrm>
           <a:prstGeom prst="rect">
             <a:avLst/>
@@ -7731,26 +12733,24 @@
           <a:p>
             <a:r>
               <a:rPr lang="en-US" sz="6000" dirty="0"/>
-              <a:t>3.15</a:t>
+              <a:t>3.0</a:t>
             </a:r>
           </a:p>
         </p:txBody>
       </p:sp>
       <p:pic>
         <p:nvPicPr>
-          <p:cNvPr id="3" name="Content Placeholder 1041" descr="A blue chess piece with a black background&#10;&#10;Description automatically generated">
-            <a:extLst>
-              <a:ext uri="{FF2B5EF4-FFF2-40B4-BE49-F238E27FC236}">
-                <a16:creationId xmlns:a16="http://schemas.microsoft.com/office/drawing/2014/main" id="{F754F7B1-DA5D-6D82-6CA4-FC55AA3CEE82}"/>
+          <p:cNvPr id="3" name="Picture 2" descr="A blue chess piece on a black background&#10;&#10;Description automatically generated">
+            <a:extLst>
+              <a:ext uri="{FF2B5EF4-FFF2-40B4-BE49-F238E27FC236}">
+                <a16:creationId xmlns:a16="http://schemas.microsoft.com/office/drawing/2014/main" id="{A6DD8C2E-3542-ECD7-71F3-F9941FB4AC75}"/>
               </a:ext>
             </a:extLst>
           </p:cNvPr>
           <p:cNvPicPr>
-            <a:picLocks noGrp="1" noChangeAspect="1"/>
+            <a:picLocks noChangeAspect="1"/>
           </p:cNvPicPr>
-          <p:nvPr>
-            <p:ph idx="1"/>
-          </p:nvPr>
+          <p:nvPr/>
         </p:nvPicPr>
         <p:blipFill>
           <a:blip r:embed="rId4">
@@ -7766,17 +12766,20 @@
         </p:blipFill>
         <p:spPr>
           <a:xfrm>
-            <a:off x="2391737" y="2065867"/>
-            <a:ext cx="1964669" cy="3578505"/>
-          </a:xfrm>
+            <a:off x="2238980" y="1658622"/>
+            <a:ext cx="2098225" cy="3540756"/>
+          </a:xfrm>
+          <a:prstGeom prst="rect">
+            <a:avLst/>
+          </a:prstGeom>
         </p:spPr>
       </p:pic>
       <p:pic>
         <p:nvPicPr>
-          <p:cNvPr id="12" name="Picture 11" descr="A white chess piece with a black background&#10;&#10;Description automatically generated">
-            <a:extLst>
-              <a:ext uri="{FF2B5EF4-FFF2-40B4-BE49-F238E27FC236}">
-                <a16:creationId xmlns:a16="http://schemas.microsoft.com/office/drawing/2014/main" id="{C9E6EA93-1F1C-B5A7-9C22-64C7752BE1E5}"/>
+          <p:cNvPr id="12" name="Picture 11" descr="A white chess piece on a black background&#10;&#10;Description automatically generated">
+            <a:extLst>
+              <a:ext uri="{FF2B5EF4-FFF2-40B4-BE49-F238E27FC236}">
+                <a16:creationId xmlns:a16="http://schemas.microsoft.com/office/drawing/2014/main" id="{68A13BA8-D011-214C-BB5F-31CEB0EC88EC}"/>
               </a:ext>
             </a:extLst>
           </p:cNvPr>
@@ -7799,8 +12802,8 @@
         </p:blipFill>
         <p:spPr>
           <a:xfrm>
-            <a:off x="617517" y="2076286"/>
-            <a:ext cx="2014789" cy="3468242"/>
+            <a:off x="511306" y="2034852"/>
+            <a:ext cx="1906561" cy="3026287"/>
           </a:xfrm>
           <a:prstGeom prst="rect">
             <a:avLst/>
@@ -7812,7 +12815,7 @@
           <p:cNvPr id="13" name="Picture 4" descr="Heart No Background - Cliparts.co">
             <a:extLst>
               <a:ext uri="{FF2B5EF4-FFF2-40B4-BE49-F238E27FC236}">
-                <a16:creationId xmlns:a16="http://schemas.microsoft.com/office/drawing/2014/main" id="{075096F5-C1A2-01C5-29F6-32BB8CAE7DD0}"/>
+                <a16:creationId xmlns:a16="http://schemas.microsoft.com/office/drawing/2014/main" id="{6A0D134C-29F6-1B42-80F6-11650462706D}"/>
               </a:ext>
             </a:extLst>
           </p:cNvPr>
@@ -7836,7 +12839,7 @@
         </p:blipFill>
         <p:spPr bwMode="auto">
           <a:xfrm>
-            <a:off x="4631281" y="3942556"/>
+            <a:off x="4625446" y="3710657"/>
             <a:ext cx="1166878" cy="1166878"/>
           </a:xfrm>
           <a:prstGeom prst="rect">
@@ -7859,7 +12862,7 @@
           <p:cNvPr id="14" name="Picture 6" descr="Sword Images - ClipArt Best">
             <a:extLst>
               <a:ext uri="{FF2B5EF4-FFF2-40B4-BE49-F238E27FC236}">
-                <a16:creationId xmlns:a16="http://schemas.microsoft.com/office/drawing/2014/main" id="{F8C8DE44-F347-097F-B93C-97817160A7C9}"/>
+                <a16:creationId xmlns:a16="http://schemas.microsoft.com/office/drawing/2014/main" id="{D2644767-2D29-38A0-3814-E8D967D65494}"/>
               </a:ext>
             </a:extLst>
           </p:cNvPr>
@@ -7883,7 +12886,7 @@
         </p:blipFill>
         <p:spPr bwMode="auto">
           <a:xfrm>
-            <a:off x="6432020" y="3942556"/>
+            <a:off x="6407746" y="3428044"/>
             <a:ext cx="751413" cy="744520"/>
           </a:xfrm>
           <a:prstGeom prst="rect">
@@ -7901,10 +12904,245 @@
           </a:extLst>
         </p:spPr>
       </p:pic>
+      <p:pic>
+        <p:nvPicPr>
+          <p:cNvPr id="15" name="Picture 6" descr="Sword Images - ClipArt Best">
+            <a:extLst>
+              <a:ext uri="{FF2B5EF4-FFF2-40B4-BE49-F238E27FC236}">
+                <a16:creationId xmlns:a16="http://schemas.microsoft.com/office/drawing/2014/main" id="{F12FA662-1476-8297-F87F-A3A78AF6FB01}"/>
+              </a:ext>
+            </a:extLst>
+          </p:cNvPr>
+          <p:cNvPicPr>
+            <a:picLocks noChangeAspect="1" noChangeArrowheads="1"/>
+          </p:cNvPicPr>
+          <p:nvPr/>
+        </p:nvPicPr>
+        <p:blipFill>
+          <a:blip r:embed="rId3">
+            <a:extLst>
+              <a:ext uri="{28A0092B-C50C-407E-A947-70E740481C1C}">
+                <a14:useLocalDpi xmlns:a14="http://schemas.microsoft.com/office/drawing/2010/main" val="0"/>
+              </a:ext>
+            </a:extLst>
+          </a:blip>
+          <a:srcRect/>
+          <a:stretch>
+            <a:fillRect/>
+          </a:stretch>
+        </p:blipFill>
+        <p:spPr bwMode="auto">
+          <a:xfrm>
+            <a:off x="6390991" y="4133015"/>
+            <a:ext cx="751413" cy="744520"/>
+          </a:xfrm>
+          <a:prstGeom prst="rect">
+            <a:avLst/>
+          </a:prstGeom>
+          <a:noFill/>
+          <a:extLst>
+            <a:ext uri="{909E8E84-426E-40DD-AFC4-6F175D3DCCD1}">
+              <a14:hiddenFill xmlns:a14="http://schemas.microsoft.com/office/drawing/2010/main">
+                <a:solidFill>
+                  <a:srgbClr val="FFFFFF"/>
+                </a:solidFill>
+              </a14:hiddenFill>
+            </a:ext>
+          </a:extLst>
+        </p:spPr>
+      </p:pic>
+      <p:sp>
+        <p:nvSpPr>
+          <p:cNvPr id="16" name="TextBox 15">
+            <a:extLst>
+              <a:ext uri="{FF2B5EF4-FFF2-40B4-BE49-F238E27FC236}">
+                <a16:creationId xmlns:a16="http://schemas.microsoft.com/office/drawing/2014/main" id="{09636F56-CF89-F9EA-1C19-C79E88B14047}"/>
+              </a:ext>
+            </a:extLst>
+          </p:cNvPr>
+          <p:cNvSpPr txBox="1"/>
+          <p:nvPr/>
+        </p:nvSpPr>
+        <p:spPr>
+          <a:xfrm>
+            <a:off x="7640027" y="4117689"/>
+            <a:ext cx="3697495" cy="1415772"/>
+          </a:xfrm>
+          <a:prstGeom prst="rect">
+            <a:avLst/>
+          </a:prstGeom>
+          <a:noFill/>
+        </p:spPr>
+        <p:txBody>
+          <a:bodyPr wrap="square" rtlCol="0">
+            <a:spAutoFit/>
+          </a:bodyPr>
+          <a:lstStyle/>
+          <a:p>
+            <a:r>
+              <a:rPr lang="en-US" sz="3200" dirty="0" err="1"/>
+              <a:t>Kretanje</a:t>
+            </a:r>
+            <a:r>
+              <a:rPr lang="en-US" sz="3200" dirty="0"/>
+              <a:t>:</a:t>
+            </a:r>
+          </a:p>
+          <a:p>
+            <a:r>
+              <a:rPr lang="en-US" dirty="0"/>
+              <a:t>-u </a:t>
+            </a:r>
+            <a:r>
+              <a:rPr lang="en-US" dirty="0" err="1"/>
+              <a:t>slovo</a:t>
+            </a:r>
+            <a:r>
+              <a:rPr lang="en-US" dirty="0"/>
+              <a:t> L, </a:t>
+            </a:r>
+            <a:r>
+              <a:rPr lang="en-US" dirty="0" err="1"/>
+              <a:t>dva</a:t>
+            </a:r>
+            <a:r>
+              <a:rPr lang="en-US" dirty="0"/>
+              <a:t> </a:t>
+            </a:r>
+            <a:r>
+              <a:rPr lang="en-US" dirty="0" err="1"/>
+              <a:t>koraka</a:t>
+            </a:r>
+            <a:r>
+              <a:rPr lang="en-US" dirty="0"/>
+              <a:t> u </a:t>
+            </a:r>
+            <a:r>
+              <a:rPr lang="en-US" dirty="0" err="1"/>
+              <a:t>jednom</a:t>
+            </a:r>
+            <a:r>
+              <a:rPr lang="en-US" dirty="0"/>
+              <a:t> </a:t>
+            </a:r>
+            <a:r>
+              <a:rPr lang="en-US" dirty="0" err="1"/>
+              <a:t>smjeru</a:t>
+            </a:r>
+            <a:r>
+              <a:rPr lang="en-US" dirty="0"/>
+              <a:t>, </a:t>
+            </a:r>
+            <a:r>
+              <a:rPr lang="en-US" dirty="0" err="1"/>
+              <a:t>i</a:t>
+            </a:r>
+            <a:r>
+              <a:rPr lang="en-US" dirty="0"/>
+              <a:t> </a:t>
+            </a:r>
+            <a:r>
+              <a:rPr lang="en-US" dirty="0" err="1"/>
+              <a:t>jedan</a:t>
+            </a:r>
+            <a:r>
+              <a:rPr lang="en-US" dirty="0"/>
+              <a:t> </a:t>
+            </a:r>
+            <a:r>
+              <a:rPr lang="en-US" dirty="0" err="1"/>
+              <a:t>okomit</a:t>
+            </a:r>
+            <a:r>
+              <a:rPr lang="en-US" dirty="0"/>
+              <a:t> </a:t>
+            </a:r>
+            <a:r>
+              <a:rPr lang="en-US" dirty="0" err="1"/>
+              <a:t>na</a:t>
+            </a:r>
+            <a:r>
+              <a:rPr lang="en-US" dirty="0"/>
+              <a:t> </a:t>
+            </a:r>
+            <a:r>
+              <a:rPr lang="en-US" dirty="0" err="1"/>
+              <a:t>prosli</a:t>
+            </a:r>
+            <a:r>
+              <a:rPr lang="en-US" dirty="0"/>
+              <a:t> </a:t>
+            </a:r>
+            <a:r>
+              <a:rPr lang="en-US" dirty="0" err="1"/>
+              <a:t>smjer</a:t>
+            </a:r>
+            <a:endParaRPr lang="en-US" dirty="0"/>
+          </a:p>
+          <a:p>
+            <a:r>
+              <a:rPr lang="en-US" dirty="0"/>
+              <a:t>-</a:t>
+            </a:r>
+            <a:r>
+              <a:rPr lang="en-US" dirty="0" err="1"/>
+              <a:t>može</a:t>
+            </a:r>
+            <a:r>
+              <a:rPr lang="en-US" dirty="0"/>
+              <a:t> “</a:t>
+            </a:r>
+            <a:r>
+              <a:rPr lang="en-US" dirty="0" err="1"/>
+              <a:t>preskakati</a:t>
+            </a:r>
+            <a:r>
+              <a:rPr lang="en-US" dirty="0"/>
+              <a:t>” figure</a:t>
+            </a:r>
+          </a:p>
+        </p:txBody>
+      </p:sp>
+      <p:pic>
+        <p:nvPicPr>
+          <p:cNvPr id="17" name="Picture 16" descr="A white chess piece on a black background&#10;&#10;Description automatically generated">
+            <a:extLst>
+              <a:ext uri="{FF2B5EF4-FFF2-40B4-BE49-F238E27FC236}">
+                <a16:creationId xmlns:a16="http://schemas.microsoft.com/office/drawing/2014/main" id="{902E5E5F-7EB0-9F16-1EA7-B8DC9B9A20C9}"/>
+              </a:ext>
+            </a:extLst>
+          </p:cNvPr>
+          <p:cNvPicPr>
+            <a:picLocks noChangeAspect="1"/>
+          </p:cNvPicPr>
+          <p:nvPr/>
+        </p:nvPicPr>
+        <p:blipFill>
+          <a:blip r:embed="rId6">
+            <a:extLst>
+              <a:ext uri="{28A0092B-C50C-407E-A947-70E740481C1C}">
+                <a14:useLocalDpi xmlns:a14="http://schemas.microsoft.com/office/drawing/2010/main" val="0"/>
+              </a:ext>
+            </a:extLst>
+          </a:blip>
+          <a:stretch>
+            <a:fillRect/>
+          </a:stretch>
+        </p:blipFill>
+        <p:spPr>
+          <a:xfrm>
+            <a:off x="11506199" y="138934"/>
+            <a:ext cx="529761" cy="784831"/>
+          </a:xfrm>
+          <a:prstGeom prst="rect">
+            <a:avLst/>
+          </a:prstGeom>
+        </p:spPr>
+      </p:pic>
     </p:spTree>
     <p:extLst>
       <p:ext uri="{BB962C8B-B14F-4D97-AF65-F5344CB8AC3E}">
-        <p14:creationId xmlns:p14="http://schemas.microsoft.com/office/powerpoint/2010/main" val="1048366732"/>
+        <p14:creationId xmlns:p14="http://schemas.microsoft.com/office/powerpoint/2010/main" val="915825251"/>
       </p:ext>
     </p:extLst>
   </p:cSld>
@@ -7962,8 +13200,13 @@
             </a:r>
             <a:r>
               <a:rPr lang="en-US" dirty="0"/>
-              <a:t> - kula</a:t>
-            </a:r>
+              <a:t> - </a:t>
+            </a:r>
+            <a:r>
+              <a:rPr lang="en-US" dirty="0" err="1"/>
+              <a:t>lovac</a:t>
+            </a:r>
+            <a:endParaRPr lang="en-US" dirty="0"/>
           </a:p>
         </p:txBody>
       </p:sp>
@@ -7996,7 +13239,7 @@
         </p:blipFill>
         <p:spPr bwMode="auto">
           <a:xfrm>
-            <a:off x="4696663" y="3203628"/>
+            <a:off x="4631281" y="3062464"/>
             <a:ext cx="1166878" cy="1166878"/>
           </a:xfrm>
           <a:prstGeom prst="rect">
@@ -8043,7 +13286,7 @@
         </p:blipFill>
         <p:spPr bwMode="auto">
           <a:xfrm>
-            <a:off x="6405468" y="3198036"/>
+            <a:off x="6432020" y="3110599"/>
             <a:ext cx="751413" cy="744520"/>
           </a:xfrm>
           <a:prstGeom prst="rect">
@@ -8200,8 +13443,8 @@
         </p:nvSpPr>
         <p:spPr>
           <a:xfrm>
-            <a:off x="9139829" y="3096863"/>
-            <a:ext cx="574196" cy="1015663"/>
+            <a:off x="8749212" y="3185263"/>
+            <a:ext cx="1547218" cy="1015663"/>
           </a:xfrm>
           <a:prstGeom prst="rect">
             <a:avLst/>
@@ -8216,24 +13459,26 @@
           <a:p>
             <a:r>
               <a:rPr lang="en-US" sz="6000" dirty="0"/>
-              <a:t>5</a:t>
+              <a:t>3.15</a:t>
             </a:r>
           </a:p>
         </p:txBody>
       </p:sp>
       <p:pic>
         <p:nvPicPr>
-          <p:cNvPr id="3" name="Picture 2" descr="A blue chess piece on a black background&#10;&#10;Description automatically generated">
-            <a:extLst>
-              <a:ext uri="{FF2B5EF4-FFF2-40B4-BE49-F238E27FC236}">
-                <a16:creationId xmlns:a16="http://schemas.microsoft.com/office/drawing/2014/main" id="{33C0A6A2-B7CF-464D-80A5-0ECE6FB444FC}"/>
+          <p:cNvPr id="3" name="Content Placeholder 1041" descr="A blue chess piece with a black background&#10;&#10;Description automatically generated">
+            <a:extLst>
+              <a:ext uri="{FF2B5EF4-FFF2-40B4-BE49-F238E27FC236}">
+                <a16:creationId xmlns:a16="http://schemas.microsoft.com/office/drawing/2014/main" id="{F754F7B1-DA5D-6D82-6CA4-FC55AA3CEE82}"/>
               </a:ext>
             </a:extLst>
           </p:cNvPr>
           <p:cNvPicPr>
-            <a:picLocks noChangeAspect="1"/>
+            <a:picLocks noGrp="1" noChangeAspect="1"/>
           </p:cNvPicPr>
-          <p:nvPr/>
+          <p:nvPr>
+            <p:ph idx="1"/>
+          </p:nvPr>
         </p:nvPicPr>
         <p:blipFill>
           <a:blip r:embed="rId4">
@@ -8249,20 +13494,17 @@
         </p:blipFill>
         <p:spPr>
           <a:xfrm>
-            <a:off x="1999284" y="1729328"/>
-            <a:ext cx="2337921" cy="3855324"/>
-          </a:xfrm>
-          <a:prstGeom prst="rect">
-            <a:avLst/>
-          </a:prstGeom>
+            <a:off x="2391737" y="2065867"/>
+            <a:ext cx="1964669" cy="3578505"/>
+          </a:xfrm>
         </p:spPr>
       </p:pic>
       <p:pic>
         <p:nvPicPr>
-          <p:cNvPr id="12" name="Picture 11" descr="A white chess piece with a crown&#10;&#10;Description automatically generated">
-            <a:extLst>
-              <a:ext uri="{FF2B5EF4-FFF2-40B4-BE49-F238E27FC236}">
-                <a16:creationId xmlns:a16="http://schemas.microsoft.com/office/drawing/2014/main" id="{74C60374-6E7E-3CDA-1BEA-C1E2D3956341}"/>
+          <p:cNvPr id="12" name="Picture 11" descr="A white chess piece with a black background&#10;&#10;Description automatically generated">
+            <a:extLst>
+              <a:ext uri="{FF2B5EF4-FFF2-40B4-BE49-F238E27FC236}">
+                <a16:creationId xmlns:a16="http://schemas.microsoft.com/office/drawing/2014/main" id="{C9E6EA93-1F1C-B5A7-9C22-64C7752BE1E5}"/>
               </a:ext>
             </a:extLst>
           </p:cNvPr>
@@ -8285,8 +13527,8 @@
         </p:blipFill>
         <p:spPr>
           <a:xfrm>
-            <a:off x="216122" y="1834270"/>
-            <a:ext cx="2011961" cy="3664241"/>
+            <a:off x="617517" y="2076286"/>
+            <a:ext cx="2014789" cy="3468242"/>
           </a:xfrm>
           <a:prstGeom prst="rect">
             <a:avLst/>
@@ -8298,7 +13540,7 @@
           <p:cNvPr id="13" name="Picture 4" descr="Heart No Background - Cliparts.co">
             <a:extLst>
               <a:ext uri="{FF2B5EF4-FFF2-40B4-BE49-F238E27FC236}">
-                <a16:creationId xmlns:a16="http://schemas.microsoft.com/office/drawing/2014/main" id="{712FD248-53D2-4F41-BE57-58D784F24BD4}"/>
+                <a16:creationId xmlns:a16="http://schemas.microsoft.com/office/drawing/2014/main" id="{075096F5-C1A2-01C5-29F6-32BB8CAE7DD0}"/>
               </a:ext>
             </a:extLst>
           </p:cNvPr>
@@ -8322,7 +13564,7 @@
         </p:blipFill>
         <p:spPr bwMode="auto">
           <a:xfrm>
-            <a:off x="4696663" y="3846716"/>
+            <a:off x="4631281" y="3942556"/>
             <a:ext cx="1166878" cy="1166878"/>
           </a:xfrm>
           <a:prstGeom prst="rect">
@@ -8342,10 +13584,10 @@
       </p:pic>
       <p:pic>
         <p:nvPicPr>
-          <p:cNvPr id="14" name="Picture 4" descr="Heart No Background - Cliparts.co">
-            <a:extLst>
-              <a:ext uri="{FF2B5EF4-FFF2-40B4-BE49-F238E27FC236}">
-                <a16:creationId xmlns:a16="http://schemas.microsoft.com/office/drawing/2014/main" id="{45D3C080-45D8-F9F6-2A29-014DB5F2B8ED}"/>
+          <p:cNvPr id="14" name="Picture 6" descr="Sword Images - ClipArt Best">
+            <a:extLst>
+              <a:ext uri="{FF2B5EF4-FFF2-40B4-BE49-F238E27FC236}">
+                <a16:creationId xmlns:a16="http://schemas.microsoft.com/office/drawing/2014/main" id="{F8C8DE44-F347-097F-B93C-97817160A7C9}"/>
               </a:ext>
             </a:extLst>
           </p:cNvPr>
@@ -8355,7 +13597,7 @@
           <p:nvPr/>
         </p:nvPicPr>
         <p:blipFill>
-          <a:blip r:embed="rId2">
+          <a:blip r:embed="rId3">
             <a:extLst>
               <a:ext uri="{28A0092B-C50C-407E-A947-70E740481C1C}">
                 <a14:useLocalDpi xmlns:a14="http://schemas.microsoft.com/office/drawing/2010/main" val="0"/>
@@ -8369,8 +13611,8 @@
         </p:blipFill>
         <p:spPr bwMode="auto">
           <a:xfrm>
-            <a:off x="4696663" y="2526895"/>
-            <a:ext cx="1166878" cy="1166878"/>
+            <a:off x="6432020" y="3942556"/>
+            <a:ext cx="751413" cy="744520"/>
           </a:xfrm>
           <a:prstGeom prst="rect">
             <a:avLst/>
@@ -8387,151 +13629,118 @@
           </a:extLst>
         </p:spPr>
       </p:pic>
+      <p:sp>
+        <p:nvSpPr>
+          <p:cNvPr id="15" name="TextBox 14">
+            <a:extLst>
+              <a:ext uri="{FF2B5EF4-FFF2-40B4-BE49-F238E27FC236}">
+                <a16:creationId xmlns:a16="http://schemas.microsoft.com/office/drawing/2014/main" id="{596D12FA-F408-0B81-673A-C254870E69EC}"/>
+              </a:ext>
+            </a:extLst>
+          </p:cNvPr>
+          <p:cNvSpPr txBox="1"/>
+          <p:nvPr/>
+        </p:nvSpPr>
+        <p:spPr>
+          <a:xfrm>
+            <a:off x="7640027" y="4117689"/>
+            <a:ext cx="3697495" cy="1138773"/>
+          </a:xfrm>
+          <a:prstGeom prst="rect">
+            <a:avLst/>
+          </a:prstGeom>
+          <a:noFill/>
+        </p:spPr>
+        <p:txBody>
+          <a:bodyPr wrap="square" rtlCol="0">
+            <a:spAutoFit/>
+          </a:bodyPr>
+          <a:lstStyle/>
+          <a:p>
+            <a:r>
+              <a:rPr lang="en-US" sz="3200" dirty="0" err="1"/>
+              <a:t>Kretanje</a:t>
+            </a:r>
+            <a:r>
+              <a:rPr lang="en-US" sz="3200" dirty="0"/>
+              <a:t>:</a:t>
+            </a:r>
+          </a:p>
+          <a:p>
+            <a:r>
+              <a:rPr lang="en-US" dirty="0"/>
+              <a:t>-po </a:t>
+            </a:r>
+            <a:r>
+              <a:rPr lang="en-US" dirty="0" err="1"/>
+              <a:t>dijagonalama</a:t>
+            </a:r>
+            <a:endParaRPr lang="en-US" dirty="0"/>
+          </a:p>
+          <a:p>
+            <a:r>
+              <a:rPr lang="en-US" dirty="0"/>
+              <a:t>-</a:t>
+            </a:r>
+            <a:r>
+              <a:rPr lang="en-US" dirty="0" err="1"/>
+              <a:t>nemože</a:t>
+            </a:r>
+            <a:r>
+              <a:rPr lang="en-US" dirty="0"/>
+              <a:t> “</a:t>
+            </a:r>
+            <a:r>
+              <a:rPr lang="en-US" dirty="0" err="1"/>
+              <a:t>preskakti</a:t>
+            </a:r>
+            <a:r>
+              <a:rPr lang="en-US" dirty="0"/>
+              <a:t>” figure</a:t>
+            </a:r>
+          </a:p>
+        </p:txBody>
+      </p:sp>
       <p:pic>
         <p:nvPicPr>
-          <p:cNvPr id="15" name="Picture 4" descr="Heart No Background - Cliparts.co">
-            <a:extLst>
-              <a:ext uri="{FF2B5EF4-FFF2-40B4-BE49-F238E27FC236}">
-                <a16:creationId xmlns:a16="http://schemas.microsoft.com/office/drawing/2014/main" id="{89BB2C58-2F97-2855-5ADB-34ACD6AB8CBB}"/>
+          <p:cNvPr id="16" name="Picture 15" descr="A white chess piece on a black background&#10;&#10;Description automatically generated">
+            <a:extLst>
+              <a:ext uri="{FF2B5EF4-FFF2-40B4-BE49-F238E27FC236}">
+                <a16:creationId xmlns:a16="http://schemas.microsoft.com/office/drawing/2014/main" id="{1A199635-2314-0684-81C8-2852E8F3A15B}"/>
               </a:ext>
             </a:extLst>
           </p:cNvPr>
           <p:cNvPicPr>
-            <a:picLocks noChangeAspect="1" noChangeArrowheads="1"/>
+            <a:picLocks noChangeAspect="1"/>
           </p:cNvPicPr>
           <p:nvPr/>
         </p:nvPicPr>
         <p:blipFill>
-          <a:blip r:embed="rId2">
+          <a:blip r:embed="rId6">
             <a:extLst>
               <a:ext uri="{28A0092B-C50C-407E-A947-70E740481C1C}">
                 <a14:useLocalDpi xmlns:a14="http://schemas.microsoft.com/office/drawing/2010/main" val="0"/>
               </a:ext>
             </a:extLst>
           </a:blip>
-          <a:srcRect/>
           <a:stretch>
             <a:fillRect/>
           </a:stretch>
         </p:blipFill>
-        <p:spPr bwMode="auto">
-          <a:xfrm>
-            <a:off x="4696663" y="4489803"/>
-            <a:ext cx="1166878" cy="1166878"/>
-          </a:xfrm>
-          <a:prstGeom prst="rect">
-            <a:avLst/>
-          </a:prstGeom>
-          <a:noFill/>
-          <a:extLst>
-            <a:ext uri="{909E8E84-426E-40DD-AFC4-6F175D3DCCD1}">
-              <a14:hiddenFill xmlns:a14="http://schemas.microsoft.com/office/drawing/2010/main">
-                <a:solidFill>
-                  <a:srgbClr val="FFFFFF"/>
-                </a:solidFill>
-              </a14:hiddenFill>
-            </a:ext>
-          </a:extLst>
-        </p:spPr>
-      </p:pic>
-      <p:pic>
-        <p:nvPicPr>
-          <p:cNvPr id="16" name="Picture 4" descr="Heart No Background - Cliparts.co">
-            <a:extLst>
-              <a:ext uri="{FF2B5EF4-FFF2-40B4-BE49-F238E27FC236}">
-                <a16:creationId xmlns:a16="http://schemas.microsoft.com/office/drawing/2014/main" id="{A81B4E49-53C1-2170-E4C4-256F24963151}"/>
-              </a:ext>
-            </a:extLst>
-          </p:cNvPr>
-          <p:cNvPicPr>
-            <a:picLocks noChangeAspect="1" noChangeArrowheads="1"/>
-          </p:cNvPicPr>
-          <p:nvPr/>
-        </p:nvPicPr>
-        <p:blipFill>
-          <a:blip r:embed="rId2">
-            <a:extLst>
-              <a:ext uri="{28A0092B-C50C-407E-A947-70E740481C1C}">
-                <a14:useLocalDpi xmlns:a14="http://schemas.microsoft.com/office/drawing/2010/main" val="0"/>
-              </a:ext>
-            </a:extLst>
-          </a:blip>
-          <a:srcRect/>
-          <a:stretch>
-            <a:fillRect/>
-          </a:stretch>
-        </p:blipFill>
-        <p:spPr bwMode="auto">
-          <a:xfrm>
-            <a:off x="4696663" y="5073242"/>
-            <a:ext cx="1166878" cy="1166878"/>
-          </a:xfrm>
-          <a:prstGeom prst="rect">
-            <a:avLst/>
-          </a:prstGeom>
-          <a:noFill/>
-          <a:extLst>
-            <a:ext uri="{909E8E84-426E-40DD-AFC4-6F175D3DCCD1}">
-              <a14:hiddenFill xmlns:a14="http://schemas.microsoft.com/office/drawing/2010/main">
-                <a:solidFill>
-                  <a:srgbClr val="FFFFFF"/>
-                </a:solidFill>
-              </a14:hiddenFill>
-            </a:ext>
-          </a:extLst>
-        </p:spPr>
-      </p:pic>
-      <p:pic>
-        <p:nvPicPr>
-          <p:cNvPr id="17" name="Picture 6" descr="Sword Images - ClipArt Best">
-            <a:extLst>
-              <a:ext uri="{FF2B5EF4-FFF2-40B4-BE49-F238E27FC236}">
-                <a16:creationId xmlns:a16="http://schemas.microsoft.com/office/drawing/2014/main" id="{E38EEDCC-D7D7-31C5-6A4D-760A6C2C8E8B}"/>
-              </a:ext>
-            </a:extLst>
-          </p:cNvPr>
-          <p:cNvPicPr>
-            <a:picLocks noChangeAspect="1" noChangeArrowheads="1"/>
-          </p:cNvPicPr>
-          <p:nvPr/>
-        </p:nvPicPr>
-        <p:blipFill>
-          <a:blip r:embed="rId3">
-            <a:extLst>
-              <a:ext uri="{28A0092B-C50C-407E-A947-70E740481C1C}">
-                <a14:useLocalDpi xmlns:a14="http://schemas.microsoft.com/office/drawing/2010/main" val="0"/>
-              </a:ext>
-            </a:extLst>
-          </a:blip>
-          <a:srcRect/>
-          <a:stretch>
-            <a:fillRect/>
-          </a:stretch>
-        </p:blipFill>
-        <p:spPr bwMode="auto">
-          <a:xfrm>
-            <a:off x="6478991" y="3745283"/>
-            <a:ext cx="751413" cy="744520"/>
-          </a:xfrm>
-          <a:prstGeom prst="rect">
-            <a:avLst/>
-          </a:prstGeom>
-          <a:noFill/>
-          <a:extLst>
-            <a:ext uri="{909E8E84-426E-40DD-AFC4-6F175D3DCCD1}">
-              <a14:hiddenFill xmlns:a14="http://schemas.microsoft.com/office/drawing/2010/main">
-                <a:solidFill>
-                  <a:srgbClr val="FFFFFF"/>
-                </a:solidFill>
-              </a14:hiddenFill>
-            </a:ext>
-          </a:extLst>
+        <p:spPr>
+          <a:xfrm>
+            <a:off x="11506199" y="138934"/>
+            <a:ext cx="529761" cy="784831"/>
+          </a:xfrm>
+          <a:prstGeom prst="rect">
+            <a:avLst/>
+          </a:prstGeom>
         </p:spPr>
       </p:pic>
     </p:spTree>
     <p:extLst>
       <p:ext uri="{BB962C8B-B14F-4D97-AF65-F5344CB8AC3E}">
-        <p14:creationId xmlns:p14="http://schemas.microsoft.com/office/powerpoint/2010/main" val="3815752141"/>
+        <p14:creationId xmlns:p14="http://schemas.microsoft.com/office/powerpoint/2010/main" val="1048366732"/>
       </p:ext>
     </p:extLst>
   </p:cSld>
@@ -8589,13 +13798,8 @@
             </a:r>
             <a:r>
               <a:rPr lang="en-US" dirty="0"/>
-              <a:t> - </a:t>
-            </a:r>
-            <a:r>
-              <a:rPr lang="en-US" dirty="0" err="1"/>
-              <a:t>pijun</a:t>
-            </a:r>
-            <a:endParaRPr lang="en-US" dirty="0"/>
+              <a:t> - kula</a:t>
+            </a:r>
           </a:p>
         </p:txBody>
       </p:sp>
@@ -8628,7 +13832,7 @@
         </p:blipFill>
         <p:spPr bwMode="auto">
           <a:xfrm>
-            <a:off x="4715810" y="3471109"/>
+            <a:off x="4696663" y="3203628"/>
             <a:ext cx="1166878" cy="1166878"/>
           </a:xfrm>
           <a:prstGeom prst="rect">
@@ -8675,7 +13879,7 @@
         </p:blipFill>
         <p:spPr bwMode="auto">
           <a:xfrm>
-            <a:off x="6478990" y="2926663"/>
+            <a:off x="6405468" y="3198036"/>
             <a:ext cx="751413" cy="744520"/>
           </a:xfrm>
           <a:prstGeom prst="rect">
@@ -8848,11 +14052,83 @@
           <a:p>
             <a:r>
               <a:rPr lang="en-US" sz="6000" dirty="0"/>
-              <a:t>9</a:t>
-            </a:r>
-          </a:p>
-        </p:txBody>
-      </p:sp>
+              <a:t>5</a:t>
+            </a:r>
+          </a:p>
+        </p:txBody>
+      </p:sp>
+      <p:pic>
+        <p:nvPicPr>
+          <p:cNvPr id="3" name="Picture 2" descr="A blue chess piece on a black background&#10;&#10;Description automatically generated">
+            <a:extLst>
+              <a:ext uri="{FF2B5EF4-FFF2-40B4-BE49-F238E27FC236}">
+                <a16:creationId xmlns:a16="http://schemas.microsoft.com/office/drawing/2014/main" id="{33C0A6A2-B7CF-464D-80A5-0ECE6FB444FC}"/>
+              </a:ext>
+            </a:extLst>
+          </p:cNvPr>
+          <p:cNvPicPr>
+            <a:picLocks noChangeAspect="1"/>
+          </p:cNvPicPr>
+          <p:nvPr/>
+        </p:nvPicPr>
+        <p:blipFill>
+          <a:blip r:embed="rId4">
+            <a:extLst>
+              <a:ext uri="{28A0092B-C50C-407E-A947-70E740481C1C}">
+                <a14:useLocalDpi xmlns:a14="http://schemas.microsoft.com/office/drawing/2010/main" val="0"/>
+              </a:ext>
+            </a:extLst>
+          </a:blip>
+          <a:stretch>
+            <a:fillRect/>
+          </a:stretch>
+        </p:blipFill>
+        <p:spPr>
+          <a:xfrm>
+            <a:off x="1999284" y="1729328"/>
+            <a:ext cx="2337921" cy="3855324"/>
+          </a:xfrm>
+          <a:prstGeom prst="rect">
+            <a:avLst/>
+          </a:prstGeom>
+        </p:spPr>
+      </p:pic>
+      <p:pic>
+        <p:nvPicPr>
+          <p:cNvPr id="12" name="Picture 11" descr="A white chess piece with a crown&#10;&#10;Description automatically generated">
+            <a:extLst>
+              <a:ext uri="{FF2B5EF4-FFF2-40B4-BE49-F238E27FC236}">
+                <a16:creationId xmlns:a16="http://schemas.microsoft.com/office/drawing/2014/main" id="{74C60374-6E7E-3CDA-1BEA-C1E2D3956341}"/>
+              </a:ext>
+            </a:extLst>
+          </p:cNvPr>
+          <p:cNvPicPr>
+            <a:picLocks noChangeAspect="1"/>
+          </p:cNvPicPr>
+          <p:nvPr/>
+        </p:nvPicPr>
+        <p:blipFill>
+          <a:blip r:embed="rId5">
+            <a:extLst>
+              <a:ext uri="{28A0092B-C50C-407E-A947-70E740481C1C}">
+                <a14:useLocalDpi xmlns:a14="http://schemas.microsoft.com/office/drawing/2010/main" val="0"/>
+              </a:ext>
+            </a:extLst>
+          </a:blip>
+          <a:stretch>
+            <a:fillRect/>
+          </a:stretch>
+        </p:blipFill>
+        <p:spPr>
+          <a:xfrm>
+            <a:off x="216122" y="1834270"/>
+            <a:ext cx="2011961" cy="3664241"/>
+          </a:xfrm>
+          <a:prstGeom prst="rect">
+            <a:avLst/>
+          </a:prstGeom>
+        </p:spPr>
+      </p:pic>
       <p:pic>
         <p:nvPicPr>
           <p:cNvPr id="13" name="Picture 4" descr="Heart No Background - Cliparts.co">
@@ -8882,7 +14158,7 @@
         </p:blipFill>
         <p:spPr bwMode="auto">
           <a:xfrm>
-            <a:off x="4696663" y="4239019"/>
+            <a:off x="4696663" y="3846716"/>
             <a:ext cx="1166878" cy="1166878"/>
           </a:xfrm>
           <a:prstGeom prst="rect">
@@ -8929,7 +14205,7 @@
         </p:blipFill>
         <p:spPr bwMode="auto">
           <a:xfrm>
-            <a:off x="4715810" y="2688186"/>
+            <a:off x="4696663" y="2526895"/>
             <a:ext cx="1166878" cy="1166878"/>
           </a:xfrm>
           <a:prstGeom prst="rect">
@@ -8949,10 +14225,10 @@
       </p:pic>
       <p:pic>
         <p:nvPicPr>
-          <p:cNvPr id="17" name="Picture 6" descr="Sword Images - ClipArt Best">
-            <a:extLst>
-              <a:ext uri="{FF2B5EF4-FFF2-40B4-BE49-F238E27FC236}">
-                <a16:creationId xmlns:a16="http://schemas.microsoft.com/office/drawing/2014/main" id="{E38EEDCC-D7D7-31C5-6A4D-760A6C2C8E8B}"/>
+          <p:cNvPr id="15" name="Picture 4" descr="Heart No Background - Cliparts.co">
+            <a:extLst>
+              <a:ext uri="{FF2B5EF4-FFF2-40B4-BE49-F238E27FC236}">
+                <a16:creationId xmlns:a16="http://schemas.microsoft.com/office/drawing/2014/main" id="{89BB2C58-2F97-2855-5ADB-34ACD6AB8CBB}"/>
               </a:ext>
             </a:extLst>
           </p:cNvPr>
@@ -8962,7 +14238,7 @@
           <p:nvPr/>
         </p:nvPicPr>
         <p:blipFill>
-          <a:blip r:embed="rId3">
+          <a:blip r:embed="rId2">
             <a:extLst>
               <a:ext uri="{28A0092B-C50C-407E-A947-70E740481C1C}">
                 <a14:useLocalDpi xmlns:a14="http://schemas.microsoft.com/office/drawing/2010/main" val="0"/>
@@ -8976,8 +14252,8 @@
         </p:blipFill>
         <p:spPr bwMode="auto">
           <a:xfrm>
-            <a:off x="6505542" y="3548010"/>
-            <a:ext cx="751413" cy="744520"/>
+            <a:off x="4696663" y="4489803"/>
+            <a:ext cx="1166878" cy="1166878"/>
           </a:xfrm>
           <a:prstGeom prst="rect">
             <a:avLst/>
@@ -8996,82 +14272,10 @@
       </p:pic>
       <p:pic>
         <p:nvPicPr>
-          <p:cNvPr id="20" name="Picture 19" descr="A blue chess piece on a black background&#10;&#10;Description automatically generated">
-            <a:extLst>
-              <a:ext uri="{FF2B5EF4-FFF2-40B4-BE49-F238E27FC236}">
-                <a16:creationId xmlns:a16="http://schemas.microsoft.com/office/drawing/2014/main" id="{39A09A0B-89FA-A107-2094-92B56AD17A55}"/>
-              </a:ext>
-            </a:extLst>
-          </p:cNvPr>
-          <p:cNvPicPr>
-            <a:picLocks noChangeAspect="1"/>
-          </p:cNvPicPr>
-          <p:nvPr/>
-        </p:nvPicPr>
-        <p:blipFill>
-          <a:blip r:embed="rId4">
-            <a:extLst>
-              <a:ext uri="{28A0092B-C50C-407E-A947-70E740481C1C}">
-                <a14:useLocalDpi xmlns:a14="http://schemas.microsoft.com/office/drawing/2010/main" val="0"/>
-              </a:ext>
-            </a:extLst>
-          </a:blip>
-          <a:stretch>
-            <a:fillRect/>
-          </a:stretch>
-        </p:blipFill>
-        <p:spPr>
-          <a:xfrm>
-            <a:off x="2116901" y="2166901"/>
-            <a:ext cx="2125149" cy="3805499"/>
-          </a:xfrm>
-          <a:prstGeom prst="rect">
-            <a:avLst/>
-          </a:prstGeom>
-        </p:spPr>
-      </p:pic>
-      <p:pic>
-        <p:nvPicPr>
-          <p:cNvPr id="21" name="Picture 20" descr="A white chess piece with a crown&#10;&#10;Description automatically generated">
-            <a:extLst>
-              <a:ext uri="{FF2B5EF4-FFF2-40B4-BE49-F238E27FC236}">
-                <a16:creationId xmlns:a16="http://schemas.microsoft.com/office/drawing/2014/main" id="{7DAE7F4D-494E-DD0D-6100-75408D5011A9}"/>
-              </a:ext>
-            </a:extLst>
-          </p:cNvPr>
-          <p:cNvPicPr>
-            <a:picLocks noChangeAspect="1"/>
-          </p:cNvPicPr>
-          <p:nvPr/>
-        </p:nvPicPr>
-        <p:blipFill>
-          <a:blip r:embed="rId5">
-            <a:extLst>
-              <a:ext uri="{28A0092B-C50C-407E-A947-70E740481C1C}">
-                <a14:useLocalDpi xmlns:a14="http://schemas.microsoft.com/office/drawing/2010/main" val="0"/>
-              </a:ext>
-            </a:extLst>
-          </a:blip>
-          <a:stretch>
-            <a:fillRect/>
-          </a:stretch>
-        </p:blipFill>
-        <p:spPr>
-          <a:xfrm>
-            <a:off x="610532" y="2079884"/>
-            <a:ext cx="1937345" cy="3686887"/>
-          </a:xfrm>
-          <a:prstGeom prst="rect">
-            <a:avLst/>
-          </a:prstGeom>
-        </p:spPr>
-      </p:pic>
-      <p:pic>
-        <p:nvPicPr>
-          <p:cNvPr id="22" name="Picture 6" descr="Sword Images - ClipArt Best">
-            <a:extLst>
-              <a:ext uri="{FF2B5EF4-FFF2-40B4-BE49-F238E27FC236}">
-                <a16:creationId xmlns:a16="http://schemas.microsoft.com/office/drawing/2014/main" id="{66780065-D0F3-6BF5-E4F3-BF6821BB8F26}"/>
+          <p:cNvPr id="16" name="Picture 4" descr="Heart No Background - Cliparts.co">
+            <a:extLst>
+              <a:ext uri="{FF2B5EF4-FFF2-40B4-BE49-F238E27FC236}">
+                <a16:creationId xmlns:a16="http://schemas.microsoft.com/office/drawing/2014/main" id="{A81B4E49-53C1-2170-E4C4-256F24963151}"/>
               </a:ext>
             </a:extLst>
           </p:cNvPr>
@@ -9081,7 +14285,7 @@
           <p:nvPr/>
         </p:nvPicPr>
         <p:blipFill>
-          <a:blip r:embed="rId3">
+          <a:blip r:embed="rId2">
             <a:extLst>
               <a:ext uri="{28A0092B-C50C-407E-A947-70E740481C1C}">
                 <a14:useLocalDpi xmlns:a14="http://schemas.microsoft.com/office/drawing/2010/main" val="0"/>
@@ -9095,8 +14299,8 @@
         </p:blipFill>
         <p:spPr bwMode="auto">
           <a:xfrm>
-            <a:off x="6495190" y="4207522"/>
-            <a:ext cx="751413" cy="744520"/>
+            <a:off x="4696663" y="5073242"/>
+            <a:ext cx="1166878" cy="1166878"/>
           </a:xfrm>
           <a:prstGeom prst="rect">
             <a:avLst/>
@@ -9113,10 +14317,195 @@
           </a:extLst>
         </p:spPr>
       </p:pic>
+      <p:pic>
+        <p:nvPicPr>
+          <p:cNvPr id="17" name="Picture 6" descr="Sword Images - ClipArt Best">
+            <a:extLst>
+              <a:ext uri="{FF2B5EF4-FFF2-40B4-BE49-F238E27FC236}">
+                <a16:creationId xmlns:a16="http://schemas.microsoft.com/office/drawing/2014/main" id="{E38EEDCC-D7D7-31C5-6A4D-760A6C2C8E8B}"/>
+              </a:ext>
+            </a:extLst>
+          </p:cNvPr>
+          <p:cNvPicPr>
+            <a:picLocks noChangeAspect="1" noChangeArrowheads="1"/>
+          </p:cNvPicPr>
+          <p:nvPr/>
+        </p:nvPicPr>
+        <p:blipFill>
+          <a:blip r:embed="rId3">
+            <a:extLst>
+              <a:ext uri="{28A0092B-C50C-407E-A947-70E740481C1C}">
+                <a14:useLocalDpi xmlns:a14="http://schemas.microsoft.com/office/drawing/2010/main" val="0"/>
+              </a:ext>
+            </a:extLst>
+          </a:blip>
+          <a:srcRect/>
+          <a:stretch>
+            <a:fillRect/>
+          </a:stretch>
+        </p:blipFill>
+        <p:spPr bwMode="auto">
+          <a:xfrm>
+            <a:off x="6478991" y="3745283"/>
+            <a:ext cx="751413" cy="744520"/>
+          </a:xfrm>
+          <a:prstGeom prst="rect">
+            <a:avLst/>
+          </a:prstGeom>
+          <a:noFill/>
+          <a:extLst>
+            <a:ext uri="{909E8E84-426E-40DD-AFC4-6F175D3DCCD1}">
+              <a14:hiddenFill xmlns:a14="http://schemas.microsoft.com/office/drawing/2010/main">
+                <a:solidFill>
+                  <a:srgbClr val="FFFFFF"/>
+                </a:solidFill>
+              </a14:hiddenFill>
+            </a:ext>
+          </a:extLst>
+        </p:spPr>
+      </p:pic>
+      <p:sp>
+        <p:nvSpPr>
+          <p:cNvPr id="18" name="TextBox 17">
+            <a:extLst>
+              <a:ext uri="{FF2B5EF4-FFF2-40B4-BE49-F238E27FC236}">
+                <a16:creationId xmlns:a16="http://schemas.microsoft.com/office/drawing/2014/main" id="{36F77F19-9797-9A56-FF0E-A96A58FEE66C}"/>
+              </a:ext>
+            </a:extLst>
+          </p:cNvPr>
+          <p:cNvSpPr txBox="1"/>
+          <p:nvPr/>
+        </p:nvSpPr>
+        <p:spPr>
+          <a:xfrm>
+            <a:off x="7578179" y="4114572"/>
+            <a:ext cx="3697495" cy="1415772"/>
+          </a:xfrm>
+          <a:prstGeom prst="rect">
+            <a:avLst/>
+          </a:prstGeom>
+          <a:noFill/>
+        </p:spPr>
+        <p:txBody>
+          <a:bodyPr wrap="square" rtlCol="0">
+            <a:spAutoFit/>
+          </a:bodyPr>
+          <a:lstStyle/>
+          <a:p>
+            <a:r>
+              <a:rPr lang="en-US" sz="3200" dirty="0" err="1"/>
+              <a:t>Kretanje</a:t>
+            </a:r>
+            <a:r>
+              <a:rPr lang="en-US" sz="3200" dirty="0"/>
+              <a:t>:</a:t>
+            </a:r>
+          </a:p>
+          <a:p>
+            <a:r>
+              <a:rPr lang="en-US" dirty="0"/>
+              <a:t>-</a:t>
+            </a:r>
+            <a:r>
+              <a:rPr lang="en-US" dirty="0" err="1"/>
+              <a:t>okomito</a:t>
+            </a:r>
+            <a:r>
+              <a:rPr lang="en-US" dirty="0"/>
+              <a:t> </a:t>
+            </a:r>
+            <a:r>
+              <a:rPr lang="en-US" dirty="0" err="1"/>
+              <a:t>i</a:t>
+            </a:r>
+            <a:r>
+              <a:rPr lang="en-US" dirty="0"/>
+              <a:t> </a:t>
+            </a:r>
+            <a:r>
+              <a:rPr lang="en-US" dirty="0" err="1"/>
+              <a:t>vodoravno</a:t>
+            </a:r>
+            <a:r>
+              <a:rPr lang="en-US" dirty="0"/>
+              <a:t> </a:t>
+            </a:r>
+          </a:p>
+          <a:p>
+            <a:r>
+              <a:rPr lang="en-US" dirty="0"/>
+              <a:t>-</a:t>
+            </a:r>
+            <a:r>
+              <a:rPr lang="en-US" dirty="0" err="1"/>
+              <a:t>nemože</a:t>
+            </a:r>
+            <a:r>
+              <a:rPr lang="en-US" dirty="0"/>
+              <a:t> “</a:t>
+            </a:r>
+            <a:r>
+              <a:rPr lang="en-US" dirty="0" err="1"/>
+              <a:t>preskakti</a:t>
+            </a:r>
+            <a:r>
+              <a:rPr lang="en-US" dirty="0"/>
+              <a:t>” figure</a:t>
+            </a:r>
+          </a:p>
+          <a:p>
+            <a:r>
+              <a:rPr lang="en-US" dirty="0"/>
+              <a:t>-</a:t>
+            </a:r>
+            <a:r>
+              <a:rPr lang="en-US" dirty="0" err="1"/>
+              <a:t>rošada</a:t>
+            </a:r>
+            <a:endParaRPr lang="en-US" dirty="0"/>
+          </a:p>
+        </p:txBody>
+      </p:sp>
+      <p:pic>
+        <p:nvPicPr>
+          <p:cNvPr id="19" name="Picture 18" descr="A white chess piece on a black background&#10;&#10;Description automatically generated">
+            <a:extLst>
+              <a:ext uri="{FF2B5EF4-FFF2-40B4-BE49-F238E27FC236}">
+                <a16:creationId xmlns:a16="http://schemas.microsoft.com/office/drawing/2014/main" id="{F36F5118-B887-84F5-CF4C-0EF86DD4CDB9}"/>
+              </a:ext>
+            </a:extLst>
+          </p:cNvPr>
+          <p:cNvPicPr>
+            <a:picLocks noChangeAspect="1"/>
+          </p:cNvPicPr>
+          <p:nvPr/>
+        </p:nvPicPr>
+        <p:blipFill>
+          <a:blip r:embed="rId6">
+            <a:extLst>
+              <a:ext uri="{28A0092B-C50C-407E-A947-70E740481C1C}">
+                <a14:useLocalDpi xmlns:a14="http://schemas.microsoft.com/office/drawing/2010/main" val="0"/>
+              </a:ext>
+            </a:extLst>
+          </a:blip>
+          <a:stretch>
+            <a:fillRect/>
+          </a:stretch>
+        </p:blipFill>
+        <p:spPr>
+          <a:xfrm>
+            <a:off x="11506199" y="138934"/>
+            <a:ext cx="529761" cy="784831"/>
+          </a:xfrm>
+          <a:prstGeom prst="rect">
+            <a:avLst/>
+          </a:prstGeom>
+        </p:spPr>
+      </p:pic>
     </p:spTree>
     <p:extLst>
       <p:ext uri="{BB962C8B-B14F-4D97-AF65-F5344CB8AC3E}">
-        <p14:creationId xmlns:p14="http://schemas.microsoft.com/office/powerpoint/2010/main" val="679541653"/>
+        <p14:creationId xmlns:p14="http://schemas.microsoft.com/office/powerpoint/2010/main" val="3815752141"/>
       </p:ext>
     </p:extLst>
   </p:cSld>
@@ -9178,7 +14567,7 @@
             </a:r>
             <a:r>
               <a:rPr lang="en-US" dirty="0" err="1"/>
-              <a:t>pijun</a:t>
+              <a:t>kraljica</a:t>
             </a:r>
             <a:endParaRPr lang="en-US" dirty="0"/>
           </a:p>
@@ -9213,7 +14602,7 @@
         </p:blipFill>
         <p:spPr bwMode="auto">
           <a:xfrm>
-            <a:off x="4696663" y="3178315"/>
+            <a:off x="4715810" y="3471109"/>
             <a:ext cx="1166878" cy="1166878"/>
           </a:xfrm>
           <a:prstGeom prst="rect">
@@ -9260,7 +14649,7 @@
         </p:blipFill>
         <p:spPr bwMode="auto">
           <a:xfrm>
-            <a:off x="6531039" y="3474456"/>
+            <a:off x="6478990" y="2926663"/>
             <a:ext cx="751413" cy="744520"/>
           </a:xfrm>
           <a:prstGeom prst="rect">
@@ -9292,7 +14681,7 @@
         </p:nvSpPr>
         <p:spPr>
           <a:xfrm>
-            <a:off x="4865663" y="2078904"/>
+            <a:off x="4857501" y="2166901"/>
             <a:ext cx="855510" cy="584775"/>
           </a:xfrm>
           <a:prstGeom prst="rect">
@@ -9417,8 +14806,8 @@
         </p:nvSpPr>
         <p:spPr>
           <a:xfrm>
-            <a:off x="8771138" y="3097089"/>
-            <a:ext cx="836124" cy="1569660"/>
+            <a:off x="9139829" y="3096863"/>
+            <a:ext cx="574196" cy="1015663"/>
           </a:xfrm>
           <a:prstGeom prst="rect">
             <a:avLst/>
@@ -9426,14 +14815,14 @@
           <a:noFill/>
         </p:spPr>
         <p:txBody>
-          <a:bodyPr wrap="square" rtlCol="0">
+          <a:bodyPr wrap="none" rtlCol="0">
             <a:spAutoFit/>
           </a:bodyPr>
           <a:lstStyle/>
           <a:p>
             <a:r>
-              <a:rPr lang="en-US" sz="9600" dirty="0"/>
-              <a:t>∞</a:t>
+              <a:rPr lang="en-US" sz="6000" dirty="0"/>
+              <a:t>9</a:t>
             </a:r>
           </a:p>
         </p:txBody>
@@ -9467,7 +14856,7 @@
         </p:blipFill>
         <p:spPr bwMode="auto">
           <a:xfrm>
-            <a:off x="4696663" y="3897342"/>
+            <a:off x="4696663" y="4239019"/>
             <a:ext cx="1166878" cy="1166878"/>
           </a:xfrm>
           <a:prstGeom prst="rect">
@@ -9514,7 +14903,7 @@
         </p:blipFill>
         <p:spPr bwMode="auto">
           <a:xfrm>
-            <a:off x="4696663" y="2459288"/>
+            <a:off x="4715810" y="2688186"/>
             <a:ext cx="1166878" cy="1166878"/>
           </a:xfrm>
           <a:prstGeom prst="rect">
@@ -9534,10 +14923,10 @@
       </p:pic>
       <p:pic>
         <p:nvPicPr>
-          <p:cNvPr id="15" name="Picture 4" descr="Heart No Background - Cliparts.co">
-            <a:extLst>
-              <a:ext uri="{FF2B5EF4-FFF2-40B4-BE49-F238E27FC236}">
-                <a16:creationId xmlns:a16="http://schemas.microsoft.com/office/drawing/2014/main" id="{89BB2C58-2F97-2855-5ADB-34ACD6AB8CBB}"/>
+          <p:cNvPr id="17" name="Picture 6" descr="Sword Images - ClipArt Best">
+            <a:extLst>
+              <a:ext uri="{FF2B5EF4-FFF2-40B4-BE49-F238E27FC236}">
+                <a16:creationId xmlns:a16="http://schemas.microsoft.com/office/drawing/2014/main" id="{E38EEDCC-D7D7-31C5-6A4D-760A6C2C8E8B}"/>
               </a:ext>
             </a:extLst>
           </p:cNvPr>
@@ -9547,7 +14936,7 @@
           <p:nvPr/>
         </p:nvPicPr>
         <p:blipFill>
-          <a:blip r:embed="rId2">
+          <a:blip r:embed="rId3">
             <a:extLst>
               <a:ext uri="{28A0092B-C50C-407E-A947-70E740481C1C}">
                 <a14:useLocalDpi xmlns:a14="http://schemas.microsoft.com/office/drawing/2010/main" val="0"/>
@@ -9561,8 +14950,8 @@
         </p:blipFill>
         <p:spPr bwMode="auto">
           <a:xfrm>
-            <a:off x="4696663" y="4591056"/>
-            <a:ext cx="1166878" cy="1166878"/>
+            <a:off x="6505542" y="3548010"/>
+            <a:ext cx="751413" cy="744520"/>
           </a:xfrm>
           <a:prstGeom prst="rect">
             <a:avLst/>
@@ -9581,10 +14970,10 @@
       </p:pic>
       <p:pic>
         <p:nvPicPr>
-          <p:cNvPr id="6" name="Picture 5" descr="A blue chess piece with a black background&#10;&#10;Description automatically generated">
-            <a:extLst>
-              <a:ext uri="{FF2B5EF4-FFF2-40B4-BE49-F238E27FC236}">
-                <a16:creationId xmlns:a16="http://schemas.microsoft.com/office/drawing/2014/main" id="{B2659824-78B4-423B-E2A1-CC3331BC03EE}"/>
+          <p:cNvPr id="20" name="Picture 19" descr="A blue chess piece on a black background&#10;&#10;Description automatically generated">
+            <a:extLst>
+              <a:ext uri="{FF2B5EF4-FFF2-40B4-BE49-F238E27FC236}">
+                <a16:creationId xmlns:a16="http://schemas.microsoft.com/office/drawing/2014/main" id="{39A09A0B-89FA-A107-2094-92B56AD17A55}"/>
               </a:ext>
             </a:extLst>
           </p:cNvPr>
@@ -9607,8 +14996,8 @@
         </p:blipFill>
         <p:spPr>
           <a:xfrm>
-            <a:off x="2399843" y="2078904"/>
-            <a:ext cx="2146290" cy="3727304"/>
+            <a:off x="2116901" y="2166901"/>
+            <a:ext cx="2125149" cy="3805499"/>
           </a:xfrm>
           <a:prstGeom prst="rect">
             <a:avLst/>
@@ -9617,10 +15006,10 @@
       </p:pic>
       <p:pic>
         <p:nvPicPr>
-          <p:cNvPr id="7" name="Picture 6" descr="A white chess piece with a black background&#10;&#10;Description automatically generated">
-            <a:extLst>
-              <a:ext uri="{FF2B5EF4-FFF2-40B4-BE49-F238E27FC236}">
-                <a16:creationId xmlns:a16="http://schemas.microsoft.com/office/drawing/2014/main" id="{721F64A5-57EA-A9BC-9D7F-F7CC7F45792A}"/>
+          <p:cNvPr id="21" name="Picture 20" descr="A white chess piece with a crown&#10;&#10;Description automatically generated">
+            <a:extLst>
+              <a:ext uri="{FF2B5EF4-FFF2-40B4-BE49-F238E27FC236}">
+                <a16:creationId xmlns:a16="http://schemas.microsoft.com/office/drawing/2014/main" id="{7DAE7F4D-494E-DD0D-6100-75408D5011A9}"/>
               </a:ext>
             </a:extLst>
           </p:cNvPr>
@@ -9643,8 +15032,190 @@
         </p:blipFill>
         <p:spPr>
           <a:xfrm>
-            <a:off x="613555" y="2111785"/>
-            <a:ext cx="2312470" cy="3694424"/>
+            <a:off x="610532" y="2079884"/>
+            <a:ext cx="1937345" cy="3686887"/>
+          </a:xfrm>
+          <a:prstGeom prst="rect">
+            <a:avLst/>
+          </a:prstGeom>
+        </p:spPr>
+      </p:pic>
+      <p:pic>
+        <p:nvPicPr>
+          <p:cNvPr id="22" name="Picture 6" descr="Sword Images - ClipArt Best">
+            <a:extLst>
+              <a:ext uri="{FF2B5EF4-FFF2-40B4-BE49-F238E27FC236}">
+                <a16:creationId xmlns:a16="http://schemas.microsoft.com/office/drawing/2014/main" id="{66780065-D0F3-6BF5-E4F3-BF6821BB8F26}"/>
+              </a:ext>
+            </a:extLst>
+          </p:cNvPr>
+          <p:cNvPicPr>
+            <a:picLocks noChangeAspect="1" noChangeArrowheads="1"/>
+          </p:cNvPicPr>
+          <p:nvPr/>
+        </p:nvPicPr>
+        <p:blipFill>
+          <a:blip r:embed="rId3">
+            <a:extLst>
+              <a:ext uri="{28A0092B-C50C-407E-A947-70E740481C1C}">
+                <a14:useLocalDpi xmlns:a14="http://schemas.microsoft.com/office/drawing/2010/main" val="0"/>
+              </a:ext>
+            </a:extLst>
+          </a:blip>
+          <a:srcRect/>
+          <a:stretch>
+            <a:fillRect/>
+          </a:stretch>
+        </p:blipFill>
+        <p:spPr bwMode="auto">
+          <a:xfrm>
+            <a:off x="6495190" y="4207522"/>
+            <a:ext cx="751413" cy="744520"/>
+          </a:xfrm>
+          <a:prstGeom prst="rect">
+            <a:avLst/>
+          </a:prstGeom>
+          <a:noFill/>
+          <a:extLst>
+            <a:ext uri="{909E8E84-426E-40DD-AFC4-6F175D3DCCD1}">
+              <a14:hiddenFill xmlns:a14="http://schemas.microsoft.com/office/drawing/2010/main">
+                <a:solidFill>
+                  <a:srgbClr val="FFFFFF"/>
+                </a:solidFill>
+              </a14:hiddenFill>
+            </a:ext>
+          </a:extLst>
+        </p:spPr>
+      </p:pic>
+      <p:sp>
+        <p:nvSpPr>
+          <p:cNvPr id="23" name="TextBox 22">
+            <a:extLst>
+              <a:ext uri="{FF2B5EF4-FFF2-40B4-BE49-F238E27FC236}">
+                <a16:creationId xmlns:a16="http://schemas.microsoft.com/office/drawing/2014/main" id="{DD473FC1-35AE-47A0-497E-19503A0B07D2}"/>
+              </a:ext>
+            </a:extLst>
+          </p:cNvPr>
+          <p:cNvSpPr txBox="1"/>
+          <p:nvPr/>
+        </p:nvSpPr>
+        <p:spPr>
+          <a:xfrm>
+            <a:off x="7578179" y="4114572"/>
+            <a:ext cx="3697495" cy="1415772"/>
+          </a:xfrm>
+          <a:prstGeom prst="rect">
+            <a:avLst/>
+          </a:prstGeom>
+          <a:noFill/>
+        </p:spPr>
+        <p:txBody>
+          <a:bodyPr wrap="square" rtlCol="0">
+            <a:spAutoFit/>
+          </a:bodyPr>
+          <a:lstStyle/>
+          <a:p>
+            <a:r>
+              <a:rPr lang="en-US" sz="3200" dirty="0" err="1"/>
+              <a:t>Kretanje</a:t>
+            </a:r>
+            <a:r>
+              <a:rPr lang="en-US" sz="3200" dirty="0"/>
+              <a:t>:</a:t>
+            </a:r>
+          </a:p>
+          <a:p>
+            <a:r>
+              <a:rPr lang="en-US" dirty="0"/>
+              <a:t>-po </a:t>
+            </a:r>
+            <a:r>
+              <a:rPr lang="en-US" dirty="0" err="1"/>
+              <a:t>dijagonalama</a:t>
+            </a:r>
+            <a:r>
+              <a:rPr lang="en-US" dirty="0"/>
+              <a:t>, </a:t>
+            </a:r>
+            <a:r>
+              <a:rPr lang="en-US" dirty="0" err="1"/>
+              <a:t>okomito</a:t>
+            </a:r>
+            <a:r>
+              <a:rPr lang="en-US" dirty="0"/>
+              <a:t> </a:t>
+            </a:r>
+            <a:r>
+              <a:rPr lang="en-US" dirty="0" err="1"/>
+              <a:t>i</a:t>
+            </a:r>
+            <a:r>
+              <a:rPr lang="en-US" dirty="0"/>
+              <a:t> </a:t>
+            </a:r>
+            <a:r>
+              <a:rPr lang="en-US" dirty="0" err="1"/>
+              <a:t>vodoravno</a:t>
+            </a:r>
+            <a:r>
+              <a:rPr lang="en-US" dirty="0"/>
+              <a:t> </a:t>
+            </a:r>
+          </a:p>
+          <a:p>
+            <a:r>
+              <a:rPr lang="en-US" dirty="0"/>
+              <a:t>-</a:t>
+            </a:r>
+            <a:r>
+              <a:rPr lang="en-US" dirty="0" err="1"/>
+              <a:t>nemože</a:t>
+            </a:r>
+            <a:r>
+              <a:rPr lang="en-US" dirty="0"/>
+              <a:t> “</a:t>
+            </a:r>
+            <a:r>
+              <a:rPr lang="en-US" dirty="0" err="1"/>
+              <a:t>preskakti</a:t>
+            </a:r>
+            <a:r>
+              <a:rPr lang="en-US" dirty="0"/>
+              <a:t>” figure</a:t>
+            </a:r>
+          </a:p>
+        </p:txBody>
+      </p:sp>
+      <p:pic>
+        <p:nvPicPr>
+          <p:cNvPr id="24" name="Picture 23" descr="A white chess piece on a black background&#10;&#10;Description automatically generated">
+            <a:extLst>
+              <a:ext uri="{FF2B5EF4-FFF2-40B4-BE49-F238E27FC236}">
+                <a16:creationId xmlns:a16="http://schemas.microsoft.com/office/drawing/2014/main" id="{35C9B27D-5409-5C7C-F231-C5F5D60142F6}"/>
+              </a:ext>
+            </a:extLst>
+          </p:cNvPr>
+          <p:cNvPicPr>
+            <a:picLocks noChangeAspect="1"/>
+          </p:cNvPicPr>
+          <p:nvPr/>
+        </p:nvPicPr>
+        <p:blipFill>
+          <a:blip r:embed="rId6">
+            <a:extLst>
+              <a:ext uri="{28A0092B-C50C-407E-A947-70E740481C1C}">
+                <a14:useLocalDpi xmlns:a14="http://schemas.microsoft.com/office/drawing/2010/main" val="0"/>
+              </a:ext>
+            </a:extLst>
+          </a:blip>
+          <a:stretch>
+            <a:fillRect/>
+          </a:stretch>
+        </p:blipFill>
+        <p:spPr>
+          <a:xfrm>
+            <a:off x="11506199" y="138934"/>
+            <a:ext cx="529761" cy="784831"/>
           </a:xfrm>
           <a:prstGeom prst="rect">
             <a:avLst/>
@@ -9654,7 +15225,7 @@
     </p:spTree>
     <p:extLst>
       <p:ext uri="{BB962C8B-B14F-4D97-AF65-F5344CB8AC3E}">
-        <p14:creationId xmlns:p14="http://schemas.microsoft.com/office/powerpoint/2010/main" val="3321613000"/>
+        <p14:creationId xmlns:p14="http://schemas.microsoft.com/office/powerpoint/2010/main" val="679541653"/>
       </p:ext>
     </p:extLst>
   </p:cSld>
@@ -9686,7 +15257,7 @@
           <p:cNvPr id="2" name="Title 1">
             <a:extLst>
               <a:ext uri="{FF2B5EF4-FFF2-40B4-BE49-F238E27FC236}">
-                <a16:creationId xmlns:a16="http://schemas.microsoft.com/office/drawing/2014/main" id="{8266C488-7F84-EC91-873D-FFC4F72D3BB8}"/>
+                <a16:creationId xmlns:a16="http://schemas.microsoft.com/office/drawing/2014/main" id="{21A575B7-06B1-1028-469E-F7F8131130DC}"/>
               </a:ext>
             </a:extLst>
           </p:cNvPr>
@@ -9702,39 +15273,645 @@
           <a:bodyPr/>
           <a:lstStyle/>
           <a:p>
-            <a:endParaRPr lang="en-US"/>
-          </a:p>
-        </p:txBody>
-      </p:sp>
-      <p:sp>
-        <p:nvSpPr>
-          <p:cNvPr id="3" name="Content Placeholder 2">
-            <a:extLst>
-              <a:ext uri="{FF2B5EF4-FFF2-40B4-BE49-F238E27FC236}">
-                <a16:creationId xmlns:a16="http://schemas.microsoft.com/office/drawing/2014/main" id="{4AF076AF-1484-1267-E914-62C6279F11FB}"/>
-              </a:ext>
-            </a:extLst>
-          </p:cNvPr>
-          <p:cNvSpPr>
-            <a:spLocks noGrp="1"/>
-          </p:cNvSpPr>
-          <p:nvPr>
-            <p:ph idx="1"/>
-          </p:nvPr>
-        </p:nvSpPr>
-        <p:spPr/>
-        <p:txBody>
-          <a:bodyPr/>
+            <a:r>
+              <a:rPr lang="en-US" dirty="0"/>
+              <a:t>Figure </a:t>
+            </a:r>
+            <a:r>
+              <a:rPr lang="en-US" dirty="0" err="1"/>
+              <a:t>atributi</a:t>
+            </a:r>
+            <a:r>
+              <a:rPr lang="en-US" dirty="0"/>
+              <a:t> - </a:t>
+            </a:r>
+            <a:r>
+              <a:rPr lang="en-US" dirty="0" err="1"/>
+              <a:t>kralj</a:t>
+            </a:r>
+            <a:endParaRPr lang="en-US" dirty="0"/>
+          </a:p>
+        </p:txBody>
+      </p:sp>
+      <p:pic>
+        <p:nvPicPr>
+          <p:cNvPr id="4" name="Picture 4" descr="Heart No Background - Cliparts.co">
+            <a:extLst>
+              <a:ext uri="{FF2B5EF4-FFF2-40B4-BE49-F238E27FC236}">
+                <a16:creationId xmlns:a16="http://schemas.microsoft.com/office/drawing/2014/main" id="{2371F0B8-DCA8-B4BA-6FFB-D6D27DA906F4}"/>
+              </a:ext>
+            </a:extLst>
+          </p:cNvPr>
+          <p:cNvPicPr>
+            <a:picLocks noChangeAspect="1" noChangeArrowheads="1"/>
+          </p:cNvPicPr>
+          <p:nvPr/>
+        </p:nvPicPr>
+        <p:blipFill>
+          <a:blip r:embed="rId2">
+            <a:extLst>
+              <a:ext uri="{28A0092B-C50C-407E-A947-70E740481C1C}">
+                <a14:useLocalDpi xmlns:a14="http://schemas.microsoft.com/office/drawing/2010/main" val="0"/>
+              </a:ext>
+            </a:extLst>
+          </a:blip>
+          <a:srcRect/>
+          <a:stretch>
+            <a:fillRect/>
+          </a:stretch>
+        </p:blipFill>
+        <p:spPr bwMode="auto">
+          <a:xfrm>
+            <a:off x="4696663" y="3178315"/>
+            <a:ext cx="1166878" cy="1166878"/>
+          </a:xfrm>
+          <a:prstGeom prst="rect">
+            <a:avLst/>
+          </a:prstGeom>
+          <a:noFill/>
+          <a:extLst>
+            <a:ext uri="{909E8E84-426E-40DD-AFC4-6F175D3DCCD1}">
+              <a14:hiddenFill xmlns:a14="http://schemas.microsoft.com/office/drawing/2010/main">
+                <a:solidFill>
+                  <a:srgbClr val="FFFFFF"/>
+                </a:solidFill>
+              </a14:hiddenFill>
+            </a:ext>
+          </a:extLst>
+        </p:spPr>
+      </p:pic>
+      <p:pic>
+        <p:nvPicPr>
+          <p:cNvPr id="5" name="Picture 6" descr="Sword Images - ClipArt Best">
+            <a:extLst>
+              <a:ext uri="{FF2B5EF4-FFF2-40B4-BE49-F238E27FC236}">
+                <a16:creationId xmlns:a16="http://schemas.microsoft.com/office/drawing/2014/main" id="{672FACAF-C3C5-BD62-D821-25477349CF01}"/>
+              </a:ext>
+            </a:extLst>
+          </p:cNvPr>
+          <p:cNvPicPr>
+            <a:picLocks noChangeAspect="1" noChangeArrowheads="1"/>
+          </p:cNvPicPr>
+          <p:nvPr/>
+        </p:nvPicPr>
+        <p:blipFill>
+          <a:blip r:embed="rId3">
+            <a:extLst>
+              <a:ext uri="{28A0092B-C50C-407E-A947-70E740481C1C}">
+                <a14:useLocalDpi xmlns:a14="http://schemas.microsoft.com/office/drawing/2010/main" val="0"/>
+              </a:ext>
+            </a:extLst>
+          </a:blip>
+          <a:srcRect/>
+          <a:stretch>
+            <a:fillRect/>
+          </a:stretch>
+        </p:blipFill>
+        <p:spPr bwMode="auto">
+          <a:xfrm>
+            <a:off x="6531039" y="3474456"/>
+            <a:ext cx="751413" cy="744520"/>
+          </a:xfrm>
+          <a:prstGeom prst="rect">
+            <a:avLst/>
+          </a:prstGeom>
+          <a:noFill/>
+          <a:extLst>
+            <a:ext uri="{909E8E84-426E-40DD-AFC4-6F175D3DCCD1}">
+              <a14:hiddenFill xmlns:a14="http://schemas.microsoft.com/office/drawing/2010/main">
+                <a:solidFill>
+                  <a:srgbClr val="FFFFFF"/>
+                </a:solidFill>
+              </a14:hiddenFill>
+            </a:ext>
+          </a:extLst>
+        </p:spPr>
+      </p:pic>
+      <p:sp>
+        <p:nvSpPr>
+          <p:cNvPr id="8" name="TextBox 7">
+            <a:extLst>
+              <a:ext uri="{FF2B5EF4-FFF2-40B4-BE49-F238E27FC236}">
+                <a16:creationId xmlns:a16="http://schemas.microsoft.com/office/drawing/2014/main" id="{7815223F-BC38-8EEE-A7C6-024B283936B0}"/>
+              </a:ext>
+            </a:extLst>
+          </p:cNvPr>
+          <p:cNvSpPr txBox="1"/>
+          <p:nvPr/>
+        </p:nvSpPr>
+        <p:spPr>
+          <a:xfrm>
+            <a:off x="7550512" y="4203273"/>
+            <a:ext cx="3697495" cy="1138773"/>
+          </a:xfrm>
+          <a:prstGeom prst="rect">
+            <a:avLst/>
+          </a:prstGeom>
+          <a:noFill/>
+        </p:spPr>
+        <p:txBody>
+          <a:bodyPr wrap="square" rtlCol="0">
+            <a:spAutoFit/>
+          </a:bodyPr>
           <a:lstStyle/>
           <a:p>
-            <a:endParaRPr lang="en-US"/>
-          </a:p>
-        </p:txBody>
-      </p:sp>
+            <a:r>
+              <a:rPr lang="en-US" sz="3200" dirty="0" err="1"/>
+              <a:t>Kretanje</a:t>
+            </a:r>
+            <a:r>
+              <a:rPr lang="en-US" sz="3200" dirty="0"/>
+              <a:t>:</a:t>
+            </a:r>
+          </a:p>
+          <a:p>
+            <a:r>
+              <a:rPr lang="en-US" dirty="0"/>
+              <a:t>-</a:t>
+            </a:r>
+            <a:r>
+              <a:rPr lang="en-US" dirty="0" err="1"/>
+              <a:t>bilokoje</a:t>
+            </a:r>
+            <a:r>
+              <a:rPr lang="en-US" dirty="0"/>
+              <a:t> polje s </a:t>
+            </a:r>
+            <a:r>
+              <a:rPr lang="en-US" dirty="0" err="1"/>
+              <a:t>kojim</a:t>
+            </a:r>
+            <a:r>
+              <a:rPr lang="en-US" dirty="0"/>
+              <a:t> </a:t>
+            </a:r>
+            <a:r>
+              <a:rPr lang="en-US" dirty="0" err="1"/>
+              <a:t>dijeli</a:t>
+            </a:r>
+            <a:r>
+              <a:rPr lang="en-US" dirty="0"/>
+              <a:t> </a:t>
+            </a:r>
+            <a:r>
+              <a:rPr lang="en-US" dirty="0" err="1"/>
+              <a:t>vrh</a:t>
+            </a:r>
+            <a:r>
+              <a:rPr lang="en-US" dirty="0"/>
+              <a:t> s </a:t>
+            </a:r>
+            <a:r>
+              <a:rPr lang="en-US" dirty="0" err="1"/>
+              <a:t>njim</a:t>
+            </a:r>
+            <a:endParaRPr lang="en-US" dirty="0"/>
+          </a:p>
+          <a:p>
+            <a:r>
+              <a:rPr lang="en-US" dirty="0"/>
+              <a:t>-</a:t>
+            </a:r>
+            <a:r>
+              <a:rPr lang="en-US" dirty="0" err="1"/>
+              <a:t>rošada</a:t>
+            </a:r>
+            <a:r>
+              <a:rPr lang="en-US" dirty="0"/>
+              <a:t> (</a:t>
+            </a:r>
+            <a:r>
+              <a:rPr lang="en-US" dirty="0" err="1"/>
+              <a:t>standardna</a:t>
+            </a:r>
+            <a:r>
+              <a:rPr lang="en-US" dirty="0"/>
+              <a:t> </a:t>
+            </a:r>
+            <a:r>
+              <a:rPr lang="en-US" dirty="0" err="1"/>
+              <a:t>pravila</a:t>
+            </a:r>
+            <a:r>
+              <a:rPr lang="en-US" dirty="0"/>
+              <a:t>)</a:t>
+            </a:r>
+          </a:p>
+        </p:txBody>
+      </p:sp>
+      <p:sp>
+        <p:nvSpPr>
+          <p:cNvPr id="9" name="TextBox 8">
+            <a:extLst>
+              <a:ext uri="{FF2B5EF4-FFF2-40B4-BE49-F238E27FC236}">
+                <a16:creationId xmlns:a16="http://schemas.microsoft.com/office/drawing/2014/main" id="{B11456E0-D8EE-9A4B-FAAD-0C7660CF5E0F}"/>
+              </a:ext>
+            </a:extLst>
+          </p:cNvPr>
+          <p:cNvSpPr txBox="1"/>
+          <p:nvPr/>
+        </p:nvSpPr>
+        <p:spPr>
+          <a:xfrm>
+            <a:off x="6478991" y="2166901"/>
+            <a:ext cx="855510" cy="584775"/>
+          </a:xfrm>
+          <a:prstGeom prst="rect">
+            <a:avLst/>
+          </a:prstGeom>
+          <a:noFill/>
+        </p:spPr>
+        <p:txBody>
+          <a:bodyPr wrap="square" rtlCol="0">
+            <a:spAutoFit/>
+          </a:bodyPr>
+          <a:lstStyle/>
+          <a:p>
+            <a:r>
+              <a:rPr lang="en-US" sz="3200" dirty="0"/>
+              <a:t>AD:</a:t>
+            </a:r>
+          </a:p>
+        </p:txBody>
+      </p:sp>
+      <p:sp>
+        <p:nvSpPr>
+          <p:cNvPr id="10" name="TextBox 9">
+            <a:extLst>
+              <a:ext uri="{FF2B5EF4-FFF2-40B4-BE49-F238E27FC236}">
+                <a16:creationId xmlns:a16="http://schemas.microsoft.com/office/drawing/2014/main" id="{C672AAA9-6138-2AD2-219A-B61493946FFA}"/>
+              </a:ext>
+            </a:extLst>
+          </p:cNvPr>
+          <p:cNvSpPr txBox="1"/>
+          <p:nvPr/>
+        </p:nvSpPr>
+        <p:spPr>
+          <a:xfrm>
+            <a:off x="7949951" y="1729328"/>
+            <a:ext cx="3387571" cy="1077218"/>
+          </a:xfrm>
+          <a:prstGeom prst="rect">
+            <a:avLst/>
+          </a:prstGeom>
+          <a:noFill/>
+        </p:spPr>
+        <p:txBody>
+          <a:bodyPr wrap="square" rtlCol="0">
+            <a:spAutoFit/>
+          </a:bodyPr>
+          <a:lstStyle/>
+          <a:p>
+            <a:r>
+              <a:rPr lang="en-US" sz="3200" dirty="0" err="1"/>
+              <a:t>Vrijednost</a:t>
+            </a:r>
+            <a:r>
+              <a:rPr lang="en-US" sz="3200" dirty="0"/>
+              <a:t> u </a:t>
+            </a:r>
+            <a:r>
+              <a:rPr lang="en-US" sz="3200" dirty="0" err="1"/>
+              <a:t>standardnom</a:t>
+            </a:r>
+            <a:r>
+              <a:rPr lang="en-US" sz="3200" dirty="0"/>
+              <a:t> </a:t>
+            </a:r>
+            <a:r>
+              <a:rPr lang="en-US" sz="3200" dirty="0" err="1"/>
+              <a:t>šahu</a:t>
+            </a:r>
+            <a:r>
+              <a:rPr lang="en-US" sz="3200" dirty="0"/>
+              <a:t>:</a:t>
+            </a:r>
+          </a:p>
+        </p:txBody>
+      </p:sp>
+      <p:sp>
+        <p:nvSpPr>
+          <p:cNvPr id="11" name="TextBox 10">
+            <a:extLst>
+              <a:ext uri="{FF2B5EF4-FFF2-40B4-BE49-F238E27FC236}">
+                <a16:creationId xmlns:a16="http://schemas.microsoft.com/office/drawing/2014/main" id="{0E6769F4-8412-D598-87B1-D1153737F520}"/>
+              </a:ext>
+            </a:extLst>
+          </p:cNvPr>
+          <p:cNvSpPr txBox="1"/>
+          <p:nvPr/>
+        </p:nvSpPr>
+        <p:spPr>
+          <a:xfrm>
+            <a:off x="8807612" y="2459288"/>
+            <a:ext cx="836124" cy="1569660"/>
+          </a:xfrm>
+          <a:prstGeom prst="rect">
+            <a:avLst/>
+          </a:prstGeom>
+          <a:noFill/>
+        </p:spPr>
+        <p:txBody>
+          <a:bodyPr wrap="square" rtlCol="0">
+            <a:spAutoFit/>
+          </a:bodyPr>
+          <a:lstStyle/>
+          <a:p>
+            <a:r>
+              <a:rPr lang="en-US" sz="9600" dirty="0"/>
+              <a:t>∞</a:t>
+            </a:r>
+          </a:p>
+        </p:txBody>
+      </p:sp>
+      <p:pic>
+        <p:nvPicPr>
+          <p:cNvPr id="13" name="Picture 4" descr="Heart No Background - Cliparts.co">
+            <a:extLst>
+              <a:ext uri="{FF2B5EF4-FFF2-40B4-BE49-F238E27FC236}">
+                <a16:creationId xmlns:a16="http://schemas.microsoft.com/office/drawing/2014/main" id="{712FD248-53D2-4F41-BE57-58D784F24BD4}"/>
+              </a:ext>
+            </a:extLst>
+          </p:cNvPr>
+          <p:cNvPicPr>
+            <a:picLocks noChangeAspect="1" noChangeArrowheads="1"/>
+          </p:cNvPicPr>
+          <p:nvPr/>
+        </p:nvPicPr>
+        <p:blipFill>
+          <a:blip r:embed="rId2">
+            <a:extLst>
+              <a:ext uri="{28A0092B-C50C-407E-A947-70E740481C1C}">
+                <a14:useLocalDpi xmlns:a14="http://schemas.microsoft.com/office/drawing/2010/main" val="0"/>
+              </a:ext>
+            </a:extLst>
+          </a:blip>
+          <a:srcRect/>
+          <a:stretch>
+            <a:fillRect/>
+          </a:stretch>
+        </p:blipFill>
+        <p:spPr bwMode="auto">
+          <a:xfrm>
+            <a:off x="4696663" y="3897342"/>
+            <a:ext cx="1166878" cy="1166878"/>
+          </a:xfrm>
+          <a:prstGeom prst="rect">
+            <a:avLst/>
+          </a:prstGeom>
+          <a:noFill/>
+          <a:extLst>
+            <a:ext uri="{909E8E84-426E-40DD-AFC4-6F175D3DCCD1}">
+              <a14:hiddenFill xmlns:a14="http://schemas.microsoft.com/office/drawing/2010/main">
+                <a:solidFill>
+                  <a:srgbClr val="FFFFFF"/>
+                </a:solidFill>
+              </a14:hiddenFill>
+            </a:ext>
+          </a:extLst>
+        </p:spPr>
+      </p:pic>
+      <p:pic>
+        <p:nvPicPr>
+          <p:cNvPr id="14" name="Picture 4" descr="Heart No Background - Cliparts.co">
+            <a:extLst>
+              <a:ext uri="{FF2B5EF4-FFF2-40B4-BE49-F238E27FC236}">
+                <a16:creationId xmlns:a16="http://schemas.microsoft.com/office/drawing/2014/main" id="{45D3C080-45D8-F9F6-2A29-014DB5F2B8ED}"/>
+              </a:ext>
+            </a:extLst>
+          </p:cNvPr>
+          <p:cNvPicPr>
+            <a:picLocks noChangeAspect="1" noChangeArrowheads="1"/>
+          </p:cNvPicPr>
+          <p:nvPr/>
+        </p:nvPicPr>
+        <p:blipFill>
+          <a:blip r:embed="rId2">
+            <a:extLst>
+              <a:ext uri="{28A0092B-C50C-407E-A947-70E740481C1C}">
+                <a14:useLocalDpi xmlns:a14="http://schemas.microsoft.com/office/drawing/2010/main" val="0"/>
+              </a:ext>
+            </a:extLst>
+          </a:blip>
+          <a:srcRect/>
+          <a:stretch>
+            <a:fillRect/>
+          </a:stretch>
+        </p:blipFill>
+        <p:spPr bwMode="auto">
+          <a:xfrm>
+            <a:off x="4696663" y="2459288"/>
+            <a:ext cx="1166878" cy="1166878"/>
+          </a:xfrm>
+          <a:prstGeom prst="rect">
+            <a:avLst/>
+          </a:prstGeom>
+          <a:noFill/>
+          <a:extLst>
+            <a:ext uri="{909E8E84-426E-40DD-AFC4-6F175D3DCCD1}">
+              <a14:hiddenFill xmlns:a14="http://schemas.microsoft.com/office/drawing/2010/main">
+                <a:solidFill>
+                  <a:srgbClr val="FFFFFF"/>
+                </a:solidFill>
+              </a14:hiddenFill>
+            </a:ext>
+          </a:extLst>
+        </p:spPr>
+      </p:pic>
+      <p:pic>
+        <p:nvPicPr>
+          <p:cNvPr id="15" name="Picture 4" descr="Heart No Background - Cliparts.co">
+            <a:extLst>
+              <a:ext uri="{FF2B5EF4-FFF2-40B4-BE49-F238E27FC236}">
+                <a16:creationId xmlns:a16="http://schemas.microsoft.com/office/drawing/2014/main" id="{89BB2C58-2F97-2855-5ADB-34ACD6AB8CBB}"/>
+              </a:ext>
+            </a:extLst>
+          </p:cNvPr>
+          <p:cNvPicPr>
+            <a:picLocks noChangeAspect="1" noChangeArrowheads="1"/>
+          </p:cNvPicPr>
+          <p:nvPr/>
+        </p:nvPicPr>
+        <p:blipFill>
+          <a:blip r:embed="rId2">
+            <a:extLst>
+              <a:ext uri="{28A0092B-C50C-407E-A947-70E740481C1C}">
+                <a14:useLocalDpi xmlns:a14="http://schemas.microsoft.com/office/drawing/2010/main" val="0"/>
+              </a:ext>
+            </a:extLst>
+          </a:blip>
+          <a:srcRect/>
+          <a:stretch>
+            <a:fillRect/>
+          </a:stretch>
+        </p:blipFill>
+        <p:spPr bwMode="auto">
+          <a:xfrm>
+            <a:off x="4696663" y="4591056"/>
+            <a:ext cx="1166878" cy="1166878"/>
+          </a:xfrm>
+          <a:prstGeom prst="rect">
+            <a:avLst/>
+          </a:prstGeom>
+          <a:noFill/>
+          <a:extLst>
+            <a:ext uri="{909E8E84-426E-40DD-AFC4-6F175D3DCCD1}">
+              <a14:hiddenFill xmlns:a14="http://schemas.microsoft.com/office/drawing/2010/main">
+                <a:solidFill>
+                  <a:srgbClr val="FFFFFF"/>
+                </a:solidFill>
+              </a14:hiddenFill>
+            </a:ext>
+          </a:extLst>
+        </p:spPr>
+      </p:pic>
+      <p:pic>
+        <p:nvPicPr>
+          <p:cNvPr id="6" name="Picture 5" descr="A blue chess piece with a black background&#10;&#10;Description automatically generated">
+            <a:extLst>
+              <a:ext uri="{FF2B5EF4-FFF2-40B4-BE49-F238E27FC236}">
+                <a16:creationId xmlns:a16="http://schemas.microsoft.com/office/drawing/2014/main" id="{B2659824-78B4-423B-E2A1-CC3331BC03EE}"/>
+              </a:ext>
+            </a:extLst>
+          </p:cNvPr>
+          <p:cNvPicPr>
+            <a:picLocks noChangeAspect="1"/>
+          </p:cNvPicPr>
+          <p:nvPr/>
+        </p:nvPicPr>
+        <p:blipFill>
+          <a:blip r:embed="rId4">
+            <a:extLst>
+              <a:ext uri="{28A0092B-C50C-407E-A947-70E740481C1C}">
+                <a14:useLocalDpi xmlns:a14="http://schemas.microsoft.com/office/drawing/2010/main" val="0"/>
+              </a:ext>
+            </a:extLst>
+          </a:blip>
+          <a:stretch>
+            <a:fillRect/>
+          </a:stretch>
+        </p:blipFill>
+        <p:spPr>
+          <a:xfrm>
+            <a:off x="2399843" y="2078904"/>
+            <a:ext cx="2146290" cy="3727304"/>
+          </a:xfrm>
+          <a:prstGeom prst="rect">
+            <a:avLst/>
+          </a:prstGeom>
+        </p:spPr>
+      </p:pic>
+      <p:pic>
+        <p:nvPicPr>
+          <p:cNvPr id="7" name="Picture 6" descr="A white chess piece with a black background&#10;&#10;Description automatically generated">
+            <a:extLst>
+              <a:ext uri="{FF2B5EF4-FFF2-40B4-BE49-F238E27FC236}">
+                <a16:creationId xmlns:a16="http://schemas.microsoft.com/office/drawing/2014/main" id="{721F64A5-57EA-A9BC-9D7F-F7CC7F45792A}"/>
+              </a:ext>
+            </a:extLst>
+          </p:cNvPr>
+          <p:cNvPicPr>
+            <a:picLocks noChangeAspect="1"/>
+          </p:cNvPicPr>
+          <p:nvPr/>
+        </p:nvPicPr>
+        <p:blipFill>
+          <a:blip r:embed="rId5">
+            <a:extLst>
+              <a:ext uri="{28A0092B-C50C-407E-A947-70E740481C1C}">
+                <a14:useLocalDpi xmlns:a14="http://schemas.microsoft.com/office/drawing/2010/main" val="0"/>
+              </a:ext>
+            </a:extLst>
+          </a:blip>
+          <a:stretch>
+            <a:fillRect/>
+          </a:stretch>
+        </p:blipFill>
+        <p:spPr>
+          <a:xfrm>
+            <a:off x="613555" y="2111785"/>
+            <a:ext cx="2312470" cy="3694424"/>
+          </a:xfrm>
+          <a:prstGeom prst="rect">
+            <a:avLst/>
+          </a:prstGeom>
+        </p:spPr>
+      </p:pic>
+      <p:sp>
+        <p:nvSpPr>
+          <p:cNvPr id="19" name="TextBox 18">
+            <a:extLst>
+              <a:ext uri="{FF2B5EF4-FFF2-40B4-BE49-F238E27FC236}">
+                <a16:creationId xmlns:a16="http://schemas.microsoft.com/office/drawing/2014/main" id="{A79C967D-E81D-DA66-BFB8-C865F325A06F}"/>
+              </a:ext>
+            </a:extLst>
+          </p:cNvPr>
+          <p:cNvSpPr txBox="1"/>
+          <p:nvPr/>
+        </p:nvSpPr>
+        <p:spPr>
+          <a:xfrm>
+            <a:off x="4896003" y="1975549"/>
+            <a:ext cx="855510" cy="584775"/>
+          </a:xfrm>
+          <a:prstGeom prst="rect">
+            <a:avLst/>
+          </a:prstGeom>
+          <a:noFill/>
+        </p:spPr>
+        <p:txBody>
+          <a:bodyPr wrap="square" rtlCol="0">
+            <a:spAutoFit/>
+          </a:bodyPr>
+          <a:lstStyle/>
+          <a:p>
+            <a:r>
+              <a:rPr lang="en-US" sz="3200" dirty="0"/>
+              <a:t>Hp:</a:t>
+            </a:r>
+          </a:p>
+        </p:txBody>
+      </p:sp>
+      <p:pic>
+        <p:nvPicPr>
+          <p:cNvPr id="20" name="Picture 19" descr="A white chess piece on a black background&#10;&#10;Description automatically generated">
+            <a:extLst>
+              <a:ext uri="{FF2B5EF4-FFF2-40B4-BE49-F238E27FC236}">
+                <a16:creationId xmlns:a16="http://schemas.microsoft.com/office/drawing/2014/main" id="{903D550A-E830-A86D-C4AB-9007317660F0}"/>
+              </a:ext>
+            </a:extLst>
+          </p:cNvPr>
+          <p:cNvPicPr>
+            <a:picLocks noChangeAspect="1"/>
+          </p:cNvPicPr>
+          <p:nvPr/>
+        </p:nvPicPr>
+        <p:blipFill>
+          <a:blip r:embed="rId6">
+            <a:extLst>
+              <a:ext uri="{28A0092B-C50C-407E-A947-70E740481C1C}">
+                <a14:useLocalDpi xmlns:a14="http://schemas.microsoft.com/office/drawing/2010/main" val="0"/>
+              </a:ext>
+            </a:extLst>
+          </a:blip>
+          <a:stretch>
+            <a:fillRect/>
+          </a:stretch>
+        </p:blipFill>
+        <p:spPr>
+          <a:xfrm>
+            <a:off x="11506199" y="138934"/>
+            <a:ext cx="529761" cy="784831"/>
+          </a:xfrm>
+          <a:prstGeom prst="rect">
+            <a:avLst/>
+          </a:prstGeom>
+        </p:spPr>
+      </p:pic>
     </p:spTree>
     <p:extLst>
       <p:ext uri="{BB962C8B-B14F-4D97-AF65-F5344CB8AC3E}">
-        <p14:creationId xmlns:p14="http://schemas.microsoft.com/office/powerpoint/2010/main" val="248721107"/>
+        <p14:creationId xmlns:p14="http://schemas.microsoft.com/office/powerpoint/2010/main" val="3321613000"/>
       </p:ext>
     </p:extLst>
   </p:cSld>

--- a/INTERGALAKTIČKI_ŠAH.pptx
+++ b/INTERGALAKTIČKI_ŠAH.pptx
@@ -126,6 +126,11 @@
       </a:defRPr>
     </a:lvl9pPr>
   </p:defaultTextStyle>
+  <p:extLst>
+    <p:ext uri="{EFAFB233-063F-42B5-8137-9DF3F51BA10A}">
+      <p15:sldGuideLst xmlns:p15="http://schemas.microsoft.com/office/powerpoint/2012/main"/>
+    </p:ext>
+  </p:extLst>
 </p:presentation>
 </file>
 
@@ -358,7 +363,7 @@
           <a:p>
             <a:fld id="{E3704F5F-67A2-4E5D-B5F7-54196B6D94CF}" type="datetimeFigureOut">
               <a:rPr lang="en-US" smtClean="0"/>
-              <a:t>7/9/2023</a:t>
+              <a:t>7/10/2023</a:t>
             </a:fld>
             <a:endParaRPr lang="en-US"/>
           </a:p>
@@ -692,7 +697,7 @@
           <a:p>
             <a:fld id="{E3704F5F-67A2-4E5D-B5F7-54196B6D94CF}" type="datetimeFigureOut">
               <a:rPr lang="en-US" smtClean="0"/>
-              <a:t>7/9/2023</a:t>
+              <a:t>7/10/2023</a:t>
             </a:fld>
             <a:endParaRPr lang="en-US"/>
           </a:p>
@@ -970,7 +975,7 @@
           <a:p>
             <a:fld id="{E3704F5F-67A2-4E5D-B5F7-54196B6D94CF}" type="datetimeFigureOut">
               <a:rPr lang="en-US" smtClean="0"/>
-              <a:t>7/9/2023</a:t>
+              <a:t>7/10/2023</a:t>
             </a:fld>
             <a:endParaRPr lang="en-US"/>
           </a:p>
@@ -1538,7 +1543,7 @@
           <a:p>
             <a:fld id="{E3704F5F-67A2-4E5D-B5F7-54196B6D94CF}" type="datetimeFigureOut">
               <a:rPr lang="en-US" smtClean="0"/>
-              <a:t>7/9/2023</a:t>
+              <a:t>7/10/2023</a:t>
             </a:fld>
             <a:endParaRPr lang="en-US"/>
           </a:p>
@@ -1816,7 +1821,7 @@
           <a:p>
             <a:fld id="{E3704F5F-67A2-4E5D-B5F7-54196B6D94CF}" type="datetimeFigureOut">
               <a:rPr lang="en-US" smtClean="0"/>
-              <a:t>7/9/2023</a:t>
+              <a:t>7/10/2023</a:t>
             </a:fld>
             <a:endParaRPr lang="en-US"/>
           </a:p>
@@ -2378,7 +2383,7 @@
           <a:p>
             <a:fld id="{E3704F5F-67A2-4E5D-B5F7-54196B6D94CF}" type="datetimeFigureOut">
               <a:rPr lang="en-US" smtClean="0"/>
-              <a:t>7/9/2023</a:t>
+              <a:t>7/10/2023</a:t>
             </a:fld>
             <a:endParaRPr lang="en-US"/>
           </a:p>
@@ -2705,7 +2710,7 @@
           <a:p>
             <a:fld id="{E3704F5F-67A2-4E5D-B5F7-54196B6D94CF}" type="datetimeFigureOut">
               <a:rPr lang="en-US" smtClean="0"/>
-              <a:t>7/9/2023</a:t>
+              <a:t>7/10/2023</a:t>
             </a:fld>
             <a:endParaRPr lang="en-US"/>
           </a:p>
@@ -2882,7 +2887,7 @@
           <a:p>
             <a:fld id="{E3704F5F-67A2-4E5D-B5F7-54196B6D94CF}" type="datetimeFigureOut">
               <a:rPr lang="en-US" smtClean="0"/>
-              <a:t>7/9/2023</a:t>
+              <a:t>7/10/2023</a:t>
             </a:fld>
             <a:endParaRPr lang="en-US"/>
           </a:p>
@@ -3120,7 +3125,7 @@
           <a:p>
             <a:fld id="{E3704F5F-67A2-4E5D-B5F7-54196B6D94CF}" type="datetimeFigureOut">
               <a:rPr lang="en-US" smtClean="0"/>
-              <a:t>7/9/2023</a:t>
+              <a:t>7/10/2023</a:t>
             </a:fld>
             <a:endParaRPr lang="en-US"/>
           </a:p>
@@ -3320,7 +3325,7 @@
           <a:p>
             <a:fld id="{E3704F5F-67A2-4E5D-B5F7-54196B6D94CF}" type="datetimeFigureOut">
               <a:rPr lang="en-US" smtClean="0"/>
-              <a:t>7/9/2023</a:t>
+              <a:t>7/10/2023</a:t>
             </a:fld>
             <a:endParaRPr lang="en-US"/>
           </a:p>
@@ -3596,7 +3601,7 @@
           <a:p>
             <a:fld id="{E3704F5F-67A2-4E5D-B5F7-54196B6D94CF}" type="datetimeFigureOut">
               <a:rPr lang="en-US" smtClean="0"/>
-              <a:t>7/9/2023</a:t>
+              <a:t>7/10/2023</a:t>
             </a:fld>
             <a:endParaRPr lang="en-US"/>
           </a:p>
@@ -3862,7 +3867,7 @@
           <a:p>
             <a:fld id="{E3704F5F-67A2-4E5D-B5F7-54196B6D94CF}" type="datetimeFigureOut">
               <a:rPr lang="en-US" smtClean="0"/>
-              <a:t>7/9/2023</a:t>
+              <a:t>7/10/2023</a:t>
             </a:fld>
             <a:endParaRPr lang="en-US"/>
           </a:p>
@@ -4236,7 +4241,7 @@
           <a:p>
             <a:fld id="{E3704F5F-67A2-4E5D-B5F7-54196B6D94CF}" type="datetimeFigureOut">
               <a:rPr lang="en-US" smtClean="0"/>
-              <a:t>7/9/2023</a:t>
+              <a:t>7/10/2023</a:t>
             </a:fld>
             <a:endParaRPr lang="en-US"/>
           </a:p>
@@ -4384,7 +4389,7 @@
           <a:p>
             <a:fld id="{E3704F5F-67A2-4E5D-B5F7-54196B6D94CF}" type="datetimeFigureOut">
               <a:rPr lang="en-US" smtClean="0"/>
-              <a:t>7/9/2023</a:t>
+              <a:t>7/10/2023</a:t>
             </a:fld>
             <a:endParaRPr lang="en-US"/>
           </a:p>
@@ -4509,7 +4514,7 @@
           <a:p>
             <a:fld id="{E3704F5F-67A2-4E5D-B5F7-54196B6D94CF}" type="datetimeFigureOut">
               <a:rPr lang="en-US" smtClean="0"/>
-              <a:t>7/9/2023</a:t>
+              <a:t>7/10/2023</a:t>
             </a:fld>
             <a:endParaRPr lang="en-US"/>
           </a:p>
@@ -4794,7 +4799,7 @@
           <a:p>
             <a:fld id="{E3704F5F-67A2-4E5D-B5F7-54196B6D94CF}" type="datetimeFigureOut">
               <a:rPr lang="en-US" smtClean="0"/>
-              <a:t>7/9/2023</a:t>
+              <a:t>7/10/2023</a:t>
             </a:fld>
             <a:endParaRPr lang="en-US"/>
           </a:p>
@@ -5118,7 +5123,7 @@
           <a:p>
             <a:fld id="{E3704F5F-67A2-4E5D-B5F7-54196B6D94CF}" type="datetimeFigureOut">
               <a:rPr lang="en-US" smtClean="0"/>
-              <a:t>7/9/2023</a:t>
+              <a:t>7/10/2023</a:t>
             </a:fld>
             <a:endParaRPr lang="en-US"/>
           </a:p>
@@ -5332,7 +5337,7 @@
           <a:p>
             <a:fld id="{E3704F5F-67A2-4E5D-B5F7-54196B6D94CF}" type="datetimeFigureOut">
               <a:rPr lang="en-US" smtClean="0"/>
-              <a:t>7/9/2023</a:t>
+              <a:t>7/10/2023</a:t>
             </a:fld>
             <a:endParaRPr lang="en-US"/>
           </a:p>
@@ -7215,7 +7220,7 @@
         </p:nvSpPr>
         <p:spPr>
           <a:xfrm>
-            <a:off x="608121" y="-95106"/>
+            <a:off x="588146" y="-131384"/>
             <a:ext cx="10131425" cy="3649133"/>
           </a:xfrm>
         </p:spPr>
@@ -7253,7 +7258,7 @@
             </a:r>
             <a:r>
               <a:rPr lang="en-US" dirty="0" err="1"/>
-              <a:t>geldamo</a:t>
+              <a:t>gledamo</a:t>
             </a:r>
             <a:r>
               <a:rPr lang="en-US" dirty="0"/>
@@ -7266,6 +7271,56 @@
             <a:r>
               <a:rPr lang="en-US" dirty="0"/>
               <a:t> hp</a:t>
+            </a:r>
+          </a:p>
+          <a:p>
+            <a:r>
+              <a:rPr lang="en-US" dirty="0" err="1"/>
+              <a:t>Igra</a:t>
+            </a:r>
+            <a:r>
+              <a:rPr lang="en-US" dirty="0"/>
+              <a:t> </a:t>
+            </a:r>
+            <a:r>
+              <a:rPr lang="en-US" dirty="0" err="1"/>
+              <a:t>završava</a:t>
+            </a:r>
+            <a:r>
+              <a:rPr lang="en-US" dirty="0"/>
+              <a:t> </a:t>
+            </a:r>
+            <a:r>
+              <a:rPr lang="en-US" dirty="0" err="1"/>
+              <a:t>kada</a:t>
+            </a:r>
+            <a:r>
+              <a:rPr lang="en-US" dirty="0"/>
+              <a:t> </a:t>
+            </a:r>
+            <a:r>
+              <a:rPr lang="en-US" dirty="0" err="1"/>
+              <a:t>kralj</a:t>
+            </a:r>
+            <a:r>
+              <a:rPr lang="en-US" dirty="0"/>
+              <a:t> </a:t>
+            </a:r>
+            <a:r>
+              <a:rPr lang="en-US" dirty="0" err="1"/>
+              <a:t>sigurno</a:t>
+            </a:r>
+            <a:r>
+              <a:rPr lang="en-US" dirty="0"/>
+              <a:t> </a:t>
+            </a:r>
+            <a:r>
+              <a:rPr lang="en-US" dirty="0" err="1"/>
+              <a:t>ostaje</a:t>
+            </a:r>
+            <a:r>
+              <a:rPr lang="en-US" dirty="0"/>
+              <a:t> bez hp-a</a:t>
             </a:r>
           </a:p>
         </p:txBody>
@@ -7328,7 +7383,7 @@
         </p:blipFill>
         <p:spPr>
           <a:xfrm>
-            <a:off x="1109708" y="2345950"/>
+            <a:off x="962378" y="2407066"/>
             <a:ext cx="4225772" cy="4207661"/>
           </a:xfrm>
           <a:prstGeom prst="rect">
@@ -7358,7 +7413,7 @@
         </p:blipFill>
         <p:spPr>
           <a:xfrm>
-            <a:off x="6348536" y="2345950"/>
+            <a:off x="6402660" y="2432506"/>
             <a:ext cx="4224554" cy="4212552"/>
           </a:xfrm>
           <a:prstGeom prst="rect">
@@ -7380,7 +7435,7 @@
         </p:nvSpPr>
         <p:spPr>
           <a:xfrm rot="18893131">
-            <a:off x="2786476" y="5099521"/>
+            <a:off x="2688820" y="5126154"/>
             <a:ext cx="2510929" cy="227811"/>
           </a:xfrm>
           <a:prstGeom prst="rightArrow">
@@ -7542,7 +7597,7 @@
         </p:nvSpPr>
         <p:spPr>
           <a:xfrm>
-            <a:off x="5086904" y="1905461"/>
+            <a:off x="5021576" y="1984704"/>
             <a:ext cx="1381084" cy="369332"/>
           </a:xfrm>
           <a:prstGeom prst="rect">
@@ -7747,8 +7802,8 @@
         </p:nvSpPr>
         <p:spPr>
           <a:xfrm>
-            <a:off x="4776085" y="1836553"/>
-            <a:ext cx="1692066" cy="369332"/>
+            <a:off x="2956603" y="1456625"/>
+            <a:ext cx="5419678" cy="923330"/>
           </a:xfrm>
           <a:prstGeom prst="rect">
             <a:avLst/>
@@ -7756,22 +7811,151 @@
           <a:noFill/>
         </p:spPr>
         <p:txBody>
-          <a:bodyPr wrap="none" rtlCol="0">
+          <a:bodyPr wrap="square" rtlCol="0">
             <a:spAutoFit/>
           </a:bodyPr>
           <a:lstStyle/>
           <a:p>
-            <a:r>
-              <a:rPr lang="en-US" dirty="0"/>
-              <a:t>Ovo </a:t>
-            </a:r>
-            <a:r>
-              <a:rPr lang="en-US" dirty="0" err="1"/>
-              <a:t>sada</a:t>
-            </a:r>
-            <a:r>
-              <a:rPr lang="en-US" dirty="0"/>
-              <a:t> je mat</a:t>
+            <a:pPr algn="ctr"/>
+            <a:r>
+              <a:rPr lang="en-US" dirty="0"/>
+              <a:t>Ova </a:t>
+            </a:r>
+            <a:r>
+              <a:rPr lang="en-US" dirty="0" err="1"/>
+              <a:t>zadnja</a:t>
+            </a:r>
+            <a:r>
+              <a:rPr lang="en-US" dirty="0"/>
+              <a:t> </a:t>
+            </a:r>
+            <a:r>
+              <a:rPr lang="en-US" dirty="0" err="1"/>
+              <a:t>pozicija</a:t>
+            </a:r>
+            <a:r>
+              <a:rPr lang="en-US" dirty="0"/>
+              <a:t>  je mat </a:t>
+            </a:r>
+            <a:r>
+              <a:rPr lang="en-US" dirty="0" err="1"/>
+              <a:t>jer</a:t>
+            </a:r>
+            <a:r>
+              <a:rPr lang="en-US" dirty="0"/>
+              <a:t> bez </a:t>
+            </a:r>
+            <a:r>
+              <a:rPr lang="en-US" dirty="0" err="1"/>
+              <a:t>obzira</a:t>
+            </a:r>
+            <a:r>
+              <a:rPr lang="en-US" dirty="0"/>
+              <a:t> </a:t>
+            </a:r>
+            <a:r>
+              <a:rPr lang="en-US" dirty="0" err="1"/>
+              <a:t>što</a:t>
+            </a:r>
+            <a:r>
+              <a:rPr lang="en-US" dirty="0"/>
+              <a:t> </a:t>
+            </a:r>
+            <a:r>
+              <a:rPr lang="en-US" dirty="0" err="1"/>
+              <a:t>crni</a:t>
+            </a:r>
+            <a:r>
+              <a:rPr lang="en-US" dirty="0"/>
+              <a:t> </a:t>
+            </a:r>
+            <a:r>
+              <a:rPr lang="en-US" dirty="0" err="1"/>
+              <a:t>igrač</a:t>
+            </a:r>
+            <a:r>
+              <a:rPr lang="en-US" dirty="0"/>
+              <a:t> </a:t>
+            </a:r>
+            <a:r>
+              <a:rPr lang="en-US" dirty="0" err="1"/>
+              <a:t>napravi</a:t>
+            </a:r>
+            <a:r>
+              <a:rPr lang="en-US" dirty="0"/>
+              <a:t>, </a:t>
+            </a:r>
+            <a:r>
+              <a:rPr lang="en-US" dirty="0" err="1"/>
+              <a:t>bijela</a:t>
+            </a:r>
+            <a:r>
+              <a:rPr lang="en-US" dirty="0"/>
+              <a:t> </a:t>
+            </a:r>
+            <a:r>
+              <a:rPr lang="en-US" dirty="0" err="1"/>
+              <a:t>kraljica</a:t>
+            </a:r>
+            <a:r>
+              <a:rPr lang="en-US" dirty="0"/>
+              <a:t> </a:t>
+            </a:r>
+            <a:r>
+              <a:rPr lang="en-US" dirty="0" err="1"/>
+              <a:t>će</a:t>
+            </a:r>
+            <a:r>
+              <a:rPr lang="en-US" dirty="0"/>
+              <a:t> </a:t>
+            </a:r>
+            <a:r>
+              <a:rPr lang="en-US" dirty="0" err="1"/>
+              <a:t>na</a:t>
+            </a:r>
+            <a:r>
+              <a:rPr lang="en-US" dirty="0"/>
+              <a:t> </a:t>
+            </a:r>
+            <a:r>
+              <a:rPr lang="en-US" dirty="0" err="1"/>
+              <a:t>sljedećem</a:t>
+            </a:r>
+            <a:r>
+              <a:rPr lang="en-US" dirty="0"/>
+              <a:t> </a:t>
+            </a:r>
+            <a:r>
+              <a:rPr lang="en-US" dirty="0" err="1"/>
+              <a:t>potezu</a:t>
+            </a:r>
+            <a:r>
+              <a:rPr lang="en-US" dirty="0"/>
+              <a:t> </a:t>
+            </a:r>
+            <a:r>
+              <a:rPr lang="en-US" dirty="0" err="1"/>
+              <a:t>spustiti</a:t>
+            </a:r>
+            <a:r>
+              <a:rPr lang="en-US" dirty="0"/>
+              <a:t> </a:t>
+            </a:r>
+            <a:r>
+              <a:rPr lang="en-US" dirty="0" err="1"/>
+              <a:t>kraljev</a:t>
+            </a:r>
+            <a:r>
+              <a:rPr lang="en-US" dirty="0"/>
+              <a:t> Hp </a:t>
+            </a:r>
+            <a:r>
+              <a:rPr lang="en-US" dirty="0" err="1"/>
+              <a:t>na</a:t>
+            </a:r>
+            <a:r>
+              <a:rPr lang="en-US" dirty="0"/>
+              <a:t> 0</a:t>
             </a:r>
           </a:p>
         </p:txBody>
@@ -7882,8 +8066,8 @@
         </p:blipFill>
         <p:spPr>
           <a:xfrm>
-            <a:off x="6525558" y="2387811"/>
-            <a:ext cx="4038614" cy="4055898"/>
+            <a:off x="6534436" y="2320691"/>
+            <a:ext cx="4296322" cy="4314709"/>
           </a:xfrm>
           <a:prstGeom prst="rect">
             <a:avLst/>
@@ -7904,7 +8088,7 @@
         </p:nvSpPr>
         <p:spPr>
           <a:xfrm rot="13585168">
-            <a:off x="8612563" y="3261301"/>
+            <a:off x="8852619" y="3230247"/>
             <a:ext cx="1726843" cy="215832"/>
           </a:xfrm>
           <a:prstGeom prst="rightArrow">
@@ -8408,7 +8592,7 @@
             </a:r>
             <a:r>
               <a:rPr lang="en-GB" sz="2000" dirty="0"/>
-              <a:t> username-om koji s </a:t>
+              <a:t> username-om koji se </a:t>
             </a:r>
             <a:r>
               <a:rPr lang="en-GB" sz="2000" dirty="0" err="1"/>
@@ -10945,7 +11129,7 @@
             </a:r>
             <a:r>
               <a:rPr lang="en-US" dirty="0" err="1"/>
-              <a:t>igra</a:t>
+              <a:t>igara</a:t>
             </a:r>
             <a:r>
               <a:rPr lang="en-US" dirty="0"/>
